--- a/Java SE 8 Teaching Material/Chapter 5 - Working With Java Data Type.pptx
+++ b/Java SE 8 Teaching Material/Chapter 5 - Working With Java Data Type.pptx
@@ -14,6 +14,11 @@
     <p:sldId id="263" r:id="rId8"/>
     <p:sldId id="264" r:id="rId9"/>
     <p:sldId id="265" r:id="rId10"/>
+    <p:sldId id="266" r:id="rId11"/>
+    <p:sldId id="267" r:id="rId12"/>
+    <p:sldId id="268" r:id="rId13"/>
+    <p:sldId id="269" r:id="rId14"/>
+    <p:sldId id="271" r:id="rId15"/>
   </p:sldIdLst>
   <p:sldSz cx="12192000" cy="6858000"/>
   <p:notesSz cx="6858000" cy="9144000"/>
@@ -126,6 +131,11 @@
             <p14:sldId id="263"/>
             <p14:sldId id="264"/>
             <p14:sldId id="265"/>
+            <p14:sldId id="266"/>
+            <p14:sldId id="267"/>
+            <p14:sldId id="268"/>
+            <p14:sldId id="269"/>
+            <p14:sldId id="271"/>
           </p14:sldIdLst>
         </p14:section>
       </p14:sectionLst>
@@ -1668,7 +1678,7 @@
           <a:p>
             <a:fld id="{BAA8DE05-51EE-4692-B197-877FA1DAAAED}" type="datetimeFigureOut">
               <a:rPr lang="en-US" smtClean="0"/>
-              <a:t>8/17/24</a:t>
+              <a:t>8/18/24</a:t>
             </a:fld>
             <a:endParaRPr lang="en-US"/>
           </a:p>
@@ -1866,7 +1876,7 @@
           <a:p>
             <a:fld id="{BAA8DE05-51EE-4692-B197-877FA1DAAAED}" type="datetimeFigureOut">
               <a:rPr lang="en-US" smtClean="0"/>
-              <a:t>8/17/24</a:t>
+              <a:t>8/18/24</a:t>
             </a:fld>
             <a:endParaRPr lang="en-US"/>
           </a:p>
@@ -2074,7 +2084,7 @@
           <a:p>
             <a:fld id="{BAA8DE05-51EE-4692-B197-877FA1DAAAED}" type="datetimeFigureOut">
               <a:rPr lang="en-US" smtClean="0"/>
-              <a:t>8/17/24</a:t>
+              <a:t>8/18/24</a:t>
             </a:fld>
             <a:endParaRPr lang="en-US"/>
           </a:p>
@@ -2272,7 +2282,7 @@
           <a:p>
             <a:fld id="{BAA8DE05-51EE-4692-B197-877FA1DAAAED}" type="datetimeFigureOut">
               <a:rPr lang="en-US" smtClean="0"/>
-              <a:t>8/17/24</a:t>
+              <a:t>8/18/24</a:t>
             </a:fld>
             <a:endParaRPr lang="en-US"/>
           </a:p>
@@ -2547,7 +2557,7 @@
           <a:p>
             <a:fld id="{BAA8DE05-51EE-4692-B197-877FA1DAAAED}" type="datetimeFigureOut">
               <a:rPr lang="en-US" smtClean="0"/>
-              <a:t>8/17/24</a:t>
+              <a:t>8/18/24</a:t>
             </a:fld>
             <a:endParaRPr lang="en-US"/>
           </a:p>
@@ -2812,7 +2822,7 @@
           <a:p>
             <a:fld id="{BAA8DE05-51EE-4692-B197-877FA1DAAAED}" type="datetimeFigureOut">
               <a:rPr lang="en-US" smtClean="0"/>
-              <a:t>8/17/24</a:t>
+              <a:t>8/18/24</a:t>
             </a:fld>
             <a:endParaRPr lang="en-US"/>
           </a:p>
@@ -3224,7 +3234,7 @@
           <a:p>
             <a:fld id="{BAA8DE05-51EE-4692-B197-877FA1DAAAED}" type="datetimeFigureOut">
               <a:rPr lang="en-US" smtClean="0"/>
-              <a:t>8/17/24</a:t>
+              <a:t>8/18/24</a:t>
             </a:fld>
             <a:endParaRPr lang="en-US"/>
           </a:p>
@@ -3365,7 +3375,7 @@
           <a:p>
             <a:fld id="{BAA8DE05-51EE-4692-B197-877FA1DAAAED}" type="datetimeFigureOut">
               <a:rPr lang="en-US" smtClean="0"/>
-              <a:t>8/17/24</a:t>
+              <a:t>8/18/24</a:t>
             </a:fld>
             <a:endParaRPr lang="en-US"/>
           </a:p>
@@ -3478,7 +3488,7 @@
           <a:p>
             <a:fld id="{BAA8DE05-51EE-4692-B197-877FA1DAAAED}" type="datetimeFigureOut">
               <a:rPr lang="en-US" smtClean="0"/>
-              <a:t>8/17/24</a:t>
+              <a:t>8/18/24</a:t>
             </a:fld>
             <a:endParaRPr lang="en-US"/>
           </a:p>
@@ -3789,7 +3799,7 @@
           <a:p>
             <a:fld id="{BAA8DE05-51EE-4692-B197-877FA1DAAAED}" type="datetimeFigureOut">
               <a:rPr lang="en-US" smtClean="0"/>
-              <a:t>8/17/24</a:t>
+              <a:t>8/18/24</a:t>
             </a:fld>
             <a:endParaRPr lang="en-US"/>
           </a:p>
@@ -4077,7 +4087,7 @@
           <a:p>
             <a:fld id="{BAA8DE05-51EE-4692-B197-877FA1DAAAED}" type="datetimeFigureOut">
               <a:rPr lang="en-US" smtClean="0"/>
-              <a:t>8/17/24</a:t>
+              <a:t>8/18/24</a:t>
             </a:fld>
             <a:endParaRPr lang="en-US"/>
           </a:p>
@@ -4318,7 +4328,7 @@
           <a:p>
             <a:fld id="{BAA8DE05-51EE-4692-B197-877FA1DAAAED}" type="datetimeFigureOut">
               <a:rPr lang="en-US" smtClean="0"/>
-              <a:t>8/17/24</a:t>
+              <a:t>8/18/24</a:t>
             </a:fld>
             <a:endParaRPr lang="en-US"/>
           </a:p>
@@ -4806,6 +4816,3922 @@
 </p:sld>
 </file>
 
+<file path=ppt/slides/slide10.xml><?xml version="1.0" encoding="utf-8"?>
+<p:sld xmlns:a="http://schemas.openxmlformats.org/drawingml/2006/main" xmlns:r="http://schemas.openxmlformats.org/officeDocument/2006/relationships" xmlns:p="http://schemas.openxmlformats.org/presentationml/2006/main">
+  <p:cSld>
+    <p:spTree>
+      <p:nvGrpSpPr>
+        <p:cNvPr id="1" name=""/>
+        <p:cNvGrpSpPr/>
+        <p:nvPr/>
+      </p:nvGrpSpPr>
+      <p:grpSpPr>
+        <a:xfrm>
+          <a:off x="0" y="0"/>
+          <a:ext cx="0" cy="0"/>
+          <a:chOff x="0" y="0"/>
+          <a:chExt cx="0" cy="0"/>
+        </a:xfrm>
+      </p:grpSpPr>
+      <p:sp>
+        <p:nvSpPr>
+          <p:cNvPr id="3" name="Subtitle 2">
+            <a:extLst>
+              <a:ext uri="{FF2B5EF4-FFF2-40B4-BE49-F238E27FC236}">
+                <a16:creationId xmlns:a16="http://schemas.microsoft.com/office/drawing/2014/main" id="{96DD8BC4-D539-661E-8A88-53AF6C208F93}"/>
+              </a:ext>
+            </a:extLst>
+          </p:cNvPr>
+          <p:cNvSpPr>
+            <a:spLocks noGrp="1"/>
+          </p:cNvSpPr>
+          <p:nvPr>
+            <p:ph type="subTitle" idx="1"/>
+          </p:nvPr>
+        </p:nvSpPr>
+        <p:spPr>
+          <a:xfrm>
+            <a:off x="152399" y="217488"/>
+            <a:ext cx="12039601" cy="303212"/>
+          </a:xfrm>
+        </p:spPr>
+        <p:txBody>
+          <a:bodyPr>
+            <a:normAutofit fontScale="92500" lnSpcReduction="20000"/>
+          </a:bodyPr>
+          <a:lstStyle/>
+          <a:p>
+            <a:r>
+              <a:rPr lang="en-US" sz="1800" b="1" dirty="0"/>
+              <a:t>5.3 Declare and initialize variables </a:t>
+            </a:r>
+            <a:r>
+              <a:rPr lang="en-US" sz="1800" dirty="0"/>
+              <a:t>– 5.3.3 Uninitialized variables and default value</a:t>
+            </a:r>
+            <a:endParaRPr lang="en-US" sz="1800" b="1" dirty="0"/>
+          </a:p>
+        </p:txBody>
+      </p:sp>
+      <p:sp>
+        <p:nvSpPr>
+          <p:cNvPr id="4" name="Subtitle 2">
+            <a:extLst>
+              <a:ext uri="{FF2B5EF4-FFF2-40B4-BE49-F238E27FC236}">
+                <a16:creationId xmlns:a16="http://schemas.microsoft.com/office/drawing/2014/main" id="{BBA13038-CAB8-FCA0-CDE8-65E40C2F10A3}"/>
+              </a:ext>
+            </a:extLst>
+          </p:cNvPr>
+          <p:cNvSpPr txBox="1">
+            <a:spLocks/>
+          </p:cNvSpPr>
+          <p:nvPr/>
+        </p:nvSpPr>
+        <p:spPr>
+          <a:xfrm>
+            <a:off x="0" y="820738"/>
+            <a:ext cx="12192000" cy="6037262"/>
+          </a:xfrm>
+          <a:prstGeom prst="rect">
+            <a:avLst/>
+          </a:prstGeom>
+        </p:spPr>
+        <p:txBody>
+          <a:bodyPr vert="horz" lIns="91440" tIns="45720" rIns="91440" bIns="45720" rtlCol="0">
+            <a:normAutofit/>
+          </a:bodyPr>
+          <a:lstStyle>
+            <a:lvl1pPr marL="0" indent="0" algn="ctr" defTabSz="914400" rtl="0" eaLnBrk="1" latinLnBrk="0" hangingPunct="1">
+              <a:lnSpc>
+                <a:spcPct val="90000"/>
+              </a:lnSpc>
+              <a:spcBef>
+                <a:spcPts val="1000"/>
+              </a:spcBef>
+              <a:buFont typeface="Arial" panose="020B0604020202020204" pitchFamily="34" charset="0"/>
+              <a:buNone/>
+              <a:defRPr sz="2400" kern="1200">
+                <a:solidFill>
+                  <a:schemeClr val="tx1"/>
+                </a:solidFill>
+                <a:latin typeface="+mn-lt"/>
+                <a:ea typeface="+mn-ea"/>
+                <a:cs typeface="+mn-cs"/>
+              </a:defRPr>
+            </a:lvl1pPr>
+            <a:lvl2pPr marL="457200" indent="0" algn="ctr" defTabSz="914400" rtl="0" eaLnBrk="1" latinLnBrk="0" hangingPunct="1">
+              <a:lnSpc>
+                <a:spcPct val="90000"/>
+              </a:lnSpc>
+              <a:spcBef>
+                <a:spcPts val="500"/>
+              </a:spcBef>
+              <a:buFont typeface="Arial" panose="020B0604020202020204" pitchFamily="34" charset="0"/>
+              <a:buNone/>
+              <a:defRPr sz="2000" kern="1200">
+                <a:solidFill>
+                  <a:schemeClr val="tx1"/>
+                </a:solidFill>
+                <a:latin typeface="+mn-lt"/>
+                <a:ea typeface="+mn-ea"/>
+                <a:cs typeface="+mn-cs"/>
+              </a:defRPr>
+            </a:lvl2pPr>
+            <a:lvl3pPr marL="914400" indent="0" algn="ctr" defTabSz="914400" rtl="0" eaLnBrk="1" latinLnBrk="0" hangingPunct="1">
+              <a:lnSpc>
+                <a:spcPct val="90000"/>
+              </a:lnSpc>
+              <a:spcBef>
+                <a:spcPts val="500"/>
+              </a:spcBef>
+              <a:buFont typeface="Arial" panose="020B0604020202020204" pitchFamily="34" charset="0"/>
+              <a:buNone/>
+              <a:defRPr sz="1800" kern="1200">
+                <a:solidFill>
+                  <a:schemeClr val="tx1"/>
+                </a:solidFill>
+                <a:latin typeface="+mn-lt"/>
+                <a:ea typeface="+mn-ea"/>
+                <a:cs typeface="+mn-cs"/>
+              </a:defRPr>
+            </a:lvl3pPr>
+            <a:lvl4pPr marL="1371600" indent="0" algn="ctr" defTabSz="914400" rtl="0" eaLnBrk="1" latinLnBrk="0" hangingPunct="1">
+              <a:lnSpc>
+                <a:spcPct val="90000"/>
+              </a:lnSpc>
+              <a:spcBef>
+                <a:spcPts val="500"/>
+              </a:spcBef>
+              <a:buFont typeface="Arial" panose="020B0604020202020204" pitchFamily="34" charset="0"/>
+              <a:buNone/>
+              <a:defRPr sz="1600" kern="1200">
+                <a:solidFill>
+                  <a:schemeClr val="tx1"/>
+                </a:solidFill>
+                <a:latin typeface="+mn-lt"/>
+                <a:ea typeface="+mn-ea"/>
+                <a:cs typeface="+mn-cs"/>
+              </a:defRPr>
+            </a:lvl4pPr>
+            <a:lvl5pPr marL="1828800" indent="0" algn="ctr" defTabSz="914400" rtl="0" eaLnBrk="1" latinLnBrk="0" hangingPunct="1">
+              <a:lnSpc>
+                <a:spcPct val="90000"/>
+              </a:lnSpc>
+              <a:spcBef>
+                <a:spcPts val="500"/>
+              </a:spcBef>
+              <a:buFont typeface="Arial" panose="020B0604020202020204" pitchFamily="34" charset="0"/>
+              <a:buNone/>
+              <a:defRPr sz="1600" kern="1200">
+                <a:solidFill>
+                  <a:schemeClr val="tx1"/>
+                </a:solidFill>
+                <a:latin typeface="+mn-lt"/>
+                <a:ea typeface="+mn-ea"/>
+                <a:cs typeface="+mn-cs"/>
+              </a:defRPr>
+            </a:lvl5pPr>
+            <a:lvl6pPr marL="2286000" indent="0" algn="ctr" defTabSz="914400" rtl="0" eaLnBrk="1" latinLnBrk="0" hangingPunct="1">
+              <a:lnSpc>
+                <a:spcPct val="90000"/>
+              </a:lnSpc>
+              <a:spcBef>
+                <a:spcPts val="500"/>
+              </a:spcBef>
+              <a:buFont typeface="Arial" panose="020B0604020202020204" pitchFamily="34" charset="0"/>
+              <a:buNone/>
+              <a:defRPr sz="1600" kern="1200">
+                <a:solidFill>
+                  <a:schemeClr val="tx1"/>
+                </a:solidFill>
+                <a:latin typeface="+mn-lt"/>
+                <a:ea typeface="+mn-ea"/>
+                <a:cs typeface="+mn-cs"/>
+              </a:defRPr>
+            </a:lvl6pPr>
+            <a:lvl7pPr marL="2743200" indent="0" algn="ctr" defTabSz="914400" rtl="0" eaLnBrk="1" latinLnBrk="0" hangingPunct="1">
+              <a:lnSpc>
+                <a:spcPct val="90000"/>
+              </a:lnSpc>
+              <a:spcBef>
+                <a:spcPts val="500"/>
+              </a:spcBef>
+              <a:buFont typeface="Arial" panose="020B0604020202020204" pitchFamily="34" charset="0"/>
+              <a:buNone/>
+              <a:defRPr sz="1600" kern="1200">
+                <a:solidFill>
+                  <a:schemeClr val="tx1"/>
+                </a:solidFill>
+                <a:latin typeface="+mn-lt"/>
+                <a:ea typeface="+mn-ea"/>
+                <a:cs typeface="+mn-cs"/>
+              </a:defRPr>
+            </a:lvl7pPr>
+            <a:lvl8pPr marL="3200400" indent="0" algn="ctr" defTabSz="914400" rtl="0" eaLnBrk="1" latinLnBrk="0" hangingPunct="1">
+              <a:lnSpc>
+                <a:spcPct val="90000"/>
+              </a:lnSpc>
+              <a:spcBef>
+                <a:spcPts val="500"/>
+              </a:spcBef>
+              <a:buFont typeface="Arial" panose="020B0604020202020204" pitchFamily="34" charset="0"/>
+              <a:buNone/>
+              <a:defRPr sz="1600" kern="1200">
+                <a:solidFill>
+                  <a:schemeClr val="tx1"/>
+                </a:solidFill>
+                <a:latin typeface="+mn-lt"/>
+                <a:ea typeface="+mn-ea"/>
+                <a:cs typeface="+mn-cs"/>
+              </a:defRPr>
+            </a:lvl8pPr>
+            <a:lvl9pPr marL="3657600" indent="0" algn="ctr" defTabSz="914400" rtl="0" eaLnBrk="1" latinLnBrk="0" hangingPunct="1">
+              <a:lnSpc>
+                <a:spcPct val="90000"/>
+              </a:lnSpc>
+              <a:spcBef>
+                <a:spcPts val="500"/>
+              </a:spcBef>
+              <a:buFont typeface="Arial" panose="020B0604020202020204" pitchFamily="34" charset="0"/>
+              <a:buNone/>
+              <a:defRPr sz="1600" kern="1200">
+                <a:solidFill>
+                  <a:schemeClr val="tx1"/>
+                </a:solidFill>
+                <a:latin typeface="+mn-lt"/>
+                <a:ea typeface="+mn-ea"/>
+                <a:cs typeface="+mn-cs"/>
+              </a:defRPr>
+            </a:lvl9pPr>
+          </a:lstStyle>
+          <a:p>
+            <a:pPr marL="285750" indent="-285750" algn="l">
+              <a:buFontTx/>
+              <a:buChar char="-"/>
+            </a:pPr>
+            <a:r>
+              <a:rPr lang="en-US" sz="1800" dirty="0"/>
+              <a:t>A compiler must perform a </a:t>
+            </a:r>
+            <a:r>
+              <a:rPr lang="en-US" sz="1800" b="1" dirty="0"/>
+              <a:t>“flow analysis”</a:t>
+            </a:r>
+            <a:r>
+              <a:rPr lang="en-US" sz="1800" dirty="0"/>
+              <a:t>, which analyzes all possible execution paths that have the case where a variable is accessed without initialization. However, the compiler can’t execute code =&gt; it can’t make inferences based on the </a:t>
+            </a:r>
+            <a:r>
+              <a:rPr lang="en-US" sz="1800" b="1" dirty="0"/>
+              <a:t>RESULT</a:t>
+            </a:r>
+            <a:r>
+              <a:rPr lang="en-US" sz="1800" dirty="0"/>
+              <a:t> from the execution of the code. Still, it can make inferences based on the information available at the compile time. There is a special variable called </a:t>
+            </a:r>
+            <a:r>
+              <a:rPr lang="en-US" sz="1800" b="1" dirty="0"/>
+              <a:t>“compile-time constant” </a:t>
+            </a:r>
+            <a:r>
+              <a:rPr lang="en-US" sz="1800" dirty="0"/>
+              <a:t>– the only variable that the compiler can understand during the </a:t>
+            </a:r>
+            <a:r>
+              <a:rPr lang="en-US" sz="1800" b="1" dirty="0"/>
+              <a:t>COMPILATION</a:t>
+            </a:r>
+          </a:p>
+          <a:p>
+            <a:pPr algn="l"/>
+            <a:r>
+              <a:rPr lang="en-US" sz="1800" dirty="0"/>
+              <a:t>=&gt; JVM will initialize static and instance variables to default values if we do not initialize them explicitly. But with local variables, we have to initialize them explicitly, or we will receive errors from the compiler</a:t>
+            </a:r>
+          </a:p>
+        </p:txBody>
+      </p:sp>
+    </p:spTree>
+    <p:extLst>
+      <p:ext uri="{BB962C8B-B14F-4D97-AF65-F5344CB8AC3E}">
+        <p14:creationId xmlns:p14="http://schemas.microsoft.com/office/powerpoint/2010/main" val="3837431866"/>
+      </p:ext>
+    </p:extLst>
+  </p:cSld>
+  <p:clrMapOvr>
+    <a:masterClrMapping/>
+  </p:clrMapOvr>
+  <p:timing>
+    <p:tnLst>
+      <p:par>
+        <p:cTn id="1" dur="indefinite" restart="never" nodeType="tmRoot">
+          <p:childTnLst>
+            <p:seq concurrent="1" nextAc="seek">
+              <p:cTn id="2" dur="indefinite" nodeType="mainSeq">
+                <p:childTnLst>
+                  <p:par>
+                    <p:cTn id="3" fill="hold">
+                      <p:stCondLst>
+                        <p:cond delay="indefinite"/>
+                      </p:stCondLst>
+                      <p:childTnLst>
+                        <p:par>
+                          <p:cTn id="4" fill="hold">
+                            <p:stCondLst>
+                              <p:cond delay="0"/>
+                            </p:stCondLst>
+                            <p:childTnLst>
+                              <p:par>
+                                <p:cTn id="5" presetID="1" presetClass="entr" presetSubtype="0" fill="hold" nodeType="clickEffect">
+                                  <p:stCondLst>
+                                    <p:cond delay="0"/>
+                                  </p:stCondLst>
+                                  <p:childTnLst>
+                                    <p:set>
+                                      <p:cBhvr>
+                                        <p:cTn id="6" dur="1" fill="hold">
+                                          <p:stCondLst>
+                                            <p:cond delay="0"/>
+                                          </p:stCondLst>
+                                        </p:cTn>
+                                        <p:tgtEl>
+                                          <p:spTgt spid="4">
+                                            <p:txEl>
+                                              <p:pRg st="0" end="0"/>
+                                            </p:txEl>
+                                          </p:spTgt>
+                                        </p:tgtEl>
+                                        <p:attrNameLst>
+                                          <p:attrName>style.visibility</p:attrName>
+                                        </p:attrNameLst>
+                                      </p:cBhvr>
+                                      <p:to>
+                                        <p:strVal val="visible"/>
+                                      </p:to>
+                                    </p:set>
+                                  </p:childTnLst>
+                                </p:cTn>
+                              </p:par>
+                            </p:childTnLst>
+                          </p:cTn>
+                        </p:par>
+                      </p:childTnLst>
+                    </p:cTn>
+                  </p:par>
+                  <p:par>
+                    <p:cTn id="7" fill="hold">
+                      <p:stCondLst>
+                        <p:cond delay="indefinite"/>
+                      </p:stCondLst>
+                      <p:childTnLst>
+                        <p:par>
+                          <p:cTn id="8" fill="hold">
+                            <p:stCondLst>
+                              <p:cond delay="0"/>
+                            </p:stCondLst>
+                            <p:childTnLst>
+                              <p:par>
+                                <p:cTn id="9" presetID="1" presetClass="entr" presetSubtype="0" fill="hold" nodeType="clickEffect">
+                                  <p:stCondLst>
+                                    <p:cond delay="0"/>
+                                  </p:stCondLst>
+                                  <p:childTnLst>
+                                    <p:set>
+                                      <p:cBhvr>
+                                        <p:cTn id="10" dur="1" fill="hold">
+                                          <p:stCondLst>
+                                            <p:cond delay="0"/>
+                                          </p:stCondLst>
+                                        </p:cTn>
+                                        <p:tgtEl>
+                                          <p:spTgt spid="4">
+                                            <p:txEl>
+                                              <p:pRg st="1" end="1"/>
+                                            </p:txEl>
+                                          </p:spTgt>
+                                        </p:tgtEl>
+                                        <p:attrNameLst>
+                                          <p:attrName>style.visibility</p:attrName>
+                                        </p:attrNameLst>
+                                      </p:cBhvr>
+                                      <p:to>
+                                        <p:strVal val="visible"/>
+                                      </p:to>
+                                    </p:set>
+                                  </p:childTnLst>
+                                </p:cTn>
+                              </p:par>
+                            </p:childTnLst>
+                          </p:cTn>
+                        </p:par>
+                      </p:childTnLst>
+                    </p:cTn>
+                  </p:par>
+                </p:childTnLst>
+              </p:cTn>
+              <p:prevCondLst>
+                <p:cond evt="onPrev" delay="0">
+                  <p:tgtEl>
+                    <p:sldTgt/>
+                  </p:tgtEl>
+                </p:cond>
+              </p:prevCondLst>
+              <p:nextCondLst>
+                <p:cond evt="onNext" delay="0">
+                  <p:tgtEl>
+                    <p:sldTgt/>
+                  </p:tgtEl>
+                </p:cond>
+              </p:nextCondLst>
+            </p:seq>
+          </p:childTnLst>
+        </p:cTn>
+      </p:par>
+    </p:tnLst>
+  </p:timing>
+</p:sld>
+</file>
+
+<file path=ppt/slides/slide11.xml><?xml version="1.0" encoding="utf-8"?>
+<p:sld xmlns:a="http://schemas.openxmlformats.org/drawingml/2006/main" xmlns:r="http://schemas.openxmlformats.org/officeDocument/2006/relationships" xmlns:p="http://schemas.openxmlformats.org/presentationml/2006/main">
+  <p:cSld>
+    <p:spTree>
+      <p:nvGrpSpPr>
+        <p:cNvPr id="1" name=""/>
+        <p:cNvGrpSpPr/>
+        <p:nvPr/>
+      </p:nvGrpSpPr>
+      <p:grpSpPr>
+        <a:xfrm>
+          <a:off x="0" y="0"/>
+          <a:ext cx="0" cy="0"/>
+          <a:chOff x="0" y="0"/>
+          <a:chExt cx="0" cy="0"/>
+        </a:xfrm>
+      </p:grpSpPr>
+      <p:sp>
+        <p:nvSpPr>
+          <p:cNvPr id="3" name="Subtitle 2">
+            <a:extLst>
+              <a:ext uri="{FF2B5EF4-FFF2-40B4-BE49-F238E27FC236}">
+                <a16:creationId xmlns:a16="http://schemas.microsoft.com/office/drawing/2014/main" id="{96DD8BC4-D539-661E-8A88-53AF6C208F93}"/>
+              </a:ext>
+            </a:extLst>
+          </p:cNvPr>
+          <p:cNvSpPr>
+            <a:spLocks noGrp="1"/>
+          </p:cNvSpPr>
+          <p:nvPr>
+            <p:ph type="subTitle" idx="1"/>
+          </p:nvPr>
+        </p:nvSpPr>
+        <p:spPr>
+          <a:xfrm>
+            <a:off x="152399" y="217488"/>
+            <a:ext cx="12039601" cy="303212"/>
+          </a:xfrm>
+        </p:spPr>
+        <p:txBody>
+          <a:bodyPr>
+            <a:normAutofit fontScale="92500" lnSpcReduction="20000"/>
+          </a:bodyPr>
+          <a:lstStyle/>
+          <a:p>
+            <a:r>
+              <a:rPr lang="en-US" sz="1800" b="1" dirty="0"/>
+              <a:t>5.3 Declare and initialize variables </a:t>
+            </a:r>
+            <a:r>
+              <a:rPr lang="en-US" sz="1800" dirty="0"/>
+              <a:t>– 5.3.4 Assigning values to variables</a:t>
+            </a:r>
+            <a:endParaRPr lang="en-US" sz="1800" b="1" dirty="0"/>
+          </a:p>
+        </p:txBody>
+      </p:sp>
+      <p:sp>
+        <p:nvSpPr>
+          <p:cNvPr id="4" name="Subtitle 2">
+            <a:extLst>
+              <a:ext uri="{FF2B5EF4-FFF2-40B4-BE49-F238E27FC236}">
+                <a16:creationId xmlns:a16="http://schemas.microsoft.com/office/drawing/2014/main" id="{BBA13038-CAB8-FCA0-CDE8-65E40C2F10A3}"/>
+              </a:ext>
+            </a:extLst>
+          </p:cNvPr>
+          <p:cNvSpPr txBox="1">
+            <a:spLocks/>
+          </p:cNvSpPr>
+          <p:nvPr/>
+        </p:nvSpPr>
+        <p:spPr>
+          <a:xfrm>
+            <a:off x="0" y="520700"/>
+            <a:ext cx="12192000" cy="6337300"/>
+          </a:xfrm>
+          <a:prstGeom prst="rect">
+            <a:avLst/>
+          </a:prstGeom>
+        </p:spPr>
+        <p:txBody>
+          <a:bodyPr vert="horz" lIns="91440" tIns="45720" rIns="91440" bIns="45720" rtlCol="0">
+            <a:normAutofit fontScale="92500" lnSpcReduction="10000"/>
+          </a:bodyPr>
+          <a:lstStyle>
+            <a:lvl1pPr marL="0" indent="0" algn="ctr" defTabSz="914400" rtl="0" eaLnBrk="1" latinLnBrk="0" hangingPunct="1">
+              <a:lnSpc>
+                <a:spcPct val="90000"/>
+              </a:lnSpc>
+              <a:spcBef>
+                <a:spcPts val="1000"/>
+              </a:spcBef>
+              <a:buFont typeface="Arial" panose="020B0604020202020204" pitchFamily="34" charset="0"/>
+              <a:buNone/>
+              <a:defRPr sz="2400" kern="1200">
+                <a:solidFill>
+                  <a:schemeClr val="tx1"/>
+                </a:solidFill>
+                <a:latin typeface="+mn-lt"/>
+                <a:ea typeface="+mn-ea"/>
+                <a:cs typeface="+mn-cs"/>
+              </a:defRPr>
+            </a:lvl1pPr>
+            <a:lvl2pPr marL="457200" indent="0" algn="ctr" defTabSz="914400" rtl="0" eaLnBrk="1" latinLnBrk="0" hangingPunct="1">
+              <a:lnSpc>
+                <a:spcPct val="90000"/>
+              </a:lnSpc>
+              <a:spcBef>
+                <a:spcPts val="500"/>
+              </a:spcBef>
+              <a:buFont typeface="Arial" panose="020B0604020202020204" pitchFamily="34" charset="0"/>
+              <a:buNone/>
+              <a:defRPr sz="2000" kern="1200">
+                <a:solidFill>
+                  <a:schemeClr val="tx1"/>
+                </a:solidFill>
+                <a:latin typeface="+mn-lt"/>
+                <a:ea typeface="+mn-ea"/>
+                <a:cs typeface="+mn-cs"/>
+              </a:defRPr>
+            </a:lvl2pPr>
+            <a:lvl3pPr marL="914400" indent="0" algn="ctr" defTabSz="914400" rtl="0" eaLnBrk="1" latinLnBrk="0" hangingPunct="1">
+              <a:lnSpc>
+                <a:spcPct val="90000"/>
+              </a:lnSpc>
+              <a:spcBef>
+                <a:spcPts val="500"/>
+              </a:spcBef>
+              <a:buFont typeface="Arial" panose="020B0604020202020204" pitchFamily="34" charset="0"/>
+              <a:buNone/>
+              <a:defRPr sz="1800" kern="1200">
+                <a:solidFill>
+                  <a:schemeClr val="tx1"/>
+                </a:solidFill>
+                <a:latin typeface="+mn-lt"/>
+                <a:ea typeface="+mn-ea"/>
+                <a:cs typeface="+mn-cs"/>
+              </a:defRPr>
+            </a:lvl3pPr>
+            <a:lvl4pPr marL="1371600" indent="0" algn="ctr" defTabSz="914400" rtl="0" eaLnBrk="1" latinLnBrk="0" hangingPunct="1">
+              <a:lnSpc>
+                <a:spcPct val="90000"/>
+              </a:lnSpc>
+              <a:spcBef>
+                <a:spcPts val="500"/>
+              </a:spcBef>
+              <a:buFont typeface="Arial" panose="020B0604020202020204" pitchFamily="34" charset="0"/>
+              <a:buNone/>
+              <a:defRPr sz="1600" kern="1200">
+                <a:solidFill>
+                  <a:schemeClr val="tx1"/>
+                </a:solidFill>
+                <a:latin typeface="+mn-lt"/>
+                <a:ea typeface="+mn-ea"/>
+                <a:cs typeface="+mn-cs"/>
+              </a:defRPr>
+            </a:lvl4pPr>
+            <a:lvl5pPr marL="1828800" indent="0" algn="ctr" defTabSz="914400" rtl="0" eaLnBrk="1" latinLnBrk="0" hangingPunct="1">
+              <a:lnSpc>
+                <a:spcPct val="90000"/>
+              </a:lnSpc>
+              <a:spcBef>
+                <a:spcPts val="500"/>
+              </a:spcBef>
+              <a:buFont typeface="Arial" panose="020B0604020202020204" pitchFamily="34" charset="0"/>
+              <a:buNone/>
+              <a:defRPr sz="1600" kern="1200">
+                <a:solidFill>
+                  <a:schemeClr val="tx1"/>
+                </a:solidFill>
+                <a:latin typeface="+mn-lt"/>
+                <a:ea typeface="+mn-ea"/>
+                <a:cs typeface="+mn-cs"/>
+              </a:defRPr>
+            </a:lvl5pPr>
+            <a:lvl6pPr marL="2286000" indent="0" algn="ctr" defTabSz="914400" rtl="0" eaLnBrk="1" latinLnBrk="0" hangingPunct="1">
+              <a:lnSpc>
+                <a:spcPct val="90000"/>
+              </a:lnSpc>
+              <a:spcBef>
+                <a:spcPts val="500"/>
+              </a:spcBef>
+              <a:buFont typeface="Arial" panose="020B0604020202020204" pitchFamily="34" charset="0"/>
+              <a:buNone/>
+              <a:defRPr sz="1600" kern="1200">
+                <a:solidFill>
+                  <a:schemeClr val="tx1"/>
+                </a:solidFill>
+                <a:latin typeface="+mn-lt"/>
+                <a:ea typeface="+mn-ea"/>
+                <a:cs typeface="+mn-cs"/>
+              </a:defRPr>
+            </a:lvl6pPr>
+            <a:lvl7pPr marL="2743200" indent="0" algn="ctr" defTabSz="914400" rtl="0" eaLnBrk="1" latinLnBrk="0" hangingPunct="1">
+              <a:lnSpc>
+                <a:spcPct val="90000"/>
+              </a:lnSpc>
+              <a:spcBef>
+                <a:spcPts val="500"/>
+              </a:spcBef>
+              <a:buFont typeface="Arial" panose="020B0604020202020204" pitchFamily="34" charset="0"/>
+              <a:buNone/>
+              <a:defRPr sz="1600" kern="1200">
+                <a:solidFill>
+                  <a:schemeClr val="tx1"/>
+                </a:solidFill>
+                <a:latin typeface="+mn-lt"/>
+                <a:ea typeface="+mn-ea"/>
+                <a:cs typeface="+mn-cs"/>
+              </a:defRPr>
+            </a:lvl7pPr>
+            <a:lvl8pPr marL="3200400" indent="0" algn="ctr" defTabSz="914400" rtl="0" eaLnBrk="1" latinLnBrk="0" hangingPunct="1">
+              <a:lnSpc>
+                <a:spcPct val="90000"/>
+              </a:lnSpc>
+              <a:spcBef>
+                <a:spcPts val="500"/>
+              </a:spcBef>
+              <a:buFont typeface="Arial" panose="020B0604020202020204" pitchFamily="34" charset="0"/>
+              <a:buNone/>
+              <a:defRPr sz="1600" kern="1200">
+                <a:solidFill>
+                  <a:schemeClr val="tx1"/>
+                </a:solidFill>
+                <a:latin typeface="+mn-lt"/>
+                <a:ea typeface="+mn-ea"/>
+                <a:cs typeface="+mn-cs"/>
+              </a:defRPr>
+            </a:lvl8pPr>
+            <a:lvl9pPr marL="3657600" indent="0" algn="ctr" defTabSz="914400" rtl="0" eaLnBrk="1" latinLnBrk="0" hangingPunct="1">
+              <a:lnSpc>
+                <a:spcPct val="90000"/>
+              </a:lnSpc>
+              <a:spcBef>
+                <a:spcPts val="500"/>
+              </a:spcBef>
+              <a:buFont typeface="Arial" panose="020B0604020202020204" pitchFamily="34" charset="0"/>
+              <a:buNone/>
+              <a:defRPr sz="1600" kern="1200">
+                <a:solidFill>
+                  <a:schemeClr val="tx1"/>
+                </a:solidFill>
+                <a:latin typeface="+mn-lt"/>
+                <a:ea typeface="+mn-ea"/>
+                <a:cs typeface="+mn-cs"/>
+              </a:defRPr>
+            </a:lvl9pPr>
+          </a:lstStyle>
+          <a:p>
+            <a:pPr marL="285750" indent="-285750" algn="l">
+              <a:buFontTx/>
+              <a:buChar char="-"/>
+            </a:pPr>
+            <a:r>
+              <a:rPr lang="en-US" sz="1800" dirty="0"/>
+              <a:t>Literal is </a:t>
+            </a:r>
+            <a:r>
+              <a:rPr lang="en-US" sz="1800" b="1" dirty="0"/>
+              <a:t>“a notion to represents a fixed value in source code”</a:t>
+            </a:r>
+            <a:endParaRPr lang="en-US" sz="1400" b="1" dirty="0"/>
+          </a:p>
+          <a:p>
+            <a:pPr lvl="1" algn="l"/>
+            <a:r>
+              <a:rPr lang="en-US" sz="1800" b="1" dirty="0"/>
+              <a:t>+) </a:t>
+            </a:r>
+            <a:r>
+              <a:rPr lang="en-US" sz="1800" dirty="0"/>
+              <a:t>“true” and “false” is a literal because it represents the </a:t>
+            </a:r>
+            <a:r>
+              <a:rPr lang="en-US" sz="1800" b="1" dirty="0"/>
+              <a:t>Boolean value </a:t>
+            </a:r>
+            <a:endParaRPr lang="en-US" sz="1800" dirty="0"/>
+          </a:p>
+          <a:p>
+            <a:pPr lvl="1" algn="l"/>
+            <a:r>
+              <a:rPr lang="en-US" sz="1800" dirty="0"/>
+              <a:t>+) 10 is always a 10, it represents “int” value</a:t>
+            </a:r>
+          </a:p>
+          <a:p>
+            <a:pPr lvl="1" algn="l"/>
+            <a:r>
+              <a:rPr lang="en-US" sz="1800" dirty="0"/>
+              <a:t>+) “hello” is a string literal since it represent the String object by assigning the memory address to the real </a:t>
+            </a:r>
+            <a:br>
+              <a:rPr lang="en-US" sz="1800" dirty="0"/>
+            </a:br>
+            <a:r>
+              <a:rPr lang="en-US" sz="1800" dirty="0"/>
+              <a:t>“hello” String object</a:t>
+            </a:r>
+          </a:p>
+          <a:p>
+            <a:pPr lvl="1" algn="l"/>
+            <a:r>
+              <a:rPr lang="en-US" sz="1800" dirty="0"/>
+              <a:t>+) ‘a” character is also a “char” literal because it represents a character</a:t>
+            </a:r>
+          </a:p>
+          <a:p>
+            <a:pPr lvl="1" algn="l"/>
+            <a:r>
+              <a:rPr lang="en-US" sz="1800" dirty="0"/>
+              <a:t>+) However, “String” and “name” in the statement “String name;” is not a literal since String and ”name” is defined by developers, not Java</a:t>
+            </a:r>
+          </a:p>
+          <a:p>
+            <a:pPr algn="l"/>
+            <a:r>
+              <a:rPr lang="en-US" sz="1800" dirty="0"/>
+              <a:t>- A few important points about Java literal</a:t>
+            </a:r>
+          </a:p>
+          <a:p>
+            <a:pPr algn="l"/>
+            <a:r>
+              <a:rPr lang="en-US" sz="1800" dirty="0"/>
+              <a:t>+) To read large numbers more easily, Java allows us to use ”_” between the 0s (</a:t>
+            </a:r>
+            <a:r>
+              <a:rPr lang="en-US" sz="1800" dirty="0" err="1"/>
+              <a:t>e.g</a:t>
+            </a:r>
+            <a:r>
+              <a:rPr lang="en-US" sz="1800" dirty="0"/>
+              <a:t> 1_000_000 for “int” data type or 1_000_000.0 for ”float” data type</a:t>
+            </a:r>
+          </a:p>
+          <a:p>
+            <a:pPr algn="l"/>
+            <a:r>
+              <a:rPr lang="en-US" sz="1800" dirty="0"/>
+              <a:t>+) </a:t>
+            </a:r>
+            <a:r>
+              <a:rPr lang="en-US" sz="1800" b="1" dirty="0"/>
+              <a:t>“int literal” </a:t>
+            </a:r>
+            <a:r>
+              <a:rPr lang="en-US" sz="1800" dirty="0"/>
+              <a:t>is the number without the decimal point, </a:t>
+            </a:r>
+            <a:r>
+              <a:rPr lang="en-US" sz="1800" b="1" dirty="0"/>
+              <a:t>“double literal” </a:t>
+            </a:r>
+            <a:r>
+              <a:rPr lang="en-US" sz="1800" dirty="0"/>
+              <a:t>is the number with the decimal point</a:t>
+            </a:r>
+          </a:p>
+          <a:p>
+            <a:pPr algn="l"/>
+            <a:r>
+              <a:rPr lang="en-US" sz="1800" dirty="0"/>
+              <a:t>+) A </a:t>
+            </a:r>
+            <a:r>
+              <a:rPr lang="en-US" sz="1800" b="1" dirty="0"/>
+              <a:t>“long literal” </a:t>
+            </a:r>
+            <a:r>
+              <a:rPr lang="en-US" sz="1800" dirty="0"/>
+              <a:t>can be written by appending either lowercase or uppercase “l” to the end of the number (</a:t>
+            </a:r>
+            <a:r>
+              <a:rPr lang="en-US" sz="1800" dirty="0" err="1"/>
+              <a:t>e.g</a:t>
+            </a:r>
+            <a:r>
+              <a:rPr lang="en-US" sz="1800" dirty="0"/>
+              <a:t> 1234L or 1234l)</a:t>
+            </a:r>
+          </a:p>
+          <a:p>
+            <a:pPr algn="l"/>
+            <a:r>
+              <a:rPr lang="en-US" sz="1800" dirty="0"/>
+              <a:t>+) A </a:t>
+            </a:r>
+            <a:r>
+              <a:rPr lang="en-US" sz="1800" b="1" dirty="0"/>
+              <a:t>“float literal” </a:t>
+            </a:r>
+            <a:r>
+              <a:rPr lang="en-US" sz="1800" dirty="0"/>
+              <a:t>can be written by appending either  lowercase or uppercase “f” to the end of the number (</a:t>
+            </a:r>
+            <a:r>
+              <a:rPr lang="en-US" sz="1800" dirty="0" err="1"/>
+              <a:t>e.g</a:t>
+            </a:r>
+            <a:r>
+              <a:rPr lang="en-US" sz="1800" dirty="0"/>
+              <a:t> 1234f or 1234F) </a:t>
+            </a:r>
+          </a:p>
+          <a:p>
+            <a:pPr algn="l"/>
+            <a:r>
+              <a:rPr lang="en-US" sz="1800" dirty="0"/>
+              <a:t>+) A </a:t>
+            </a:r>
+            <a:r>
+              <a:rPr lang="en-US" sz="1800" b="1" dirty="0"/>
+              <a:t>“char” </a:t>
+            </a:r>
+            <a:r>
+              <a:rPr lang="en-US" sz="1800" dirty="0"/>
+              <a:t>literal can be written by enclosing the character with a single quote ‘’ (</a:t>
+            </a:r>
+            <a:r>
+              <a:rPr lang="en-US" sz="1800" dirty="0" err="1"/>
+              <a:t>e.g</a:t>
+            </a:r>
+            <a:r>
+              <a:rPr lang="en-US" sz="1800" dirty="0"/>
+              <a:t>: ‘a’ or ‘A’). Since it may not be always possible to type the character you want, Java allows us to write ”char” literal by using something called </a:t>
+            </a:r>
+            <a:r>
+              <a:rPr lang="en-US" sz="1800" b="1" dirty="0"/>
+              <a:t>“hexadecimal Unicode format” (“\</a:t>
+            </a:r>
+            <a:r>
+              <a:rPr lang="en-US" sz="1800" b="1" dirty="0" err="1"/>
+              <a:t>uxxxx</a:t>
+            </a:r>
+            <a:r>
+              <a:rPr lang="en-US" sz="1800" b="1" dirty="0"/>
+              <a:t>”).</a:t>
+            </a:r>
+          </a:p>
+          <a:p>
+            <a:pPr algn="l"/>
+            <a:r>
+              <a:rPr lang="en-US" sz="1800" dirty="0"/>
+              <a:t>	+) The “</a:t>
+            </a:r>
+            <a:r>
+              <a:rPr lang="en-US" sz="1800" dirty="0" err="1"/>
+              <a:t>xxxx</a:t>
+            </a:r>
+            <a:r>
+              <a:rPr lang="en-US" sz="1800" dirty="0"/>
+              <a:t>” is the hexadecimal value for the character that has been already defined in Unicode format</a:t>
+            </a:r>
+          </a:p>
+          <a:p>
+            <a:pPr algn="l"/>
+            <a:r>
+              <a:rPr lang="en-US" sz="1800" dirty="0"/>
+              <a:t>	+) We can also write special character using the </a:t>
+            </a:r>
+            <a:r>
+              <a:rPr lang="en-US" sz="1800" b="1" dirty="0"/>
+              <a:t>“escape character” (“\”)</a:t>
+            </a:r>
+          </a:p>
+          <a:p>
+            <a:pPr algn="l"/>
+            <a:r>
+              <a:rPr lang="en-US" sz="1800" dirty="0"/>
+              <a:t>+) There is only 2 Boolean literal (true and false)</a:t>
+            </a:r>
+          </a:p>
+          <a:p>
+            <a:pPr algn="l"/>
+            <a:r>
+              <a:rPr lang="en-US" sz="1800" dirty="0"/>
+              <a:t>+) “null” is also a literal, it means a reference variable is pointing to “nothing”</a:t>
+            </a:r>
+          </a:p>
+        </p:txBody>
+      </p:sp>
+    </p:spTree>
+    <p:extLst>
+      <p:ext uri="{BB962C8B-B14F-4D97-AF65-F5344CB8AC3E}">
+        <p14:creationId xmlns:p14="http://schemas.microsoft.com/office/powerpoint/2010/main" val="680732822"/>
+      </p:ext>
+    </p:extLst>
+  </p:cSld>
+  <p:clrMapOvr>
+    <a:masterClrMapping/>
+  </p:clrMapOvr>
+  <p:timing>
+    <p:tnLst>
+      <p:par>
+        <p:cTn id="1" dur="indefinite" restart="never" nodeType="tmRoot">
+          <p:childTnLst>
+            <p:seq concurrent="1" nextAc="seek">
+              <p:cTn id="2" dur="indefinite" nodeType="mainSeq">
+                <p:childTnLst>
+                  <p:par>
+                    <p:cTn id="3" fill="hold">
+                      <p:stCondLst>
+                        <p:cond delay="indefinite"/>
+                      </p:stCondLst>
+                      <p:childTnLst>
+                        <p:par>
+                          <p:cTn id="4" fill="hold">
+                            <p:stCondLst>
+                              <p:cond delay="0"/>
+                            </p:stCondLst>
+                            <p:childTnLst>
+                              <p:par>
+                                <p:cTn id="5" presetID="1" presetClass="entr" presetSubtype="0" fill="hold" nodeType="clickEffect">
+                                  <p:stCondLst>
+                                    <p:cond delay="0"/>
+                                  </p:stCondLst>
+                                  <p:childTnLst>
+                                    <p:set>
+                                      <p:cBhvr>
+                                        <p:cTn id="6" dur="1" fill="hold">
+                                          <p:stCondLst>
+                                            <p:cond delay="0"/>
+                                          </p:stCondLst>
+                                        </p:cTn>
+                                        <p:tgtEl>
+                                          <p:spTgt spid="4">
+                                            <p:txEl>
+                                              <p:pRg st="0" end="0"/>
+                                            </p:txEl>
+                                          </p:spTgt>
+                                        </p:tgtEl>
+                                        <p:attrNameLst>
+                                          <p:attrName>style.visibility</p:attrName>
+                                        </p:attrNameLst>
+                                      </p:cBhvr>
+                                      <p:to>
+                                        <p:strVal val="visible"/>
+                                      </p:to>
+                                    </p:set>
+                                  </p:childTnLst>
+                                </p:cTn>
+                              </p:par>
+                            </p:childTnLst>
+                          </p:cTn>
+                        </p:par>
+                      </p:childTnLst>
+                    </p:cTn>
+                  </p:par>
+                  <p:par>
+                    <p:cTn id="7" fill="hold">
+                      <p:stCondLst>
+                        <p:cond delay="indefinite"/>
+                      </p:stCondLst>
+                      <p:childTnLst>
+                        <p:par>
+                          <p:cTn id="8" fill="hold">
+                            <p:stCondLst>
+                              <p:cond delay="0"/>
+                            </p:stCondLst>
+                            <p:childTnLst>
+                              <p:par>
+                                <p:cTn id="9" presetID="1" presetClass="entr" presetSubtype="0" fill="hold" nodeType="clickEffect">
+                                  <p:stCondLst>
+                                    <p:cond delay="0"/>
+                                  </p:stCondLst>
+                                  <p:childTnLst>
+                                    <p:set>
+                                      <p:cBhvr>
+                                        <p:cTn id="10" dur="1" fill="hold">
+                                          <p:stCondLst>
+                                            <p:cond delay="0"/>
+                                          </p:stCondLst>
+                                        </p:cTn>
+                                        <p:tgtEl>
+                                          <p:spTgt spid="4">
+                                            <p:txEl>
+                                              <p:pRg st="1" end="1"/>
+                                            </p:txEl>
+                                          </p:spTgt>
+                                        </p:tgtEl>
+                                        <p:attrNameLst>
+                                          <p:attrName>style.visibility</p:attrName>
+                                        </p:attrNameLst>
+                                      </p:cBhvr>
+                                      <p:to>
+                                        <p:strVal val="visible"/>
+                                      </p:to>
+                                    </p:set>
+                                  </p:childTnLst>
+                                </p:cTn>
+                              </p:par>
+                            </p:childTnLst>
+                          </p:cTn>
+                        </p:par>
+                      </p:childTnLst>
+                    </p:cTn>
+                  </p:par>
+                  <p:par>
+                    <p:cTn id="11" fill="hold">
+                      <p:stCondLst>
+                        <p:cond delay="indefinite"/>
+                      </p:stCondLst>
+                      <p:childTnLst>
+                        <p:par>
+                          <p:cTn id="12" fill="hold">
+                            <p:stCondLst>
+                              <p:cond delay="0"/>
+                            </p:stCondLst>
+                            <p:childTnLst>
+                              <p:par>
+                                <p:cTn id="13" presetID="1" presetClass="entr" presetSubtype="0" fill="hold" nodeType="clickEffect">
+                                  <p:stCondLst>
+                                    <p:cond delay="0"/>
+                                  </p:stCondLst>
+                                  <p:childTnLst>
+                                    <p:set>
+                                      <p:cBhvr>
+                                        <p:cTn id="14" dur="1" fill="hold">
+                                          <p:stCondLst>
+                                            <p:cond delay="0"/>
+                                          </p:stCondLst>
+                                        </p:cTn>
+                                        <p:tgtEl>
+                                          <p:spTgt spid="4">
+                                            <p:txEl>
+                                              <p:pRg st="2" end="2"/>
+                                            </p:txEl>
+                                          </p:spTgt>
+                                        </p:tgtEl>
+                                        <p:attrNameLst>
+                                          <p:attrName>style.visibility</p:attrName>
+                                        </p:attrNameLst>
+                                      </p:cBhvr>
+                                      <p:to>
+                                        <p:strVal val="visible"/>
+                                      </p:to>
+                                    </p:set>
+                                  </p:childTnLst>
+                                </p:cTn>
+                              </p:par>
+                            </p:childTnLst>
+                          </p:cTn>
+                        </p:par>
+                      </p:childTnLst>
+                    </p:cTn>
+                  </p:par>
+                  <p:par>
+                    <p:cTn id="15" fill="hold">
+                      <p:stCondLst>
+                        <p:cond delay="indefinite"/>
+                      </p:stCondLst>
+                      <p:childTnLst>
+                        <p:par>
+                          <p:cTn id="16" fill="hold">
+                            <p:stCondLst>
+                              <p:cond delay="0"/>
+                            </p:stCondLst>
+                            <p:childTnLst>
+                              <p:par>
+                                <p:cTn id="17" presetID="1" presetClass="entr" presetSubtype="0" fill="hold" nodeType="clickEffect">
+                                  <p:stCondLst>
+                                    <p:cond delay="0"/>
+                                  </p:stCondLst>
+                                  <p:childTnLst>
+                                    <p:set>
+                                      <p:cBhvr>
+                                        <p:cTn id="18" dur="1" fill="hold">
+                                          <p:stCondLst>
+                                            <p:cond delay="0"/>
+                                          </p:stCondLst>
+                                        </p:cTn>
+                                        <p:tgtEl>
+                                          <p:spTgt spid="4">
+                                            <p:txEl>
+                                              <p:pRg st="3" end="3"/>
+                                            </p:txEl>
+                                          </p:spTgt>
+                                        </p:tgtEl>
+                                        <p:attrNameLst>
+                                          <p:attrName>style.visibility</p:attrName>
+                                        </p:attrNameLst>
+                                      </p:cBhvr>
+                                      <p:to>
+                                        <p:strVal val="visible"/>
+                                      </p:to>
+                                    </p:set>
+                                  </p:childTnLst>
+                                </p:cTn>
+                              </p:par>
+                            </p:childTnLst>
+                          </p:cTn>
+                        </p:par>
+                      </p:childTnLst>
+                    </p:cTn>
+                  </p:par>
+                  <p:par>
+                    <p:cTn id="19" fill="hold">
+                      <p:stCondLst>
+                        <p:cond delay="indefinite"/>
+                      </p:stCondLst>
+                      <p:childTnLst>
+                        <p:par>
+                          <p:cTn id="20" fill="hold">
+                            <p:stCondLst>
+                              <p:cond delay="0"/>
+                            </p:stCondLst>
+                            <p:childTnLst>
+                              <p:par>
+                                <p:cTn id="21" presetID="1" presetClass="entr" presetSubtype="0" fill="hold" nodeType="clickEffect">
+                                  <p:stCondLst>
+                                    <p:cond delay="0"/>
+                                  </p:stCondLst>
+                                  <p:childTnLst>
+                                    <p:set>
+                                      <p:cBhvr>
+                                        <p:cTn id="22" dur="1" fill="hold">
+                                          <p:stCondLst>
+                                            <p:cond delay="0"/>
+                                          </p:stCondLst>
+                                        </p:cTn>
+                                        <p:tgtEl>
+                                          <p:spTgt spid="4">
+                                            <p:txEl>
+                                              <p:pRg st="4" end="4"/>
+                                            </p:txEl>
+                                          </p:spTgt>
+                                        </p:tgtEl>
+                                        <p:attrNameLst>
+                                          <p:attrName>style.visibility</p:attrName>
+                                        </p:attrNameLst>
+                                      </p:cBhvr>
+                                      <p:to>
+                                        <p:strVal val="visible"/>
+                                      </p:to>
+                                    </p:set>
+                                  </p:childTnLst>
+                                </p:cTn>
+                              </p:par>
+                            </p:childTnLst>
+                          </p:cTn>
+                        </p:par>
+                      </p:childTnLst>
+                    </p:cTn>
+                  </p:par>
+                  <p:par>
+                    <p:cTn id="23" fill="hold">
+                      <p:stCondLst>
+                        <p:cond delay="indefinite"/>
+                      </p:stCondLst>
+                      <p:childTnLst>
+                        <p:par>
+                          <p:cTn id="24" fill="hold">
+                            <p:stCondLst>
+                              <p:cond delay="0"/>
+                            </p:stCondLst>
+                            <p:childTnLst>
+                              <p:par>
+                                <p:cTn id="25" presetID="1" presetClass="entr" presetSubtype="0" fill="hold" nodeType="clickEffect">
+                                  <p:stCondLst>
+                                    <p:cond delay="0"/>
+                                  </p:stCondLst>
+                                  <p:childTnLst>
+                                    <p:set>
+                                      <p:cBhvr>
+                                        <p:cTn id="26" dur="1" fill="hold">
+                                          <p:stCondLst>
+                                            <p:cond delay="0"/>
+                                          </p:stCondLst>
+                                        </p:cTn>
+                                        <p:tgtEl>
+                                          <p:spTgt spid="4">
+                                            <p:txEl>
+                                              <p:pRg st="5" end="5"/>
+                                            </p:txEl>
+                                          </p:spTgt>
+                                        </p:tgtEl>
+                                        <p:attrNameLst>
+                                          <p:attrName>style.visibility</p:attrName>
+                                        </p:attrNameLst>
+                                      </p:cBhvr>
+                                      <p:to>
+                                        <p:strVal val="visible"/>
+                                      </p:to>
+                                    </p:set>
+                                  </p:childTnLst>
+                                </p:cTn>
+                              </p:par>
+                            </p:childTnLst>
+                          </p:cTn>
+                        </p:par>
+                      </p:childTnLst>
+                    </p:cTn>
+                  </p:par>
+                  <p:par>
+                    <p:cTn id="27" fill="hold">
+                      <p:stCondLst>
+                        <p:cond delay="indefinite"/>
+                      </p:stCondLst>
+                      <p:childTnLst>
+                        <p:par>
+                          <p:cTn id="28" fill="hold">
+                            <p:stCondLst>
+                              <p:cond delay="0"/>
+                            </p:stCondLst>
+                            <p:childTnLst>
+                              <p:par>
+                                <p:cTn id="29" presetID="1" presetClass="entr" presetSubtype="0" fill="hold" nodeType="clickEffect">
+                                  <p:stCondLst>
+                                    <p:cond delay="0"/>
+                                  </p:stCondLst>
+                                  <p:childTnLst>
+                                    <p:set>
+                                      <p:cBhvr>
+                                        <p:cTn id="30" dur="1" fill="hold">
+                                          <p:stCondLst>
+                                            <p:cond delay="0"/>
+                                          </p:stCondLst>
+                                        </p:cTn>
+                                        <p:tgtEl>
+                                          <p:spTgt spid="4">
+                                            <p:txEl>
+                                              <p:pRg st="6" end="6"/>
+                                            </p:txEl>
+                                          </p:spTgt>
+                                        </p:tgtEl>
+                                        <p:attrNameLst>
+                                          <p:attrName>style.visibility</p:attrName>
+                                        </p:attrNameLst>
+                                      </p:cBhvr>
+                                      <p:to>
+                                        <p:strVal val="visible"/>
+                                      </p:to>
+                                    </p:set>
+                                  </p:childTnLst>
+                                </p:cTn>
+                              </p:par>
+                            </p:childTnLst>
+                          </p:cTn>
+                        </p:par>
+                      </p:childTnLst>
+                    </p:cTn>
+                  </p:par>
+                  <p:par>
+                    <p:cTn id="31" fill="hold">
+                      <p:stCondLst>
+                        <p:cond delay="indefinite"/>
+                      </p:stCondLst>
+                      <p:childTnLst>
+                        <p:par>
+                          <p:cTn id="32" fill="hold">
+                            <p:stCondLst>
+                              <p:cond delay="0"/>
+                            </p:stCondLst>
+                            <p:childTnLst>
+                              <p:par>
+                                <p:cTn id="33" presetID="1" presetClass="entr" presetSubtype="0" fill="hold" nodeType="clickEffect">
+                                  <p:stCondLst>
+                                    <p:cond delay="0"/>
+                                  </p:stCondLst>
+                                  <p:childTnLst>
+                                    <p:set>
+                                      <p:cBhvr>
+                                        <p:cTn id="34" dur="1" fill="hold">
+                                          <p:stCondLst>
+                                            <p:cond delay="0"/>
+                                          </p:stCondLst>
+                                        </p:cTn>
+                                        <p:tgtEl>
+                                          <p:spTgt spid="4">
+                                            <p:txEl>
+                                              <p:pRg st="7" end="7"/>
+                                            </p:txEl>
+                                          </p:spTgt>
+                                        </p:tgtEl>
+                                        <p:attrNameLst>
+                                          <p:attrName>style.visibility</p:attrName>
+                                        </p:attrNameLst>
+                                      </p:cBhvr>
+                                      <p:to>
+                                        <p:strVal val="visible"/>
+                                      </p:to>
+                                    </p:set>
+                                  </p:childTnLst>
+                                </p:cTn>
+                              </p:par>
+                            </p:childTnLst>
+                          </p:cTn>
+                        </p:par>
+                      </p:childTnLst>
+                    </p:cTn>
+                  </p:par>
+                  <p:par>
+                    <p:cTn id="35" fill="hold">
+                      <p:stCondLst>
+                        <p:cond delay="indefinite"/>
+                      </p:stCondLst>
+                      <p:childTnLst>
+                        <p:par>
+                          <p:cTn id="36" fill="hold">
+                            <p:stCondLst>
+                              <p:cond delay="0"/>
+                            </p:stCondLst>
+                            <p:childTnLst>
+                              <p:par>
+                                <p:cTn id="37" presetID="1" presetClass="entr" presetSubtype="0" fill="hold" nodeType="clickEffect">
+                                  <p:stCondLst>
+                                    <p:cond delay="0"/>
+                                  </p:stCondLst>
+                                  <p:childTnLst>
+                                    <p:set>
+                                      <p:cBhvr>
+                                        <p:cTn id="38" dur="1" fill="hold">
+                                          <p:stCondLst>
+                                            <p:cond delay="0"/>
+                                          </p:stCondLst>
+                                        </p:cTn>
+                                        <p:tgtEl>
+                                          <p:spTgt spid="4">
+                                            <p:txEl>
+                                              <p:pRg st="8" end="8"/>
+                                            </p:txEl>
+                                          </p:spTgt>
+                                        </p:tgtEl>
+                                        <p:attrNameLst>
+                                          <p:attrName>style.visibility</p:attrName>
+                                        </p:attrNameLst>
+                                      </p:cBhvr>
+                                      <p:to>
+                                        <p:strVal val="visible"/>
+                                      </p:to>
+                                    </p:set>
+                                  </p:childTnLst>
+                                </p:cTn>
+                              </p:par>
+                            </p:childTnLst>
+                          </p:cTn>
+                        </p:par>
+                      </p:childTnLst>
+                    </p:cTn>
+                  </p:par>
+                  <p:par>
+                    <p:cTn id="39" fill="hold">
+                      <p:stCondLst>
+                        <p:cond delay="indefinite"/>
+                      </p:stCondLst>
+                      <p:childTnLst>
+                        <p:par>
+                          <p:cTn id="40" fill="hold">
+                            <p:stCondLst>
+                              <p:cond delay="0"/>
+                            </p:stCondLst>
+                            <p:childTnLst>
+                              <p:par>
+                                <p:cTn id="41" presetID="1" presetClass="entr" presetSubtype="0" fill="hold" nodeType="clickEffect">
+                                  <p:stCondLst>
+                                    <p:cond delay="0"/>
+                                  </p:stCondLst>
+                                  <p:childTnLst>
+                                    <p:set>
+                                      <p:cBhvr>
+                                        <p:cTn id="42" dur="1" fill="hold">
+                                          <p:stCondLst>
+                                            <p:cond delay="0"/>
+                                          </p:stCondLst>
+                                        </p:cTn>
+                                        <p:tgtEl>
+                                          <p:spTgt spid="4">
+                                            <p:txEl>
+                                              <p:pRg st="9" end="9"/>
+                                            </p:txEl>
+                                          </p:spTgt>
+                                        </p:tgtEl>
+                                        <p:attrNameLst>
+                                          <p:attrName>style.visibility</p:attrName>
+                                        </p:attrNameLst>
+                                      </p:cBhvr>
+                                      <p:to>
+                                        <p:strVal val="visible"/>
+                                      </p:to>
+                                    </p:set>
+                                  </p:childTnLst>
+                                </p:cTn>
+                              </p:par>
+                            </p:childTnLst>
+                          </p:cTn>
+                        </p:par>
+                      </p:childTnLst>
+                    </p:cTn>
+                  </p:par>
+                  <p:par>
+                    <p:cTn id="43" fill="hold">
+                      <p:stCondLst>
+                        <p:cond delay="indefinite"/>
+                      </p:stCondLst>
+                      <p:childTnLst>
+                        <p:par>
+                          <p:cTn id="44" fill="hold">
+                            <p:stCondLst>
+                              <p:cond delay="0"/>
+                            </p:stCondLst>
+                            <p:childTnLst>
+                              <p:par>
+                                <p:cTn id="45" presetID="1" presetClass="entr" presetSubtype="0" fill="hold" nodeType="clickEffect">
+                                  <p:stCondLst>
+                                    <p:cond delay="0"/>
+                                  </p:stCondLst>
+                                  <p:childTnLst>
+                                    <p:set>
+                                      <p:cBhvr>
+                                        <p:cTn id="46" dur="1" fill="hold">
+                                          <p:stCondLst>
+                                            <p:cond delay="0"/>
+                                          </p:stCondLst>
+                                        </p:cTn>
+                                        <p:tgtEl>
+                                          <p:spTgt spid="4">
+                                            <p:txEl>
+                                              <p:pRg st="10" end="10"/>
+                                            </p:txEl>
+                                          </p:spTgt>
+                                        </p:tgtEl>
+                                        <p:attrNameLst>
+                                          <p:attrName>style.visibility</p:attrName>
+                                        </p:attrNameLst>
+                                      </p:cBhvr>
+                                      <p:to>
+                                        <p:strVal val="visible"/>
+                                      </p:to>
+                                    </p:set>
+                                  </p:childTnLst>
+                                </p:cTn>
+                              </p:par>
+                            </p:childTnLst>
+                          </p:cTn>
+                        </p:par>
+                      </p:childTnLst>
+                    </p:cTn>
+                  </p:par>
+                  <p:par>
+                    <p:cTn id="47" fill="hold">
+                      <p:stCondLst>
+                        <p:cond delay="indefinite"/>
+                      </p:stCondLst>
+                      <p:childTnLst>
+                        <p:par>
+                          <p:cTn id="48" fill="hold">
+                            <p:stCondLst>
+                              <p:cond delay="0"/>
+                            </p:stCondLst>
+                            <p:childTnLst>
+                              <p:par>
+                                <p:cTn id="49" presetID="1" presetClass="entr" presetSubtype="0" fill="hold" nodeType="clickEffect">
+                                  <p:stCondLst>
+                                    <p:cond delay="0"/>
+                                  </p:stCondLst>
+                                  <p:childTnLst>
+                                    <p:set>
+                                      <p:cBhvr>
+                                        <p:cTn id="50" dur="1" fill="hold">
+                                          <p:stCondLst>
+                                            <p:cond delay="0"/>
+                                          </p:stCondLst>
+                                        </p:cTn>
+                                        <p:tgtEl>
+                                          <p:spTgt spid="4">
+                                            <p:txEl>
+                                              <p:pRg st="11" end="11"/>
+                                            </p:txEl>
+                                          </p:spTgt>
+                                        </p:tgtEl>
+                                        <p:attrNameLst>
+                                          <p:attrName>style.visibility</p:attrName>
+                                        </p:attrNameLst>
+                                      </p:cBhvr>
+                                      <p:to>
+                                        <p:strVal val="visible"/>
+                                      </p:to>
+                                    </p:set>
+                                  </p:childTnLst>
+                                </p:cTn>
+                              </p:par>
+                            </p:childTnLst>
+                          </p:cTn>
+                        </p:par>
+                      </p:childTnLst>
+                    </p:cTn>
+                  </p:par>
+                  <p:par>
+                    <p:cTn id="51" fill="hold">
+                      <p:stCondLst>
+                        <p:cond delay="indefinite"/>
+                      </p:stCondLst>
+                      <p:childTnLst>
+                        <p:par>
+                          <p:cTn id="52" fill="hold">
+                            <p:stCondLst>
+                              <p:cond delay="0"/>
+                            </p:stCondLst>
+                            <p:childTnLst>
+                              <p:par>
+                                <p:cTn id="53" presetID="1" presetClass="entr" presetSubtype="0" fill="hold" nodeType="clickEffect">
+                                  <p:stCondLst>
+                                    <p:cond delay="0"/>
+                                  </p:stCondLst>
+                                  <p:childTnLst>
+                                    <p:set>
+                                      <p:cBhvr>
+                                        <p:cTn id="54" dur="1" fill="hold">
+                                          <p:stCondLst>
+                                            <p:cond delay="0"/>
+                                          </p:stCondLst>
+                                        </p:cTn>
+                                        <p:tgtEl>
+                                          <p:spTgt spid="4">
+                                            <p:txEl>
+                                              <p:pRg st="12" end="12"/>
+                                            </p:txEl>
+                                          </p:spTgt>
+                                        </p:tgtEl>
+                                        <p:attrNameLst>
+                                          <p:attrName>style.visibility</p:attrName>
+                                        </p:attrNameLst>
+                                      </p:cBhvr>
+                                      <p:to>
+                                        <p:strVal val="visible"/>
+                                      </p:to>
+                                    </p:set>
+                                  </p:childTnLst>
+                                </p:cTn>
+                              </p:par>
+                            </p:childTnLst>
+                          </p:cTn>
+                        </p:par>
+                      </p:childTnLst>
+                    </p:cTn>
+                  </p:par>
+                  <p:par>
+                    <p:cTn id="55" fill="hold">
+                      <p:stCondLst>
+                        <p:cond delay="indefinite"/>
+                      </p:stCondLst>
+                      <p:childTnLst>
+                        <p:par>
+                          <p:cTn id="56" fill="hold">
+                            <p:stCondLst>
+                              <p:cond delay="0"/>
+                            </p:stCondLst>
+                            <p:childTnLst>
+                              <p:par>
+                                <p:cTn id="57" presetID="1" presetClass="entr" presetSubtype="0" fill="hold" nodeType="clickEffect">
+                                  <p:stCondLst>
+                                    <p:cond delay="0"/>
+                                  </p:stCondLst>
+                                  <p:childTnLst>
+                                    <p:set>
+                                      <p:cBhvr>
+                                        <p:cTn id="58" dur="1" fill="hold">
+                                          <p:stCondLst>
+                                            <p:cond delay="0"/>
+                                          </p:stCondLst>
+                                        </p:cTn>
+                                        <p:tgtEl>
+                                          <p:spTgt spid="4">
+                                            <p:txEl>
+                                              <p:pRg st="13" end="13"/>
+                                            </p:txEl>
+                                          </p:spTgt>
+                                        </p:tgtEl>
+                                        <p:attrNameLst>
+                                          <p:attrName>style.visibility</p:attrName>
+                                        </p:attrNameLst>
+                                      </p:cBhvr>
+                                      <p:to>
+                                        <p:strVal val="visible"/>
+                                      </p:to>
+                                    </p:set>
+                                  </p:childTnLst>
+                                </p:cTn>
+                              </p:par>
+                            </p:childTnLst>
+                          </p:cTn>
+                        </p:par>
+                      </p:childTnLst>
+                    </p:cTn>
+                  </p:par>
+                  <p:par>
+                    <p:cTn id="59" fill="hold">
+                      <p:stCondLst>
+                        <p:cond delay="indefinite"/>
+                      </p:stCondLst>
+                      <p:childTnLst>
+                        <p:par>
+                          <p:cTn id="60" fill="hold">
+                            <p:stCondLst>
+                              <p:cond delay="0"/>
+                            </p:stCondLst>
+                            <p:childTnLst>
+                              <p:par>
+                                <p:cTn id="61" presetID="1" presetClass="entr" presetSubtype="0" fill="hold" nodeType="clickEffect">
+                                  <p:stCondLst>
+                                    <p:cond delay="0"/>
+                                  </p:stCondLst>
+                                  <p:childTnLst>
+                                    <p:set>
+                                      <p:cBhvr>
+                                        <p:cTn id="62" dur="1" fill="hold">
+                                          <p:stCondLst>
+                                            <p:cond delay="0"/>
+                                          </p:stCondLst>
+                                        </p:cTn>
+                                        <p:tgtEl>
+                                          <p:spTgt spid="4">
+                                            <p:txEl>
+                                              <p:pRg st="14" end="14"/>
+                                            </p:txEl>
+                                          </p:spTgt>
+                                        </p:tgtEl>
+                                        <p:attrNameLst>
+                                          <p:attrName>style.visibility</p:attrName>
+                                        </p:attrNameLst>
+                                      </p:cBhvr>
+                                      <p:to>
+                                        <p:strVal val="visible"/>
+                                      </p:to>
+                                    </p:set>
+                                  </p:childTnLst>
+                                </p:cTn>
+                              </p:par>
+                            </p:childTnLst>
+                          </p:cTn>
+                        </p:par>
+                      </p:childTnLst>
+                    </p:cTn>
+                  </p:par>
+                  <p:par>
+                    <p:cTn id="63" fill="hold">
+                      <p:stCondLst>
+                        <p:cond delay="indefinite"/>
+                      </p:stCondLst>
+                      <p:childTnLst>
+                        <p:par>
+                          <p:cTn id="64" fill="hold">
+                            <p:stCondLst>
+                              <p:cond delay="0"/>
+                            </p:stCondLst>
+                            <p:childTnLst>
+                              <p:par>
+                                <p:cTn id="65" presetID="1" presetClass="entr" presetSubtype="0" fill="hold" nodeType="clickEffect">
+                                  <p:stCondLst>
+                                    <p:cond delay="0"/>
+                                  </p:stCondLst>
+                                  <p:childTnLst>
+                                    <p:set>
+                                      <p:cBhvr>
+                                        <p:cTn id="66" dur="1" fill="hold">
+                                          <p:stCondLst>
+                                            <p:cond delay="0"/>
+                                          </p:stCondLst>
+                                        </p:cTn>
+                                        <p:tgtEl>
+                                          <p:spTgt spid="4">
+                                            <p:txEl>
+                                              <p:pRg st="15" end="15"/>
+                                            </p:txEl>
+                                          </p:spTgt>
+                                        </p:tgtEl>
+                                        <p:attrNameLst>
+                                          <p:attrName>style.visibility</p:attrName>
+                                        </p:attrNameLst>
+                                      </p:cBhvr>
+                                      <p:to>
+                                        <p:strVal val="visible"/>
+                                      </p:to>
+                                    </p:set>
+                                  </p:childTnLst>
+                                </p:cTn>
+                              </p:par>
+                            </p:childTnLst>
+                          </p:cTn>
+                        </p:par>
+                      </p:childTnLst>
+                    </p:cTn>
+                  </p:par>
+                </p:childTnLst>
+              </p:cTn>
+              <p:prevCondLst>
+                <p:cond evt="onPrev" delay="0">
+                  <p:tgtEl>
+                    <p:sldTgt/>
+                  </p:tgtEl>
+                </p:cond>
+              </p:prevCondLst>
+              <p:nextCondLst>
+                <p:cond evt="onNext" delay="0">
+                  <p:tgtEl>
+                    <p:sldTgt/>
+                  </p:tgtEl>
+                </p:cond>
+              </p:nextCondLst>
+            </p:seq>
+          </p:childTnLst>
+        </p:cTn>
+      </p:par>
+    </p:tnLst>
+  </p:timing>
+</p:sld>
+</file>
+
+<file path=ppt/slides/slide12.xml><?xml version="1.0" encoding="utf-8"?>
+<p:sld xmlns:a="http://schemas.openxmlformats.org/drawingml/2006/main" xmlns:r="http://schemas.openxmlformats.org/officeDocument/2006/relationships" xmlns:p="http://schemas.openxmlformats.org/presentationml/2006/main">
+  <p:cSld>
+    <p:spTree>
+      <p:nvGrpSpPr>
+        <p:cNvPr id="1" name=""/>
+        <p:cNvGrpSpPr/>
+        <p:nvPr/>
+      </p:nvGrpSpPr>
+      <p:grpSpPr>
+        <a:xfrm>
+          <a:off x="0" y="0"/>
+          <a:ext cx="0" cy="0"/>
+          <a:chOff x="0" y="0"/>
+          <a:chExt cx="0" cy="0"/>
+        </a:xfrm>
+      </p:grpSpPr>
+      <p:sp>
+        <p:nvSpPr>
+          <p:cNvPr id="3" name="Subtitle 2">
+            <a:extLst>
+              <a:ext uri="{FF2B5EF4-FFF2-40B4-BE49-F238E27FC236}">
+                <a16:creationId xmlns:a16="http://schemas.microsoft.com/office/drawing/2014/main" id="{96DD8BC4-D539-661E-8A88-53AF6C208F93}"/>
+              </a:ext>
+            </a:extLst>
+          </p:cNvPr>
+          <p:cNvSpPr>
+            <a:spLocks noGrp="1"/>
+          </p:cNvSpPr>
+          <p:nvPr>
+            <p:ph type="subTitle" idx="1"/>
+          </p:nvPr>
+        </p:nvSpPr>
+        <p:spPr>
+          <a:xfrm>
+            <a:off x="152399" y="217488"/>
+            <a:ext cx="12039601" cy="303212"/>
+          </a:xfrm>
+        </p:spPr>
+        <p:txBody>
+          <a:bodyPr>
+            <a:normAutofit fontScale="92500" lnSpcReduction="20000"/>
+          </a:bodyPr>
+          <a:lstStyle/>
+          <a:p>
+            <a:r>
+              <a:rPr lang="en-US" sz="1800" b="1" dirty="0"/>
+              <a:t>5.3 Declare and initialize variables </a:t>
+            </a:r>
+            <a:r>
+              <a:rPr lang="en-US" sz="1800" dirty="0"/>
+              <a:t>– 5.3.4 Assigning values to variables</a:t>
+            </a:r>
+            <a:endParaRPr lang="en-US" sz="1800" b="1" dirty="0"/>
+          </a:p>
+        </p:txBody>
+      </p:sp>
+      <p:sp>
+        <p:nvSpPr>
+          <p:cNvPr id="4" name="Subtitle 2">
+            <a:extLst>
+              <a:ext uri="{FF2B5EF4-FFF2-40B4-BE49-F238E27FC236}">
+                <a16:creationId xmlns:a16="http://schemas.microsoft.com/office/drawing/2014/main" id="{BBA13038-CAB8-FCA0-CDE8-65E40C2F10A3}"/>
+              </a:ext>
+            </a:extLst>
+          </p:cNvPr>
+          <p:cNvSpPr txBox="1">
+            <a:spLocks/>
+          </p:cNvSpPr>
+          <p:nvPr/>
+        </p:nvSpPr>
+        <p:spPr>
+          <a:xfrm>
+            <a:off x="0" y="520700"/>
+            <a:ext cx="12192000" cy="6337300"/>
+          </a:xfrm>
+          <a:prstGeom prst="rect">
+            <a:avLst/>
+          </a:prstGeom>
+        </p:spPr>
+        <p:txBody>
+          <a:bodyPr vert="horz" lIns="91440" tIns="45720" rIns="91440" bIns="45720" rtlCol="0">
+            <a:normAutofit/>
+          </a:bodyPr>
+          <a:lstStyle>
+            <a:lvl1pPr marL="0" indent="0" algn="ctr" defTabSz="914400" rtl="0" eaLnBrk="1" latinLnBrk="0" hangingPunct="1">
+              <a:lnSpc>
+                <a:spcPct val="90000"/>
+              </a:lnSpc>
+              <a:spcBef>
+                <a:spcPts val="1000"/>
+              </a:spcBef>
+              <a:buFont typeface="Arial" panose="020B0604020202020204" pitchFamily="34" charset="0"/>
+              <a:buNone/>
+              <a:defRPr sz="2400" kern="1200">
+                <a:solidFill>
+                  <a:schemeClr val="tx1"/>
+                </a:solidFill>
+                <a:latin typeface="+mn-lt"/>
+                <a:ea typeface="+mn-ea"/>
+                <a:cs typeface="+mn-cs"/>
+              </a:defRPr>
+            </a:lvl1pPr>
+            <a:lvl2pPr marL="457200" indent="0" algn="ctr" defTabSz="914400" rtl="0" eaLnBrk="1" latinLnBrk="0" hangingPunct="1">
+              <a:lnSpc>
+                <a:spcPct val="90000"/>
+              </a:lnSpc>
+              <a:spcBef>
+                <a:spcPts val="500"/>
+              </a:spcBef>
+              <a:buFont typeface="Arial" panose="020B0604020202020204" pitchFamily="34" charset="0"/>
+              <a:buNone/>
+              <a:defRPr sz="2000" kern="1200">
+                <a:solidFill>
+                  <a:schemeClr val="tx1"/>
+                </a:solidFill>
+                <a:latin typeface="+mn-lt"/>
+                <a:ea typeface="+mn-ea"/>
+                <a:cs typeface="+mn-cs"/>
+              </a:defRPr>
+            </a:lvl2pPr>
+            <a:lvl3pPr marL="914400" indent="0" algn="ctr" defTabSz="914400" rtl="0" eaLnBrk="1" latinLnBrk="0" hangingPunct="1">
+              <a:lnSpc>
+                <a:spcPct val="90000"/>
+              </a:lnSpc>
+              <a:spcBef>
+                <a:spcPts val="500"/>
+              </a:spcBef>
+              <a:buFont typeface="Arial" panose="020B0604020202020204" pitchFamily="34" charset="0"/>
+              <a:buNone/>
+              <a:defRPr sz="1800" kern="1200">
+                <a:solidFill>
+                  <a:schemeClr val="tx1"/>
+                </a:solidFill>
+                <a:latin typeface="+mn-lt"/>
+                <a:ea typeface="+mn-ea"/>
+                <a:cs typeface="+mn-cs"/>
+              </a:defRPr>
+            </a:lvl3pPr>
+            <a:lvl4pPr marL="1371600" indent="0" algn="ctr" defTabSz="914400" rtl="0" eaLnBrk="1" latinLnBrk="0" hangingPunct="1">
+              <a:lnSpc>
+                <a:spcPct val="90000"/>
+              </a:lnSpc>
+              <a:spcBef>
+                <a:spcPts val="500"/>
+              </a:spcBef>
+              <a:buFont typeface="Arial" panose="020B0604020202020204" pitchFamily="34" charset="0"/>
+              <a:buNone/>
+              <a:defRPr sz="1600" kern="1200">
+                <a:solidFill>
+                  <a:schemeClr val="tx1"/>
+                </a:solidFill>
+                <a:latin typeface="+mn-lt"/>
+                <a:ea typeface="+mn-ea"/>
+                <a:cs typeface="+mn-cs"/>
+              </a:defRPr>
+            </a:lvl4pPr>
+            <a:lvl5pPr marL="1828800" indent="0" algn="ctr" defTabSz="914400" rtl="0" eaLnBrk="1" latinLnBrk="0" hangingPunct="1">
+              <a:lnSpc>
+                <a:spcPct val="90000"/>
+              </a:lnSpc>
+              <a:spcBef>
+                <a:spcPts val="500"/>
+              </a:spcBef>
+              <a:buFont typeface="Arial" panose="020B0604020202020204" pitchFamily="34" charset="0"/>
+              <a:buNone/>
+              <a:defRPr sz="1600" kern="1200">
+                <a:solidFill>
+                  <a:schemeClr val="tx1"/>
+                </a:solidFill>
+                <a:latin typeface="+mn-lt"/>
+                <a:ea typeface="+mn-ea"/>
+                <a:cs typeface="+mn-cs"/>
+              </a:defRPr>
+            </a:lvl5pPr>
+            <a:lvl6pPr marL="2286000" indent="0" algn="ctr" defTabSz="914400" rtl="0" eaLnBrk="1" latinLnBrk="0" hangingPunct="1">
+              <a:lnSpc>
+                <a:spcPct val="90000"/>
+              </a:lnSpc>
+              <a:spcBef>
+                <a:spcPts val="500"/>
+              </a:spcBef>
+              <a:buFont typeface="Arial" panose="020B0604020202020204" pitchFamily="34" charset="0"/>
+              <a:buNone/>
+              <a:defRPr sz="1600" kern="1200">
+                <a:solidFill>
+                  <a:schemeClr val="tx1"/>
+                </a:solidFill>
+                <a:latin typeface="+mn-lt"/>
+                <a:ea typeface="+mn-ea"/>
+                <a:cs typeface="+mn-cs"/>
+              </a:defRPr>
+            </a:lvl6pPr>
+            <a:lvl7pPr marL="2743200" indent="0" algn="ctr" defTabSz="914400" rtl="0" eaLnBrk="1" latinLnBrk="0" hangingPunct="1">
+              <a:lnSpc>
+                <a:spcPct val="90000"/>
+              </a:lnSpc>
+              <a:spcBef>
+                <a:spcPts val="500"/>
+              </a:spcBef>
+              <a:buFont typeface="Arial" panose="020B0604020202020204" pitchFamily="34" charset="0"/>
+              <a:buNone/>
+              <a:defRPr sz="1600" kern="1200">
+                <a:solidFill>
+                  <a:schemeClr val="tx1"/>
+                </a:solidFill>
+                <a:latin typeface="+mn-lt"/>
+                <a:ea typeface="+mn-ea"/>
+                <a:cs typeface="+mn-cs"/>
+              </a:defRPr>
+            </a:lvl7pPr>
+            <a:lvl8pPr marL="3200400" indent="0" algn="ctr" defTabSz="914400" rtl="0" eaLnBrk="1" latinLnBrk="0" hangingPunct="1">
+              <a:lnSpc>
+                <a:spcPct val="90000"/>
+              </a:lnSpc>
+              <a:spcBef>
+                <a:spcPts val="500"/>
+              </a:spcBef>
+              <a:buFont typeface="Arial" panose="020B0604020202020204" pitchFamily="34" charset="0"/>
+              <a:buNone/>
+              <a:defRPr sz="1600" kern="1200">
+                <a:solidFill>
+                  <a:schemeClr val="tx1"/>
+                </a:solidFill>
+                <a:latin typeface="+mn-lt"/>
+                <a:ea typeface="+mn-ea"/>
+                <a:cs typeface="+mn-cs"/>
+              </a:defRPr>
+            </a:lvl8pPr>
+            <a:lvl9pPr marL="3657600" indent="0" algn="ctr" defTabSz="914400" rtl="0" eaLnBrk="1" latinLnBrk="0" hangingPunct="1">
+              <a:lnSpc>
+                <a:spcPct val="90000"/>
+              </a:lnSpc>
+              <a:spcBef>
+                <a:spcPts val="500"/>
+              </a:spcBef>
+              <a:buFont typeface="Arial" panose="020B0604020202020204" pitchFamily="34" charset="0"/>
+              <a:buNone/>
+              <a:defRPr sz="1600" kern="1200">
+                <a:solidFill>
+                  <a:schemeClr val="tx1"/>
+                </a:solidFill>
+                <a:latin typeface="+mn-lt"/>
+                <a:ea typeface="+mn-ea"/>
+                <a:cs typeface="+mn-cs"/>
+              </a:defRPr>
+            </a:lvl9pPr>
+          </a:lstStyle>
+          <a:p>
+            <a:pPr marL="285750" indent="-285750" algn="l">
+              <a:buFontTx/>
+              <a:buChar char="-"/>
+            </a:pPr>
+            <a:r>
+              <a:rPr lang="en-US" sz="1800" dirty="0"/>
+              <a:t>Java also allows us to write numerical values in </a:t>
+            </a:r>
+            <a:r>
+              <a:rPr lang="en-US" sz="1800" b="1" dirty="0"/>
+              <a:t>octal, hexadecimal and binary</a:t>
+            </a:r>
+            <a:endParaRPr lang="en-US" sz="1400" b="1" dirty="0"/>
+          </a:p>
+          <a:p>
+            <a:pPr algn="l"/>
+            <a:r>
+              <a:rPr lang="en-US" sz="1800" b="1" dirty="0"/>
+              <a:t>	</a:t>
+            </a:r>
+            <a:r>
+              <a:rPr lang="en-US" sz="1800" dirty="0"/>
+              <a:t>+) For </a:t>
+            </a:r>
+            <a:r>
+              <a:rPr lang="en-US" sz="1800" b="1" dirty="0"/>
+              <a:t>hexadecimal</a:t>
+            </a:r>
+            <a:r>
+              <a:rPr lang="en-US" sz="1800" dirty="0"/>
+              <a:t>, the value must start with a “0x” or “0X” and must be followed by one or more hexadecimal digits (</a:t>
+            </a:r>
+            <a:r>
+              <a:rPr lang="en-US" sz="1800" dirty="0" err="1"/>
+              <a:t>e.g</a:t>
+            </a:r>
+            <a:r>
+              <a:rPr lang="en-US" sz="1800" dirty="0"/>
+              <a:t>: 0xF = 15 in decimal) </a:t>
+            </a:r>
+          </a:p>
+          <a:p>
+            <a:pPr algn="l"/>
+            <a:r>
+              <a:rPr lang="en-US" sz="1800" dirty="0"/>
+              <a:t>	+) For </a:t>
+            </a:r>
+            <a:r>
+              <a:rPr lang="en-US" sz="1800" b="1" dirty="0"/>
+              <a:t>octal</a:t>
+            </a:r>
+            <a:r>
+              <a:rPr lang="en-US" sz="1800" dirty="0"/>
+              <a:t>, the value must start with a 0 and must follow with one or more octal digits (017 in octal = 15 in decimal) </a:t>
+            </a:r>
+          </a:p>
+          <a:p>
+            <a:pPr algn="l"/>
+            <a:r>
+              <a:rPr lang="en-US" sz="1800" dirty="0"/>
+              <a:t>	+) For binary, the value must start with a “0a” or “0B” and must be followed with one or more binary digits (0 and 1)</a:t>
+            </a:r>
+          </a:p>
+          <a:p>
+            <a:pPr marL="285750" indent="-285750" algn="l">
+              <a:buFontTx/>
+              <a:buChar char="-"/>
+            </a:pPr>
+            <a:r>
+              <a:rPr lang="en-US" sz="1800" dirty="0"/>
+              <a:t>Assignment using another variable (CODE ILLUSTRATION)</a:t>
+            </a:r>
+          </a:p>
+          <a:p>
+            <a:pPr marL="285750" indent="-285750" algn="l">
+              <a:buFontTx/>
+              <a:buChar char="-"/>
+            </a:pPr>
+            <a:r>
+              <a:rPr lang="en-US" sz="1800" dirty="0"/>
+              <a:t>Assignment using return value of a method (CODE ILLUSTRATION)</a:t>
+            </a:r>
+          </a:p>
+          <a:p>
+            <a:pPr marL="285750" indent="-285750" algn="l">
+              <a:buFontTx/>
+              <a:buChar char="-"/>
+            </a:pPr>
+            <a:r>
+              <a:rPr lang="en-US" sz="1800" dirty="0"/>
+              <a:t>Assignment value of one type to a variable of another type: Assigning primitive variables with different types is possible in Java</a:t>
+            </a:r>
+          </a:p>
+          <a:p>
+            <a:pPr lvl="1" algn="l"/>
+            <a:r>
+              <a:rPr lang="en-US" sz="1800" dirty="0"/>
+              <a:t>+) Simple assignments involving primitive types: This include the assignment of compile time constant and the concept of casting for primitive data type</a:t>
+            </a:r>
+          </a:p>
+          <a:p>
+            <a:pPr lvl="1" algn="l"/>
+            <a:r>
+              <a:rPr lang="en-US" sz="1800" dirty="0"/>
+              <a:t>+) Primitive assignments involving mathematical/arithmetic operators: This includes values generated by binary/compound operators and the concept of implicit widening/narrowing of primitives </a:t>
+            </a:r>
+            <a:r>
+              <a:rPr lang="en-US" sz="1800" i="1" dirty="0"/>
+              <a:t>(this will be further discussed in Chapter 6)</a:t>
+            </a:r>
+          </a:p>
+          <a:p>
+            <a:pPr lvl="1" algn="l"/>
+            <a:r>
+              <a:rPr lang="en-US" sz="1800" dirty="0"/>
+              <a:t>+) Assignments involving reference types – Casting reference types </a:t>
+            </a:r>
+            <a:r>
+              <a:rPr lang="en-US" sz="1800" b="1" i="1" dirty="0"/>
+              <a:t>(Upcast – Downcast) (Already learnt this)</a:t>
+            </a:r>
+          </a:p>
+        </p:txBody>
+      </p:sp>
+    </p:spTree>
+    <p:extLst>
+      <p:ext uri="{BB962C8B-B14F-4D97-AF65-F5344CB8AC3E}">
+        <p14:creationId xmlns:p14="http://schemas.microsoft.com/office/powerpoint/2010/main" val="1926954686"/>
+      </p:ext>
+    </p:extLst>
+  </p:cSld>
+  <p:clrMapOvr>
+    <a:masterClrMapping/>
+  </p:clrMapOvr>
+  <p:timing>
+    <p:tnLst>
+      <p:par>
+        <p:cTn id="1" dur="indefinite" restart="never" nodeType="tmRoot">
+          <p:childTnLst>
+            <p:seq concurrent="1" nextAc="seek">
+              <p:cTn id="2" dur="indefinite" nodeType="mainSeq">
+                <p:childTnLst>
+                  <p:par>
+                    <p:cTn id="3" fill="hold">
+                      <p:stCondLst>
+                        <p:cond delay="indefinite"/>
+                      </p:stCondLst>
+                      <p:childTnLst>
+                        <p:par>
+                          <p:cTn id="4" fill="hold">
+                            <p:stCondLst>
+                              <p:cond delay="0"/>
+                            </p:stCondLst>
+                            <p:childTnLst>
+                              <p:par>
+                                <p:cTn id="5" presetID="1" presetClass="entr" presetSubtype="0" fill="hold" nodeType="clickEffect">
+                                  <p:stCondLst>
+                                    <p:cond delay="0"/>
+                                  </p:stCondLst>
+                                  <p:childTnLst>
+                                    <p:set>
+                                      <p:cBhvr>
+                                        <p:cTn id="6" dur="1" fill="hold">
+                                          <p:stCondLst>
+                                            <p:cond delay="0"/>
+                                          </p:stCondLst>
+                                        </p:cTn>
+                                        <p:tgtEl>
+                                          <p:spTgt spid="4">
+                                            <p:txEl>
+                                              <p:pRg st="0" end="0"/>
+                                            </p:txEl>
+                                          </p:spTgt>
+                                        </p:tgtEl>
+                                        <p:attrNameLst>
+                                          <p:attrName>style.visibility</p:attrName>
+                                        </p:attrNameLst>
+                                      </p:cBhvr>
+                                      <p:to>
+                                        <p:strVal val="visible"/>
+                                      </p:to>
+                                    </p:set>
+                                  </p:childTnLst>
+                                </p:cTn>
+                              </p:par>
+                            </p:childTnLst>
+                          </p:cTn>
+                        </p:par>
+                      </p:childTnLst>
+                    </p:cTn>
+                  </p:par>
+                  <p:par>
+                    <p:cTn id="7" fill="hold">
+                      <p:stCondLst>
+                        <p:cond delay="indefinite"/>
+                      </p:stCondLst>
+                      <p:childTnLst>
+                        <p:par>
+                          <p:cTn id="8" fill="hold">
+                            <p:stCondLst>
+                              <p:cond delay="0"/>
+                            </p:stCondLst>
+                            <p:childTnLst>
+                              <p:par>
+                                <p:cTn id="9" presetID="1" presetClass="entr" presetSubtype="0" fill="hold" nodeType="clickEffect">
+                                  <p:stCondLst>
+                                    <p:cond delay="0"/>
+                                  </p:stCondLst>
+                                  <p:childTnLst>
+                                    <p:set>
+                                      <p:cBhvr>
+                                        <p:cTn id="10" dur="1" fill="hold">
+                                          <p:stCondLst>
+                                            <p:cond delay="0"/>
+                                          </p:stCondLst>
+                                        </p:cTn>
+                                        <p:tgtEl>
+                                          <p:spTgt spid="4">
+                                            <p:txEl>
+                                              <p:pRg st="1" end="1"/>
+                                            </p:txEl>
+                                          </p:spTgt>
+                                        </p:tgtEl>
+                                        <p:attrNameLst>
+                                          <p:attrName>style.visibility</p:attrName>
+                                        </p:attrNameLst>
+                                      </p:cBhvr>
+                                      <p:to>
+                                        <p:strVal val="visible"/>
+                                      </p:to>
+                                    </p:set>
+                                  </p:childTnLst>
+                                </p:cTn>
+                              </p:par>
+                            </p:childTnLst>
+                          </p:cTn>
+                        </p:par>
+                      </p:childTnLst>
+                    </p:cTn>
+                  </p:par>
+                  <p:par>
+                    <p:cTn id="11" fill="hold">
+                      <p:stCondLst>
+                        <p:cond delay="indefinite"/>
+                      </p:stCondLst>
+                      <p:childTnLst>
+                        <p:par>
+                          <p:cTn id="12" fill="hold">
+                            <p:stCondLst>
+                              <p:cond delay="0"/>
+                            </p:stCondLst>
+                            <p:childTnLst>
+                              <p:par>
+                                <p:cTn id="13" presetID="1" presetClass="entr" presetSubtype="0" fill="hold" nodeType="clickEffect">
+                                  <p:stCondLst>
+                                    <p:cond delay="0"/>
+                                  </p:stCondLst>
+                                  <p:childTnLst>
+                                    <p:set>
+                                      <p:cBhvr>
+                                        <p:cTn id="14" dur="1" fill="hold">
+                                          <p:stCondLst>
+                                            <p:cond delay="0"/>
+                                          </p:stCondLst>
+                                        </p:cTn>
+                                        <p:tgtEl>
+                                          <p:spTgt spid="4">
+                                            <p:txEl>
+                                              <p:pRg st="2" end="2"/>
+                                            </p:txEl>
+                                          </p:spTgt>
+                                        </p:tgtEl>
+                                        <p:attrNameLst>
+                                          <p:attrName>style.visibility</p:attrName>
+                                        </p:attrNameLst>
+                                      </p:cBhvr>
+                                      <p:to>
+                                        <p:strVal val="visible"/>
+                                      </p:to>
+                                    </p:set>
+                                  </p:childTnLst>
+                                </p:cTn>
+                              </p:par>
+                            </p:childTnLst>
+                          </p:cTn>
+                        </p:par>
+                      </p:childTnLst>
+                    </p:cTn>
+                  </p:par>
+                  <p:par>
+                    <p:cTn id="15" fill="hold">
+                      <p:stCondLst>
+                        <p:cond delay="indefinite"/>
+                      </p:stCondLst>
+                      <p:childTnLst>
+                        <p:par>
+                          <p:cTn id="16" fill="hold">
+                            <p:stCondLst>
+                              <p:cond delay="0"/>
+                            </p:stCondLst>
+                            <p:childTnLst>
+                              <p:par>
+                                <p:cTn id="17" presetID="1" presetClass="entr" presetSubtype="0" fill="hold" nodeType="clickEffect">
+                                  <p:stCondLst>
+                                    <p:cond delay="0"/>
+                                  </p:stCondLst>
+                                  <p:childTnLst>
+                                    <p:set>
+                                      <p:cBhvr>
+                                        <p:cTn id="18" dur="1" fill="hold">
+                                          <p:stCondLst>
+                                            <p:cond delay="0"/>
+                                          </p:stCondLst>
+                                        </p:cTn>
+                                        <p:tgtEl>
+                                          <p:spTgt spid="4">
+                                            <p:txEl>
+                                              <p:pRg st="3" end="3"/>
+                                            </p:txEl>
+                                          </p:spTgt>
+                                        </p:tgtEl>
+                                        <p:attrNameLst>
+                                          <p:attrName>style.visibility</p:attrName>
+                                        </p:attrNameLst>
+                                      </p:cBhvr>
+                                      <p:to>
+                                        <p:strVal val="visible"/>
+                                      </p:to>
+                                    </p:set>
+                                  </p:childTnLst>
+                                </p:cTn>
+                              </p:par>
+                            </p:childTnLst>
+                          </p:cTn>
+                        </p:par>
+                      </p:childTnLst>
+                    </p:cTn>
+                  </p:par>
+                  <p:par>
+                    <p:cTn id="19" fill="hold">
+                      <p:stCondLst>
+                        <p:cond delay="indefinite"/>
+                      </p:stCondLst>
+                      <p:childTnLst>
+                        <p:par>
+                          <p:cTn id="20" fill="hold">
+                            <p:stCondLst>
+                              <p:cond delay="0"/>
+                            </p:stCondLst>
+                            <p:childTnLst>
+                              <p:par>
+                                <p:cTn id="21" presetID="1" presetClass="entr" presetSubtype="0" fill="hold" nodeType="clickEffect">
+                                  <p:stCondLst>
+                                    <p:cond delay="0"/>
+                                  </p:stCondLst>
+                                  <p:childTnLst>
+                                    <p:set>
+                                      <p:cBhvr>
+                                        <p:cTn id="22" dur="1" fill="hold">
+                                          <p:stCondLst>
+                                            <p:cond delay="0"/>
+                                          </p:stCondLst>
+                                        </p:cTn>
+                                        <p:tgtEl>
+                                          <p:spTgt spid="4">
+                                            <p:txEl>
+                                              <p:pRg st="4" end="4"/>
+                                            </p:txEl>
+                                          </p:spTgt>
+                                        </p:tgtEl>
+                                        <p:attrNameLst>
+                                          <p:attrName>style.visibility</p:attrName>
+                                        </p:attrNameLst>
+                                      </p:cBhvr>
+                                      <p:to>
+                                        <p:strVal val="visible"/>
+                                      </p:to>
+                                    </p:set>
+                                  </p:childTnLst>
+                                </p:cTn>
+                              </p:par>
+                            </p:childTnLst>
+                          </p:cTn>
+                        </p:par>
+                      </p:childTnLst>
+                    </p:cTn>
+                  </p:par>
+                  <p:par>
+                    <p:cTn id="23" fill="hold">
+                      <p:stCondLst>
+                        <p:cond delay="indefinite"/>
+                      </p:stCondLst>
+                      <p:childTnLst>
+                        <p:par>
+                          <p:cTn id="24" fill="hold">
+                            <p:stCondLst>
+                              <p:cond delay="0"/>
+                            </p:stCondLst>
+                            <p:childTnLst>
+                              <p:par>
+                                <p:cTn id="25" presetID="1" presetClass="entr" presetSubtype="0" fill="hold" nodeType="clickEffect">
+                                  <p:stCondLst>
+                                    <p:cond delay="0"/>
+                                  </p:stCondLst>
+                                  <p:childTnLst>
+                                    <p:set>
+                                      <p:cBhvr>
+                                        <p:cTn id="26" dur="1" fill="hold">
+                                          <p:stCondLst>
+                                            <p:cond delay="0"/>
+                                          </p:stCondLst>
+                                        </p:cTn>
+                                        <p:tgtEl>
+                                          <p:spTgt spid="4">
+                                            <p:txEl>
+                                              <p:pRg st="5" end="5"/>
+                                            </p:txEl>
+                                          </p:spTgt>
+                                        </p:tgtEl>
+                                        <p:attrNameLst>
+                                          <p:attrName>style.visibility</p:attrName>
+                                        </p:attrNameLst>
+                                      </p:cBhvr>
+                                      <p:to>
+                                        <p:strVal val="visible"/>
+                                      </p:to>
+                                    </p:set>
+                                  </p:childTnLst>
+                                </p:cTn>
+                              </p:par>
+                            </p:childTnLst>
+                          </p:cTn>
+                        </p:par>
+                      </p:childTnLst>
+                    </p:cTn>
+                  </p:par>
+                  <p:par>
+                    <p:cTn id="27" fill="hold">
+                      <p:stCondLst>
+                        <p:cond delay="indefinite"/>
+                      </p:stCondLst>
+                      <p:childTnLst>
+                        <p:par>
+                          <p:cTn id="28" fill="hold">
+                            <p:stCondLst>
+                              <p:cond delay="0"/>
+                            </p:stCondLst>
+                            <p:childTnLst>
+                              <p:par>
+                                <p:cTn id="29" presetID="1" presetClass="entr" presetSubtype="0" fill="hold" nodeType="clickEffect">
+                                  <p:stCondLst>
+                                    <p:cond delay="0"/>
+                                  </p:stCondLst>
+                                  <p:childTnLst>
+                                    <p:set>
+                                      <p:cBhvr>
+                                        <p:cTn id="30" dur="1" fill="hold">
+                                          <p:stCondLst>
+                                            <p:cond delay="0"/>
+                                          </p:stCondLst>
+                                        </p:cTn>
+                                        <p:tgtEl>
+                                          <p:spTgt spid="4">
+                                            <p:txEl>
+                                              <p:pRg st="6" end="6"/>
+                                            </p:txEl>
+                                          </p:spTgt>
+                                        </p:tgtEl>
+                                        <p:attrNameLst>
+                                          <p:attrName>style.visibility</p:attrName>
+                                        </p:attrNameLst>
+                                      </p:cBhvr>
+                                      <p:to>
+                                        <p:strVal val="visible"/>
+                                      </p:to>
+                                    </p:set>
+                                  </p:childTnLst>
+                                </p:cTn>
+                              </p:par>
+                            </p:childTnLst>
+                          </p:cTn>
+                        </p:par>
+                      </p:childTnLst>
+                    </p:cTn>
+                  </p:par>
+                  <p:par>
+                    <p:cTn id="31" fill="hold">
+                      <p:stCondLst>
+                        <p:cond delay="indefinite"/>
+                      </p:stCondLst>
+                      <p:childTnLst>
+                        <p:par>
+                          <p:cTn id="32" fill="hold">
+                            <p:stCondLst>
+                              <p:cond delay="0"/>
+                            </p:stCondLst>
+                            <p:childTnLst>
+                              <p:par>
+                                <p:cTn id="33" presetID="1" presetClass="entr" presetSubtype="0" fill="hold" nodeType="clickEffect">
+                                  <p:stCondLst>
+                                    <p:cond delay="0"/>
+                                  </p:stCondLst>
+                                  <p:childTnLst>
+                                    <p:set>
+                                      <p:cBhvr>
+                                        <p:cTn id="34" dur="1" fill="hold">
+                                          <p:stCondLst>
+                                            <p:cond delay="0"/>
+                                          </p:stCondLst>
+                                        </p:cTn>
+                                        <p:tgtEl>
+                                          <p:spTgt spid="4">
+                                            <p:txEl>
+                                              <p:pRg st="7" end="7"/>
+                                            </p:txEl>
+                                          </p:spTgt>
+                                        </p:tgtEl>
+                                        <p:attrNameLst>
+                                          <p:attrName>style.visibility</p:attrName>
+                                        </p:attrNameLst>
+                                      </p:cBhvr>
+                                      <p:to>
+                                        <p:strVal val="visible"/>
+                                      </p:to>
+                                    </p:set>
+                                  </p:childTnLst>
+                                </p:cTn>
+                              </p:par>
+                            </p:childTnLst>
+                          </p:cTn>
+                        </p:par>
+                      </p:childTnLst>
+                    </p:cTn>
+                  </p:par>
+                  <p:par>
+                    <p:cTn id="35" fill="hold">
+                      <p:stCondLst>
+                        <p:cond delay="indefinite"/>
+                      </p:stCondLst>
+                      <p:childTnLst>
+                        <p:par>
+                          <p:cTn id="36" fill="hold">
+                            <p:stCondLst>
+                              <p:cond delay="0"/>
+                            </p:stCondLst>
+                            <p:childTnLst>
+                              <p:par>
+                                <p:cTn id="37" presetID="1" presetClass="entr" presetSubtype="0" fill="hold" nodeType="clickEffect">
+                                  <p:stCondLst>
+                                    <p:cond delay="0"/>
+                                  </p:stCondLst>
+                                  <p:childTnLst>
+                                    <p:set>
+                                      <p:cBhvr>
+                                        <p:cTn id="38" dur="1" fill="hold">
+                                          <p:stCondLst>
+                                            <p:cond delay="0"/>
+                                          </p:stCondLst>
+                                        </p:cTn>
+                                        <p:tgtEl>
+                                          <p:spTgt spid="4">
+                                            <p:txEl>
+                                              <p:pRg st="8" end="8"/>
+                                            </p:txEl>
+                                          </p:spTgt>
+                                        </p:tgtEl>
+                                        <p:attrNameLst>
+                                          <p:attrName>style.visibility</p:attrName>
+                                        </p:attrNameLst>
+                                      </p:cBhvr>
+                                      <p:to>
+                                        <p:strVal val="visible"/>
+                                      </p:to>
+                                    </p:set>
+                                  </p:childTnLst>
+                                </p:cTn>
+                              </p:par>
+                            </p:childTnLst>
+                          </p:cTn>
+                        </p:par>
+                      </p:childTnLst>
+                    </p:cTn>
+                  </p:par>
+                  <p:par>
+                    <p:cTn id="39" fill="hold">
+                      <p:stCondLst>
+                        <p:cond delay="indefinite"/>
+                      </p:stCondLst>
+                      <p:childTnLst>
+                        <p:par>
+                          <p:cTn id="40" fill="hold">
+                            <p:stCondLst>
+                              <p:cond delay="0"/>
+                            </p:stCondLst>
+                            <p:childTnLst>
+                              <p:par>
+                                <p:cTn id="41" presetID="1" presetClass="entr" presetSubtype="0" fill="hold" nodeType="clickEffect">
+                                  <p:stCondLst>
+                                    <p:cond delay="0"/>
+                                  </p:stCondLst>
+                                  <p:childTnLst>
+                                    <p:set>
+                                      <p:cBhvr>
+                                        <p:cTn id="42" dur="1" fill="hold">
+                                          <p:stCondLst>
+                                            <p:cond delay="0"/>
+                                          </p:stCondLst>
+                                        </p:cTn>
+                                        <p:tgtEl>
+                                          <p:spTgt spid="4">
+                                            <p:txEl>
+                                              <p:pRg st="9" end="9"/>
+                                            </p:txEl>
+                                          </p:spTgt>
+                                        </p:tgtEl>
+                                        <p:attrNameLst>
+                                          <p:attrName>style.visibility</p:attrName>
+                                        </p:attrNameLst>
+                                      </p:cBhvr>
+                                      <p:to>
+                                        <p:strVal val="visible"/>
+                                      </p:to>
+                                    </p:set>
+                                  </p:childTnLst>
+                                </p:cTn>
+                              </p:par>
+                            </p:childTnLst>
+                          </p:cTn>
+                        </p:par>
+                      </p:childTnLst>
+                    </p:cTn>
+                  </p:par>
+                </p:childTnLst>
+              </p:cTn>
+              <p:prevCondLst>
+                <p:cond evt="onPrev" delay="0">
+                  <p:tgtEl>
+                    <p:sldTgt/>
+                  </p:tgtEl>
+                </p:cond>
+              </p:prevCondLst>
+              <p:nextCondLst>
+                <p:cond evt="onNext" delay="0">
+                  <p:tgtEl>
+                    <p:sldTgt/>
+                  </p:tgtEl>
+                </p:cond>
+              </p:nextCondLst>
+            </p:seq>
+          </p:childTnLst>
+        </p:cTn>
+      </p:par>
+    </p:tnLst>
+  </p:timing>
+</p:sld>
+</file>
+
+<file path=ppt/slides/slide13.xml><?xml version="1.0" encoding="utf-8"?>
+<p:sld xmlns:a="http://schemas.openxmlformats.org/drawingml/2006/main" xmlns:r="http://schemas.openxmlformats.org/officeDocument/2006/relationships" xmlns:p="http://schemas.openxmlformats.org/presentationml/2006/main">
+  <p:cSld>
+    <p:spTree>
+      <p:nvGrpSpPr>
+        <p:cNvPr id="1" name=""/>
+        <p:cNvGrpSpPr/>
+        <p:nvPr/>
+      </p:nvGrpSpPr>
+      <p:grpSpPr>
+        <a:xfrm>
+          <a:off x="0" y="0"/>
+          <a:ext cx="0" cy="0"/>
+          <a:chOff x="0" y="0"/>
+          <a:chExt cx="0" cy="0"/>
+        </a:xfrm>
+      </p:grpSpPr>
+      <p:sp>
+        <p:nvSpPr>
+          <p:cNvPr id="3" name="Subtitle 2">
+            <a:extLst>
+              <a:ext uri="{FF2B5EF4-FFF2-40B4-BE49-F238E27FC236}">
+                <a16:creationId xmlns:a16="http://schemas.microsoft.com/office/drawing/2014/main" id="{96DD8BC4-D539-661E-8A88-53AF6C208F93}"/>
+              </a:ext>
+            </a:extLst>
+          </p:cNvPr>
+          <p:cNvSpPr>
+            <a:spLocks noGrp="1"/>
+          </p:cNvSpPr>
+          <p:nvPr>
+            <p:ph type="subTitle" idx="1"/>
+          </p:nvPr>
+        </p:nvSpPr>
+        <p:spPr>
+          <a:xfrm>
+            <a:off x="152399" y="217488"/>
+            <a:ext cx="12039601" cy="303212"/>
+          </a:xfrm>
+        </p:spPr>
+        <p:txBody>
+          <a:bodyPr>
+            <a:normAutofit fontScale="92500" lnSpcReduction="20000"/>
+          </a:bodyPr>
+          <a:lstStyle/>
+          <a:p>
+            <a:r>
+              <a:rPr lang="en-US" sz="1800" b="1" dirty="0"/>
+              <a:t>5.3 Declare and initialize variables </a:t>
+            </a:r>
+            <a:r>
+              <a:rPr lang="en-US" sz="1800" dirty="0"/>
+              <a:t>– 5.3.4 Assigning values to variables</a:t>
+            </a:r>
+            <a:endParaRPr lang="en-US" sz="1800" b="1" dirty="0"/>
+          </a:p>
+        </p:txBody>
+      </p:sp>
+      <p:sp>
+        <p:nvSpPr>
+          <p:cNvPr id="4" name="Subtitle 2">
+            <a:extLst>
+              <a:ext uri="{FF2B5EF4-FFF2-40B4-BE49-F238E27FC236}">
+                <a16:creationId xmlns:a16="http://schemas.microsoft.com/office/drawing/2014/main" id="{BBA13038-CAB8-FCA0-CDE8-65E40C2F10A3}"/>
+              </a:ext>
+            </a:extLst>
+          </p:cNvPr>
+          <p:cNvSpPr txBox="1">
+            <a:spLocks/>
+          </p:cNvSpPr>
+          <p:nvPr/>
+        </p:nvSpPr>
+        <p:spPr>
+          <a:xfrm>
+            <a:off x="0" y="520700"/>
+            <a:ext cx="12192000" cy="6337300"/>
+          </a:xfrm>
+          <a:prstGeom prst="rect">
+            <a:avLst/>
+          </a:prstGeom>
+        </p:spPr>
+        <p:txBody>
+          <a:bodyPr vert="horz" lIns="91440" tIns="45720" rIns="91440" bIns="45720" rtlCol="0">
+            <a:normAutofit/>
+          </a:bodyPr>
+          <a:lstStyle>
+            <a:lvl1pPr marL="0" indent="0" algn="ctr" defTabSz="914400" rtl="0" eaLnBrk="1" latinLnBrk="0" hangingPunct="1">
+              <a:lnSpc>
+                <a:spcPct val="90000"/>
+              </a:lnSpc>
+              <a:spcBef>
+                <a:spcPts val="1000"/>
+              </a:spcBef>
+              <a:buFont typeface="Arial" panose="020B0604020202020204" pitchFamily="34" charset="0"/>
+              <a:buNone/>
+              <a:defRPr sz="2400" kern="1200">
+                <a:solidFill>
+                  <a:schemeClr val="tx1"/>
+                </a:solidFill>
+                <a:latin typeface="+mn-lt"/>
+                <a:ea typeface="+mn-ea"/>
+                <a:cs typeface="+mn-cs"/>
+              </a:defRPr>
+            </a:lvl1pPr>
+            <a:lvl2pPr marL="457200" indent="0" algn="ctr" defTabSz="914400" rtl="0" eaLnBrk="1" latinLnBrk="0" hangingPunct="1">
+              <a:lnSpc>
+                <a:spcPct val="90000"/>
+              </a:lnSpc>
+              <a:spcBef>
+                <a:spcPts val="500"/>
+              </a:spcBef>
+              <a:buFont typeface="Arial" panose="020B0604020202020204" pitchFamily="34" charset="0"/>
+              <a:buNone/>
+              <a:defRPr sz="2000" kern="1200">
+                <a:solidFill>
+                  <a:schemeClr val="tx1"/>
+                </a:solidFill>
+                <a:latin typeface="+mn-lt"/>
+                <a:ea typeface="+mn-ea"/>
+                <a:cs typeface="+mn-cs"/>
+              </a:defRPr>
+            </a:lvl2pPr>
+            <a:lvl3pPr marL="914400" indent="0" algn="ctr" defTabSz="914400" rtl="0" eaLnBrk="1" latinLnBrk="0" hangingPunct="1">
+              <a:lnSpc>
+                <a:spcPct val="90000"/>
+              </a:lnSpc>
+              <a:spcBef>
+                <a:spcPts val="500"/>
+              </a:spcBef>
+              <a:buFont typeface="Arial" panose="020B0604020202020204" pitchFamily="34" charset="0"/>
+              <a:buNone/>
+              <a:defRPr sz="1800" kern="1200">
+                <a:solidFill>
+                  <a:schemeClr val="tx1"/>
+                </a:solidFill>
+                <a:latin typeface="+mn-lt"/>
+                <a:ea typeface="+mn-ea"/>
+                <a:cs typeface="+mn-cs"/>
+              </a:defRPr>
+            </a:lvl3pPr>
+            <a:lvl4pPr marL="1371600" indent="0" algn="ctr" defTabSz="914400" rtl="0" eaLnBrk="1" latinLnBrk="0" hangingPunct="1">
+              <a:lnSpc>
+                <a:spcPct val="90000"/>
+              </a:lnSpc>
+              <a:spcBef>
+                <a:spcPts val="500"/>
+              </a:spcBef>
+              <a:buFont typeface="Arial" panose="020B0604020202020204" pitchFamily="34" charset="0"/>
+              <a:buNone/>
+              <a:defRPr sz="1600" kern="1200">
+                <a:solidFill>
+                  <a:schemeClr val="tx1"/>
+                </a:solidFill>
+                <a:latin typeface="+mn-lt"/>
+                <a:ea typeface="+mn-ea"/>
+                <a:cs typeface="+mn-cs"/>
+              </a:defRPr>
+            </a:lvl4pPr>
+            <a:lvl5pPr marL="1828800" indent="0" algn="ctr" defTabSz="914400" rtl="0" eaLnBrk="1" latinLnBrk="0" hangingPunct="1">
+              <a:lnSpc>
+                <a:spcPct val="90000"/>
+              </a:lnSpc>
+              <a:spcBef>
+                <a:spcPts val="500"/>
+              </a:spcBef>
+              <a:buFont typeface="Arial" panose="020B0604020202020204" pitchFamily="34" charset="0"/>
+              <a:buNone/>
+              <a:defRPr sz="1600" kern="1200">
+                <a:solidFill>
+                  <a:schemeClr val="tx1"/>
+                </a:solidFill>
+                <a:latin typeface="+mn-lt"/>
+                <a:ea typeface="+mn-ea"/>
+                <a:cs typeface="+mn-cs"/>
+              </a:defRPr>
+            </a:lvl5pPr>
+            <a:lvl6pPr marL="2286000" indent="0" algn="ctr" defTabSz="914400" rtl="0" eaLnBrk="1" latinLnBrk="0" hangingPunct="1">
+              <a:lnSpc>
+                <a:spcPct val="90000"/>
+              </a:lnSpc>
+              <a:spcBef>
+                <a:spcPts val="500"/>
+              </a:spcBef>
+              <a:buFont typeface="Arial" panose="020B0604020202020204" pitchFamily="34" charset="0"/>
+              <a:buNone/>
+              <a:defRPr sz="1600" kern="1200">
+                <a:solidFill>
+                  <a:schemeClr val="tx1"/>
+                </a:solidFill>
+                <a:latin typeface="+mn-lt"/>
+                <a:ea typeface="+mn-ea"/>
+                <a:cs typeface="+mn-cs"/>
+              </a:defRPr>
+            </a:lvl6pPr>
+            <a:lvl7pPr marL="2743200" indent="0" algn="ctr" defTabSz="914400" rtl="0" eaLnBrk="1" latinLnBrk="0" hangingPunct="1">
+              <a:lnSpc>
+                <a:spcPct val="90000"/>
+              </a:lnSpc>
+              <a:spcBef>
+                <a:spcPts val="500"/>
+              </a:spcBef>
+              <a:buFont typeface="Arial" panose="020B0604020202020204" pitchFamily="34" charset="0"/>
+              <a:buNone/>
+              <a:defRPr sz="1600" kern="1200">
+                <a:solidFill>
+                  <a:schemeClr val="tx1"/>
+                </a:solidFill>
+                <a:latin typeface="+mn-lt"/>
+                <a:ea typeface="+mn-ea"/>
+                <a:cs typeface="+mn-cs"/>
+              </a:defRPr>
+            </a:lvl7pPr>
+            <a:lvl8pPr marL="3200400" indent="0" algn="ctr" defTabSz="914400" rtl="0" eaLnBrk="1" latinLnBrk="0" hangingPunct="1">
+              <a:lnSpc>
+                <a:spcPct val="90000"/>
+              </a:lnSpc>
+              <a:spcBef>
+                <a:spcPts val="500"/>
+              </a:spcBef>
+              <a:buFont typeface="Arial" panose="020B0604020202020204" pitchFamily="34" charset="0"/>
+              <a:buNone/>
+              <a:defRPr sz="1600" kern="1200">
+                <a:solidFill>
+                  <a:schemeClr val="tx1"/>
+                </a:solidFill>
+                <a:latin typeface="+mn-lt"/>
+                <a:ea typeface="+mn-ea"/>
+                <a:cs typeface="+mn-cs"/>
+              </a:defRPr>
+            </a:lvl8pPr>
+            <a:lvl9pPr marL="3657600" indent="0" algn="ctr" defTabSz="914400" rtl="0" eaLnBrk="1" latinLnBrk="0" hangingPunct="1">
+              <a:lnSpc>
+                <a:spcPct val="90000"/>
+              </a:lnSpc>
+              <a:spcBef>
+                <a:spcPts val="500"/>
+              </a:spcBef>
+              <a:buFont typeface="Arial" panose="020B0604020202020204" pitchFamily="34" charset="0"/>
+              <a:buNone/>
+              <a:defRPr sz="1600" kern="1200">
+                <a:solidFill>
+                  <a:schemeClr val="tx1"/>
+                </a:solidFill>
+                <a:latin typeface="+mn-lt"/>
+                <a:ea typeface="+mn-ea"/>
+                <a:cs typeface="+mn-cs"/>
+              </a:defRPr>
+            </a:lvl9pPr>
+          </a:lstStyle>
+          <a:p>
+            <a:pPr algn="l"/>
+            <a:r>
+              <a:rPr lang="en-US" sz="1800" b="1" dirty="0"/>
+              <a:t>Primitive Assignment</a:t>
+            </a:r>
+          </a:p>
+          <a:p>
+            <a:pPr algn="l"/>
+            <a:r>
+              <a:rPr lang="en-US" sz="1800" b="1" dirty="0"/>
+              <a:t>(CODE ILLUSTRATION)</a:t>
+            </a:r>
+          </a:p>
+          <a:p>
+            <a:pPr algn="l"/>
+            <a:r>
+              <a:rPr lang="en-US" sz="1800" dirty="0"/>
+              <a:t>- Assigning a smaller type to a larger type is called </a:t>
+            </a:r>
+            <a:r>
+              <a:rPr lang="en-US" sz="1800" b="1" dirty="0"/>
+              <a:t>“widening conversion” </a:t>
+            </a:r>
+            <a:r>
+              <a:rPr lang="en-US" sz="1800" dirty="0"/>
+              <a:t>or </a:t>
+            </a:r>
+            <a:r>
+              <a:rPr lang="en-US" sz="1800" b="1" dirty="0"/>
+              <a:t>“implicit widening conversion”</a:t>
+            </a:r>
+            <a:r>
+              <a:rPr lang="en-US" sz="1800" dirty="0"/>
+              <a:t>. We could compare this with transferring water from a smaller bucket to a larger bucket, there will be no spillage since the water in the smaller bucket is already smaller than the volume of the larger bucket</a:t>
+            </a:r>
+          </a:p>
+          <a:p>
+            <a:pPr algn="l"/>
+            <a:r>
+              <a:rPr lang="en-US" sz="1800" dirty="0"/>
+              <a:t>– But if we try to assign a value from a larger variable to a smaller variable, there will be </a:t>
+            </a:r>
+            <a:r>
+              <a:rPr lang="en-US" sz="1800" i="1" dirty="0"/>
+              <a:t>”spillage”  </a:t>
+            </a:r>
+            <a:r>
+              <a:rPr lang="en-US" sz="1800" dirty="0"/>
+              <a:t>which means loss of information. Therefore, Java compiler doesn’t allow us to do this </a:t>
+            </a:r>
+            <a:r>
+              <a:rPr lang="en-US" sz="1000" b="1" i="1" dirty="0"/>
+              <a:t>(CODE ILLUSTRATION)</a:t>
+            </a:r>
+          </a:p>
+          <a:p>
+            <a:pPr algn="l"/>
+            <a:r>
+              <a:rPr lang="en-US" sz="1800" dirty="0"/>
+              <a:t> - However, if the larger bucket isn’t full and the volume of the water inside the large bucket is equal to the volume of the smaller bucket? =&gt; There will be no spillage at this time =&gt; The compiler should allow us to assign the larger variable to the smaller variable =&gt; It does allow us but with </a:t>
+            </a:r>
+            <a:r>
+              <a:rPr lang="en-US" sz="1800" b="1" i="1" dirty="0"/>
+              <a:t>A CONDITION</a:t>
+            </a:r>
+          </a:p>
+          <a:p>
+            <a:pPr marL="285750" indent="-285750" algn="l">
+              <a:buFontTx/>
+              <a:buChar char="-"/>
+            </a:pPr>
+            <a:r>
+              <a:rPr lang="en-US" sz="1800" dirty="0"/>
+              <a:t>The problem is that the compiler cannot execute codes =&gt; it cannot determine whether the size of the source variable fits with the target variable. For example, 10 is an “int literal” and it is an “int” not a “byte”, although an “int” is larger than a “byte”, we still can do ”byte b = 10;” since 10 is fit into a byte. However, “byte b = 128;” isn’t </a:t>
+            </a:r>
+            <a:r>
+              <a:rPr lang="en-US" sz="1800" dirty="0" err="1"/>
+              <a:t>compilable</a:t>
+            </a:r>
+            <a:r>
+              <a:rPr lang="en-US" sz="1800" dirty="0"/>
+              <a:t> since the range of a byte is from -128 to 127. </a:t>
+            </a:r>
+          </a:p>
+          <a:p>
+            <a:pPr marL="285750" indent="-285750" algn="l">
+              <a:buFontTx/>
+              <a:buChar char="-"/>
+            </a:pPr>
+            <a:r>
+              <a:rPr lang="en-US" sz="1800" dirty="0"/>
+              <a:t>However, if we try ”final int </a:t>
+            </a:r>
+            <a:r>
+              <a:rPr lang="en-US" sz="1800" dirty="0" err="1"/>
+              <a:t>i</a:t>
+            </a:r>
+            <a:r>
+              <a:rPr lang="en-US" sz="1800" dirty="0"/>
+              <a:t> = 4;”, ”byte b = </a:t>
+            </a:r>
+            <a:r>
+              <a:rPr lang="en-US" sz="1800" dirty="0" err="1"/>
+              <a:t>i</a:t>
+            </a:r>
+            <a:r>
+              <a:rPr lang="en-US" sz="1800" dirty="0"/>
+              <a:t>;”, this code will be </a:t>
+            </a:r>
+            <a:r>
+              <a:rPr lang="en-US" sz="1800" dirty="0" err="1"/>
+              <a:t>compilable</a:t>
+            </a:r>
+            <a:r>
+              <a:rPr lang="en-US" sz="1800" dirty="0"/>
+              <a:t> since ”</a:t>
+            </a:r>
+            <a:r>
+              <a:rPr lang="en-US" sz="1800" dirty="0" err="1"/>
+              <a:t>i</a:t>
+            </a:r>
+            <a:r>
+              <a:rPr lang="en-US" sz="1800" dirty="0"/>
+              <a:t>” is a compile time constant. </a:t>
+            </a:r>
+          </a:p>
+          <a:p>
+            <a:pPr marL="285750" indent="-285750" algn="l">
+              <a:buFontTx/>
+              <a:buChar char="-"/>
+            </a:pPr>
+            <a:r>
+              <a:rPr lang="en-US" sz="1800" dirty="0"/>
+              <a:t>Therefore, we can assign a compile time constant to a target variable </a:t>
+            </a:r>
+            <a:r>
+              <a:rPr lang="en-US" sz="1800" b="1" i="1" dirty="0"/>
+              <a:t>ONLY IF</a:t>
+            </a:r>
+            <a:r>
+              <a:rPr lang="en-US" sz="1800" dirty="0"/>
+              <a:t> the source variable has a size that is smaller or equal to the target variable =&gt; This is called </a:t>
+            </a:r>
+            <a:r>
+              <a:rPr lang="en-US" sz="1800" b="1" i="1" dirty="0"/>
+              <a:t>“implicit narrowing” </a:t>
+            </a:r>
+            <a:r>
+              <a:rPr lang="en-US" sz="1800" dirty="0"/>
+              <a:t>(NOTE: This is only applicable to variable assignment, not for method. If we try to define a method with input type is “int” and we try to pass in “long” =&gt; it won’t compile, even with the pass in size is smaller than the input type size) </a:t>
+            </a:r>
+            <a:endParaRPr lang="en-US" sz="1800" b="1" i="1" dirty="0"/>
+          </a:p>
+        </p:txBody>
+      </p:sp>
+    </p:spTree>
+    <p:extLst>
+      <p:ext uri="{BB962C8B-B14F-4D97-AF65-F5344CB8AC3E}">
+        <p14:creationId xmlns:p14="http://schemas.microsoft.com/office/powerpoint/2010/main" val="2733718242"/>
+      </p:ext>
+    </p:extLst>
+  </p:cSld>
+  <p:clrMapOvr>
+    <a:masterClrMapping/>
+  </p:clrMapOvr>
+  <p:timing>
+    <p:tnLst>
+      <p:par>
+        <p:cTn id="1" dur="indefinite" restart="never" nodeType="tmRoot">
+          <p:childTnLst>
+            <p:seq concurrent="1" nextAc="seek">
+              <p:cTn id="2" dur="indefinite" nodeType="mainSeq">
+                <p:childTnLst>
+                  <p:par>
+                    <p:cTn id="3" fill="hold">
+                      <p:stCondLst>
+                        <p:cond delay="indefinite"/>
+                      </p:stCondLst>
+                      <p:childTnLst>
+                        <p:par>
+                          <p:cTn id="4" fill="hold">
+                            <p:stCondLst>
+                              <p:cond delay="0"/>
+                            </p:stCondLst>
+                            <p:childTnLst>
+                              <p:par>
+                                <p:cTn id="5" presetID="1" presetClass="entr" presetSubtype="0" fill="hold" nodeType="clickEffect">
+                                  <p:stCondLst>
+                                    <p:cond delay="0"/>
+                                  </p:stCondLst>
+                                  <p:childTnLst>
+                                    <p:set>
+                                      <p:cBhvr>
+                                        <p:cTn id="6" dur="1" fill="hold">
+                                          <p:stCondLst>
+                                            <p:cond delay="0"/>
+                                          </p:stCondLst>
+                                        </p:cTn>
+                                        <p:tgtEl>
+                                          <p:spTgt spid="4">
+                                            <p:txEl>
+                                              <p:pRg st="2" end="2"/>
+                                            </p:txEl>
+                                          </p:spTgt>
+                                        </p:tgtEl>
+                                        <p:attrNameLst>
+                                          <p:attrName>style.visibility</p:attrName>
+                                        </p:attrNameLst>
+                                      </p:cBhvr>
+                                      <p:to>
+                                        <p:strVal val="visible"/>
+                                      </p:to>
+                                    </p:set>
+                                  </p:childTnLst>
+                                </p:cTn>
+                              </p:par>
+                            </p:childTnLst>
+                          </p:cTn>
+                        </p:par>
+                      </p:childTnLst>
+                    </p:cTn>
+                  </p:par>
+                  <p:par>
+                    <p:cTn id="7" fill="hold">
+                      <p:stCondLst>
+                        <p:cond delay="indefinite"/>
+                      </p:stCondLst>
+                      <p:childTnLst>
+                        <p:par>
+                          <p:cTn id="8" fill="hold">
+                            <p:stCondLst>
+                              <p:cond delay="0"/>
+                            </p:stCondLst>
+                            <p:childTnLst>
+                              <p:par>
+                                <p:cTn id="9" presetID="1" presetClass="entr" presetSubtype="0" fill="hold" nodeType="clickEffect">
+                                  <p:stCondLst>
+                                    <p:cond delay="0"/>
+                                  </p:stCondLst>
+                                  <p:childTnLst>
+                                    <p:set>
+                                      <p:cBhvr>
+                                        <p:cTn id="10" dur="1" fill="hold">
+                                          <p:stCondLst>
+                                            <p:cond delay="0"/>
+                                          </p:stCondLst>
+                                        </p:cTn>
+                                        <p:tgtEl>
+                                          <p:spTgt spid="4">
+                                            <p:txEl>
+                                              <p:pRg st="3" end="3"/>
+                                            </p:txEl>
+                                          </p:spTgt>
+                                        </p:tgtEl>
+                                        <p:attrNameLst>
+                                          <p:attrName>style.visibility</p:attrName>
+                                        </p:attrNameLst>
+                                      </p:cBhvr>
+                                      <p:to>
+                                        <p:strVal val="visible"/>
+                                      </p:to>
+                                    </p:set>
+                                  </p:childTnLst>
+                                </p:cTn>
+                              </p:par>
+                            </p:childTnLst>
+                          </p:cTn>
+                        </p:par>
+                      </p:childTnLst>
+                    </p:cTn>
+                  </p:par>
+                  <p:par>
+                    <p:cTn id="11" fill="hold">
+                      <p:stCondLst>
+                        <p:cond delay="indefinite"/>
+                      </p:stCondLst>
+                      <p:childTnLst>
+                        <p:par>
+                          <p:cTn id="12" fill="hold">
+                            <p:stCondLst>
+                              <p:cond delay="0"/>
+                            </p:stCondLst>
+                            <p:childTnLst>
+                              <p:par>
+                                <p:cTn id="13" presetID="1" presetClass="entr" presetSubtype="0" fill="hold" nodeType="clickEffect">
+                                  <p:stCondLst>
+                                    <p:cond delay="0"/>
+                                  </p:stCondLst>
+                                  <p:childTnLst>
+                                    <p:set>
+                                      <p:cBhvr>
+                                        <p:cTn id="14" dur="1" fill="hold">
+                                          <p:stCondLst>
+                                            <p:cond delay="0"/>
+                                          </p:stCondLst>
+                                        </p:cTn>
+                                        <p:tgtEl>
+                                          <p:spTgt spid="4">
+                                            <p:txEl>
+                                              <p:pRg st="4" end="4"/>
+                                            </p:txEl>
+                                          </p:spTgt>
+                                        </p:tgtEl>
+                                        <p:attrNameLst>
+                                          <p:attrName>style.visibility</p:attrName>
+                                        </p:attrNameLst>
+                                      </p:cBhvr>
+                                      <p:to>
+                                        <p:strVal val="visible"/>
+                                      </p:to>
+                                    </p:set>
+                                  </p:childTnLst>
+                                </p:cTn>
+                              </p:par>
+                            </p:childTnLst>
+                          </p:cTn>
+                        </p:par>
+                      </p:childTnLst>
+                    </p:cTn>
+                  </p:par>
+                  <p:par>
+                    <p:cTn id="15" fill="hold">
+                      <p:stCondLst>
+                        <p:cond delay="indefinite"/>
+                      </p:stCondLst>
+                      <p:childTnLst>
+                        <p:par>
+                          <p:cTn id="16" fill="hold">
+                            <p:stCondLst>
+                              <p:cond delay="0"/>
+                            </p:stCondLst>
+                            <p:childTnLst>
+                              <p:par>
+                                <p:cTn id="17" presetID="1" presetClass="entr" presetSubtype="0" fill="hold" nodeType="clickEffect">
+                                  <p:stCondLst>
+                                    <p:cond delay="0"/>
+                                  </p:stCondLst>
+                                  <p:childTnLst>
+                                    <p:set>
+                                      <p:cBhvr>
+                                        <p:cTn id="18" dur="1" fill="hold">
+                                          <p:stCondLst>
+                                            <p:cond delay="0"/>
+                                          </p:stCondLst>
+                                        </p:cTn>
+                                        <p:tgtEl>
+                                          <p:spTgt spid="4">
+                                            <p:txEl>
+                                              <p:pRg st="5" end="5"/>
+                                            </p:txEl>
+                                          </p:spTgt>
+                                        </p:tgtEl>
+                                        <p:attrNameLst>
+                                          <p:attrName>style.visibility</p:attrName>
+                                        </p:attrNameLst>
+                                      </p:cBhvr>
+                                      <p:to>
+                                        <p:strVal val="visible"/>
+                                      </p:to>
+                                    </p:set>
+                                  </p:childTnLst>
+                                </p:cTn>
+                              </p:par>
+                            </p:childTnLst>
+                          </p:cTn>
+                        </p:par>
+                      </p:childTnLst>
+                    </p:cTn>
+                  </p:par>
+                  <p:par>
+                    <p:cTn id="19" fill="hold">
+                      <p:stCondLst>
+                        <p:cond delay="indefinite"/>
+                      </p:stCondLst>
+                      <p:childTnLst>
+                        <p:par>
+                          <p:cTn id="20" fill="hold">
+                            <p:stCondLst>
+                              <p:cond delay="0"/>
+                            </p:stCondLst>
+                            <p:childTnLst>
+                              <p:par>
+                                <p:cTn id="21" presetID="1" presetClass="entr" presetSubtype="0" fill="hold" nodeType="clickEffect">
+                                  <p:stCondLst>
+                                    <p:cond delay="0"/>
+                                  </p:stCondLst>
+                                  <p:childTnLst>
+                                    <p:set>
+                                      <p:cBhvr>
+                                        <p:cTn id="22" dur="1" fill="hold">
+                                          <p:stCondLst>
+                                            <p:cond delay="0"/>
+                                          </p:stCondLst>
+                                        </p:cTn>
+                                        <p:tgtEl>
+                                          <p:spTgt spid="4">
+                                            <p:txEl>
+                                              <p:pRg st="6" end="6"/>
+                                            </p:txEl>
+                                          </p:spTgt>
+                                        </p:tgtEl>
+                                        <p:attrNameLst>
+                                          <p:attrName>style.visibility</p:attrName>
+                                        </p:attrNameLst>
+                                      </p:cBhvr>
+                                      <p:to>
+                                        <p:strVal val="visible"/>
+                                      </p:to>
+                                    </p:set>
+                                  </p:childTnLst>
+                                </p:cTn>
+                              </p:par>
+                            </p:childTnLst>
+                          </p:cTn>
+                        </p:par>
+                      </p:childTnLst>
+                    </p:cTn>
+                  </p:par>
+                  <p:par>
+                    <p:cTn id="23" fill="hold">
+                      <p:stCondLst>
+                        <p:cond delay="indefinite"/>
+                      </p:stCondLst>
+                      <p:childTnLst>
+                        <p:par>
+                          <p:cTn id="24" fill="hold">
+                            <p:stCondLst>
+                              <p:cond delay="0"/>
+                            </p:stCondLst>
+                            <p:childTnLst>
+                              <p:par>
+                                <p:cTn id="25" presetID="1" presetClass="entr" presetSubtype="0" fill="hold" nodeType="clickEffect">
+                                  <p:stCondLst>
+                                    <p:cond delay="0"/>
+                                  </p:stCondLst>
+                                  <p:childTnLst>
+                                    <p:set>
+                                      <p:cBhvr>
+                                        <p:cTn id="26" dur="1" fill="hold">
+                                          <p:stCondLst>
+                                            <p:cond delay="0"/>
+                                          </p:stCondLst>
+                                        </p:cTn>
+                                        <p:tgtEl>
+                                          <p:spTgt spid="4">
+                                            <p:txEl>
+                                              <p:pRg st="7" end="7"/>
+                                            </p:txEl>
+                                          </p:spTgt>
+                                        </p:tgtEl>
+                                        <p:attrNameLst>
+                                          <p:attrName>style.visibility</p:attrName>
+                                        </p:attrNameLst>
+                                      </p:cBhvr>
+                                      <p:to>
+                                        <p:strVal val="visible"/>
+                                      </p:to>
+                                    </p:set>
+                                  </p:childTnLst>
+                                </p:cTn>
+                              </p:par>
+                            </p:childTnLst>
+                          </p:cTn>
+                        </p:par>
+                      </p:childTnLst>
+                    </p:cTn>
+                  </p:par>
+                </p:childTnLst>
+              </p:cTn>
+              <p:prevCondLst>
+                <p:cond evt="onPrev" delay="0">
+                  <p:tgtEl>
+                    <p:sldTgt/>
+                  </p:tgtEl>
+                </p:cond>
+              </p:prevCondLst>
+              <p:nextCondLst>
+                <p:cond evt="onNext" delay="0">
+                  <p:tgtEl>
+                    <p:sldTgt/>
+                  </p:tgtEl>
+                </p:cond>
+              </p:nextCondLst>
+            </p:seq>
+          </p:childTnLst>
+        </p:cTn>
+      </p:par>
+    </p:tnLst>
+  </p:timing>
+</p:sld>
+</file>
+
+<file path=ppt/slides/slide14.xml><?xml version="1.0" encoding="utf-8"?>
+<p:sld xmlns:a="http://schemas.openxmlformats.org/drawingml/2006/main" xmlns:r="http://schemas.openxmlformats.org/officeDocument/2006/relationships" xmlns:p="http://schemas.openxmlformats.org/presentationml/2006/main">
+  <p:cSld>
+    <p:spTree>
+      <p:nvGrpSpPr>
+        <p:cNvPr id="1" name=""/>
+        <p:cNvGrpSpPr/>
+        <p:nvPr/>
+      </p:nvGrpSpPr>
+      <p:grpSpPr>
+        <a:xfrm>
+          <a:off x="0" y="0"/>
+          <a:ext cx="0" cy="0"/>
+          <a:chOff x="0" y="0"/>
+          <a:chExt cx="0" cy="0"/>
+        </a:xfrm>
+      </p:grpSpPr>
+      <p:sp>
+        <p:nvSpPr>
+          <p:cNvPr id="3" name="Subtitle 2">
+            <a:extLst>
+              <a:ext uri="{FF2B5EF4-FFF2-40B4-BE49-F238E27FC236}">
+                <a16:creationId xmlns:a16="http://schemas.microsoft.com/office/drawing/2014/main" id="{96DD8BC4-D539-661E-8A88-53AF6C208F93}"/>
+              </a:ext>
+            </a:extLst>
+          </p:cNvPr>
+          <p:cNvSpPr>
+            <a:spLocks noGrp="1"/>
+          </p:cNvSpPr>
+          <p:nvPr>
+            <p:ph type="subTitle" idx="1"/>
+          </p:nvPr>
+        </p:nvSpPr>
+        <p:spPr>
+          <a:xfrm>
+            <a:off x="152399" y="217488"/>
+            <a:ext cx="12039601" cy="303212"/>
+          </a:xfrm>
+        </p:spPr>
+        <p:txBody>
+          <a:bodyPr>
+            <a:normAutofit fontScale="92500" lnSpcReduction="20000"/>
+          </a:bodyPr>
+          <a:lstStyle/>
+          <a:p>
+            <a:r>
+              <a:rPr lang="en-US" sz="1800" b="1" dirty="0"/>
+              <a:t>5.3 Declare and initialize variables </a:t>
+            </a:r>
+            <a:r>
+              <a:rPr lang="en-US" sz="1800" dirty="0"/>
+              <a:t>– 5.3.4 Assigning values to variables</a:t>
+            </a:r>
+            <a:endParaRPr lang="en-US" sz="1800" b="1" dirty="0"/>
+          </a:p>
+        </p:txBody>
+      </p:sp>
+      <p:sp>
+        <p:nvSpPr>
+          <p:cNvPr id="4" name="Subtitle 2">
+            <a:extLst>
+              <a:ext uri="{FF2B5EF4-FFF2-40B4-BE49-F238E27FC236}">
+                <a16:creationId xmlns:a16="http://schemas.microsoft.com/office/drawing/2014/main" id="{BBA13038-CAB8-FCA0-CDE8-65E40C2F10A3}"/>
+              </a:ext>
+            </a:extLst>
+          </p:cNvPr>
+          <p:cNvSpPr txBox="1">
+            <a:spLocks/>
+          </p:cNvSpPr>
+          <p:nvPr/>
+        </p:nvSpPr>
+        <p:spPr>
+          <a:xfrm>
+            <a:off x="0" y="520700"/>
+            <a:ext cx="12192000" cy="6337300"/>
+          </a:xfrm>
+          <a:prstGeom prst="rect">
+            <a:avLst/>
+          </a:prstGeom>
+        </p:spPr>
+        <p:txBody>
+          <a:bodyPr vert="horz" lIns="91440" tIns="45720" rIns="91440" bIns="45720" rtlCol="0">
+            <a:normAutofit/>
+          </a:bodyPr>
+          <a:lstStyle>
+            <a:lvl1pPr marL="0" indent="0" algn="ctr" defTabSz="914400" rtl="0" eaLnBrk="1" latinLnBrk="0" hangingPunct="1">
+              <a:lnSpc>
+                <a:spcPct val="90000"/>
+              </a:lnSpc>
+              <a:spcBef>
+                <a:spcPts val="1000"/>
+              </a:spcBef>
+              <a:buFont typeface="Arial" panose="020B0604020202020204" pitchFamily="34" charset="0"/>
+              <a:buNone/>
+              <a:defRPr sz="2400" kern="1200">
+                <a:solidFill>
+                  <a:schemeClr val="tx1"/>
+                </a:solidFill>
+                <a:latin typeface="+mn-lt"/>
+                <a:ea typeface="+mn-ea"/>
+                <a:cs typeface="+mn-cs"/>
+              </a:defRPr>
+            </a:lvl1pPr>
+            <a:lvl2pPr marL="457200" indent="0" algn="ctr" defTabSz="914400" rtl="0" eaLnBrk="1" latinLnBrk="0" hangingPunct="1">
+              <a:lnSpc>
+                <a:spcPct val="90000"/>
+              </a:lnSpc>
+              <a:spcBef>
+                <a:spcPts val="500"/>
+              </a:spcBef>
+              <a:buFont typeface="Arial" panose="020B0604020202020204" pitchFamily="34" charset="0"/>
+              <a:buNone/>
+              <a:defRPr sz="2000" kern="1200">
+                <a:solidFill>
+                  <a:schemeClr val="tx1"/>
+                </a:solidFill>
+                <a:latin typeface="+mn-lt"/>
+                <a:ea typeface="+mn-ea"/>
+                <a:cs typeface="+mn-cs"/>
+              </a:defRPr>
+            </a:lvl2pPr>
+            <a:lvl3pPr marL="914400" indent="0" algn="ctr" defTabSz="914400" rtl="0" eaLnBrk="1" latinLnBrk="0" hangingPunct="1">
+              <a:lnSpc>
+                <a:spcPct val="90000"/>
+              </a:lnSpc>
+              <a:spcBef>
+                <a:spcPts val="500"/>
+              </a:spcBef>
+              <a:buFont typeface="Arial" panose="020B0604020202020204" pitchFamily="34" charset="0"/>
+              <a:buNone/>
+              <a:defRPr sz="1800" kern="1200">
+                <a:solidFill>
+                  <a:schemeClr val="tx1"/>
+                </a:solidFill>
+                <a:latin typeface="+mn-lt"/>
+                <a:ea typeface="+mn-ea"/>
+                <a:cs typeface="+mn-cs"/>
+              </a:defRPr>
+            </a:lvl3pPr>
+            <a:lvl4pPr marL="1371600" indent="0" algn="ctr" defTabSz="914400" rtl="0" eaLnBrk="1" latinLnBrk="0" hangingPunct="1">
+              <a:lnSpc>
+                <a:spcPct val="90000"/>
+              </a:lnSpc>
+              <a:spcBef>
+                <a:spcPts val="500"/>
+              </a:spcBef>
+              <a:buFont typeface="Arial" panose="020B0604020202020204" pitchFamily="34" charset="0"/>
+              <a:buNone/>
+              <a:defRPr sz="1600" kern="1200">
+                <a:solidFill>
+                  <a:schemeClr val="tx1"/>
+                </a:solidFill>
+                <a:latin typeface="+mn-lt"/>
+                <a:ea typeface="+mn-ea"/>
+                <a:cs typeface="+mn-cs"/>
+              </a:defRPr>
+            </a:lvl4pPr>
+            <a:lvl5pPr marL="1828800" indent="0" algn="ctr" defTabSz="914400" rtl="0" eaLnBrk="1" latinLnBrk="0" hangingPunct="1">
+              <a:lnSpc>
+                <a:spcPct val="90000"/>
+              </a:lnSpc>
+              <a:spcBef>
+                <a:spcPts val="500"/>
+              </a:spcBef>
+              <a:buFont typeface="Arial" panose="020B0604020202020204" pitchFamily="34" charset="0"/>
+              <a:buNone/>
+              <a:defRPr sz="1600" kern="1200">
+                <a:solidFill>
+                  <a:schemeClr val="tx1"/>
+                </a:solidFill>
+                <a:latin typeface="+mn-lt"/>
+                <a:ea typeface="+mn-ea"/>
+                <a:cs typeface="+mn-cs"/>
+              </a:defRPr>
+            </a:lvl5pPr>
+            <a:lvl6pPr marL="2286000" indent="0" algn="ctr" defTabSz="914400" rtl="0" eaLnBrk="1" latinLnBrk="0" hangingPunct="1">
+              <a:lnSpc>
+                <a:spcPct val="90000"/>
+              </a:lnSpc>
+              <a:spcBef>
+                <a:spcPts val="500"/>
+              </a:spcBef>
+              <a:buFont typeface="Arial" panose="020B0604020202020204" pitchFamily="34" charset="0"/>
+              <a:buNone/>
+              <a:defRPr sz="1600" kern="1200">
+                <a:solidFill>
+                  <a:schemeClr val="tx1"/>
+                </a:solidFill>
+                <a:latin typeface="+mn-lt"/>
+                <a:ea typeface="+mn-ea"/>
+                <a:cs typeface="+mn-cs"/>
+              </a:defRPr>
+            </a:lvl6pPr>
+            <a:lvl7pPr marL="2743200" indent="0" algn="ctr" defTabSz="914400" rtl="0" eaLnBrk="1" latinLnBrk="0" hangingPunct="1">
+              <a:lnSpc>
+                <a:spcPct val="90000"/>
+              </a:lnSpc>
+              <a:spcBef>
+                <a:spcPts val="500"/>
+              </a:spcBef>
+              <a:buFont typeface="Arial" panose="020B0604020202020204" pitchFamily="34" charset="0"/>
+              <a:buNone/>
+              <a:defRPr sz="1600" kern="1200">
+                <a:solidFill>
+                  <a:schemeClr val="tx1"/>
+                </a:solidFill>
+                <a:latin typeface="+mn-lt"/>
+                <a:ea typeface="+mn-ea"/>
+                <a:cs typeface="+mn-cs"/>
+              </a:defRPr>
+            </a:lvl7pPr>
+            <a:lvl8pPr marL="3200400" indent="0" algn="ctr" defTabSz="914400" rtl="0" eaLnBrk="1" latinLnBrk="0" hangingPunct="1">
+              <a:lnSpc>
+                <a:spcPct val="90000"/>
+              </a:lnSpc>
+              <a:spcBef>
+                <a:spcPts val="500"/>
+              </a:spcBef>
+              <a:buFont typeface="Arial" panose="020B0604020202020204" pitchFamily="34" charset="0"/>
+              <a:buNone/>
+              <a:defRPr sz="1600" kern="1200">
+                <a:solidFill>
+                  <a:schemeClr val="tx1"/>
+                </a:solidFill>
+                <a:latin typeface="+mn-lt"/>
+                <a:ea typeface="+mn-ea"/>
+                <a:cs typeface="+mn-cs"/>
+              </a:defRPr>
+            </a:lvl8pPr>
+            <a:lvl9pPr marL="3657600" indent="0" algn="ctr" defTabSz="914400" rtl="0" eaLnBrk="1" latinLnBrk="0" hangingPunct="1">
+              <a:lnSpc>
+                <a:spcPct val="90000"/>
+              </a:lnSpc>
+              <a:spcBef>
+                <a:spcPts val="500"/>
+              </a:spcBef>
+              <a:buFont typeface="Arial" panose="020B0604020202020204" pitchFamily="34" charset="0"/>
+              <a:buNone/>
+              <a:defRPr sz="1600" kern="1200">
+                <a:solidFill>
+                  <a:schemeClr val="tx1"/>
+                </a:solidFill>
+                <a:latin typeface="+mn-lt"/>
+                <a:ea typeface="+mn-ea"/>
+                <a:cs typeface="+mn-cs"/>
+              </a:defRPr>
+            </a:lvl9pPr>
+          </a:lstStyle>
+          <a:p>
+            <a:pPr marL="285750" indent="-285750" algn="l">
+              <a:buFontTx/>
+              <a:buChar char="-"/>
+            </a:pPr>
+            <a:r>
+              <a:rPr lang="en-US" sz="1800" dirty="0"/>
+              <a:t>If the source variable is not a constant =&gt; The compiler will force the developer to promise that the size of the source variable is fit to the target variable. And this promise is called </a:t>
+            </a:r>
+            <a:r>
+              <a:rPr lang="en-US" sz="1800" b="1" dirty="0"/>
+              <a:t>“casting” </a:t>
+            </a:r>
+          </a:p>
+          <a:p>
+            <a:pPr marL="285750" indent="-285750" algn="l">
+              <a:buFontTx/>
+              <a:buChar char="-"/>
+            </a:pPr>
+            <a:r>
+              <a:rPr lang="en-US" sz="1800" dirty="0"/>
+              <a:t>Java allows us to cast the value from one primitive type to another primitive type by specifying the target type within parentheses. </a:t>
+            </a:r>
+            <a:r>
+              <a:rPr lang="en-US" sz="1800" b="1" i="1" dirty="0"/>
+              <a:t>(CODE ILLUSTRATION)</a:t>
+            </a:r>
+          </a:p>
+          <a:p>
+            <a:pPr marL="285750" indent="-285750" algn="l">
+              <a:buFontTx/>
+              <a:buChar char="-"/>
+            </a:pPr>
+            <a:r>
+              <a:rPr lang="en-US" sz="1800" dirty="0"/>
+              <a:t>We can use </a:t>
+            </a:r>
+            <a:r>
+              <a:rPr lang="en-US" sz="1800" b="1" dirty="0"/>
+              <a:t>“casting” </a:t>
+            </a:r>
+            <a:r>
+              <a:rPr lang="en-US" sz="1800" dirty="0"/>
+              <a:t>to assign any primitive integral (byte, char, short, long, int) or floating point value (float, double) to any other integral and floating point value</a:t>
+            </a:r>
+          </a:p>
+          <a:p>
+            <a:pPr marL="285750" indent="-285750" algn="l">
+              <a:buFontTx/>
+              <a:buChar char="-"/>
+            </a:pPr>
+            <a:endParaRPr lang="en-US" sz="1800" dirty="0"/>
+          </a:p>
+        </p:txBody>
+      </p:sp>
+    </p:spTree>
+    <p:extLst>
+      <p:ext uri="{BB962C8B-B14F-4D97-AF65-F5344CB8AC3E}">
+        <p14:creationId xmlns:p14="http://schemas.microsoft.com/office/powerpoint/2010/main" val="2419010382"/>
+      </p:ext>
+    </p:extLst>
+  </p:cSld>
+  <p:clrMapOvr>
+    <a:masterClrMapping/>
+  </p:clrMapOvr>
+  <p:timing>
+    <p:tnLst>
+      <p:par>
+        <p:cTn id="1" dur="indefinite" restart="never" nodeType="tmRoot">
+          <p:childTnLst>
+            <p:seq concurrent="1" nextAc="seek">
+              <p:cTn id="2" dur="indefinite" nodeType="mainSeq">
+                <p:childTnLst>
+                  <p:par>
+                    <p:cTn id="3" fill="hold">
+                      <p:stCondLst>
+                        <p:cond delay="indefinite"/>
+                      </p:stCondLst>
+                      <p:childTnLst>
+                        <p:par>
+                          <p:cTn id="4" fill="hold">
+                            <p:stCondLst>
+                              <p:cond delay="0"/>
+                            </p:stCondLst>
+                            <p:childTnLst>
+                              <p:par>
+                                <p:cTn id="5" presetID="1" presetClass="entr" presetSubtype="0" fill="hold" nodeType="clickEffect">
+                                  <p:stCondLst>
+                                    <p:cond delay="0"/>
+                                  </p:stCondLst>
+                                  <p:childTnLst>
+                                    <p:set>
+                                      <p:cBhvr>
+                                        <p:cTn id="6" dur="1" fill="hold">
+                                          <p:stCondLst>
+                                            <p:cond delay="0"/>
+                                          </p:stCondLst>
+                                        </p:cTn>
+                                        <p:tgtEl>
+                                          <p:spTgt spid="4">
+                                            <p:txEl>
+                                              <p:pRg st="0" end="0"/>
+                                            </p:txEl>
+                                          </p:spTgt>
+                                        </p:tgtEl>
+                                        <p:attrNameLst>
+                                          <p:attrName>style.visibility</p:attrName>
+                                        </p:attrNameLst>
+                                      </p:cBhvr>
+                                      <p:to>
+                                        <p:strVal val="visible"/>
+                                      </p:to>
+                                    </p:set>
+                                  </p:childTnLst>
+                                </p:cTn>
+                              </p:par>
+                            </p:childTnLst>
+                          </p:cTn>
+                        </p:par>
+                      </p:childTnLst>
+                    </p:cTn>
+                  </p:par>
+                  <p:par>
+                    <p:cTn id="7" fill="hold">
+                      <p:stCondLst>
+                        <p:cond delay="indefinite"/>
+                      </p:stCondLst>
+                      <p:childTnLst>
+                        <p:par>
+                          <p:cTn id="8" fill="hold">
+                            <p:stCondLst>
+                              <p:cond delay="0"/>
+                            </p:stCondLst>
+                            <p:childTnLst>
+                              <p:par>
+                                <p:cTn id="9" presetID="1" presetClass="entr" presetSubtype="0" fill="hold" nodeType="clickEffect">
+                                  <p:stCondLst>
+                                    <p:cond delay="0"/>
+                                  </p:stCondLst>
+                                  <p:childTnLst>
+                                    <p:set>
+                                      <p:cBhvr>
+                                        <p:cTn id="10" dur="1" fill="hold">
+                                          <p:stCondLst>
+                                            <p:cond delay="0"/>
+                                          </p:stCondLst>
+                                        </p:cTn>
+                                        <p:tgtEl>
+                                          <p:spTgt spid="4">
+                                            <p:txEl>
+                                              <p:pRg st="0" end="0"/>
+                                            </p:txEl>
+                                          </p:spTgt>
+                                        </p:tgtEl>
+                                        <p:attrNameLst>
+                                          <p:attrName>style.visibility</p:attrName>
+                                        </p:attrNameLst>
+                                      </p:cBhvr>
+                                      <p:to>
+                                        <p:strVal val="visible"/>
+                                      </p:to>
+                                    </p:set>
+                                  </p:childTnLst>
+                                </p:cTn>
+                              </p:par>
+                              <p:par>
+                                <p:cTn id="11" presetID="1" presetClass="entr" presetSubtype="0" fill="hold" nodeType="withEffect">
+                                  <p:stCondLst>
+                                    <p:cond delay="0"/>
+                                  </p:stCondLst>
+                                  <p:childTnLst>
+                                    <p:set>
+                                      <p:cBhvr>
+                                        <p:cTn id="12" dur="1" fill="hold">
+                                          <p:stCondLst>
+                                            <p:cond delay="0"/>
+                                          </p:stCondLst>
+                                        </p:cTn>
+                                        <p:tgtEl>
+                                          <p:spTgt spid="4">
+                                            <p:txEl>
+                                              <p:pRg st="1" end="1"/>
+                                            </p:txEl>
+                                          </p:spTgt>
+                                        </p:tgtEl>
+                                        <p:attrNameLst>
+                                          <p:attrName>style.visibility</p:attrName>
+                                        </p:attrNameLst>
+                                      </p:cBhvr>
+                                      <p:to>
+                                        <p:strVal val="visible"/>
+                                      </p:to>
+                                    </p:set>
+                                  </p:childTnLst>
+                                </p:cTn>
+                              </p:par>
+                            </p:childTnLst>
+                          </p:cTn>
+                        </p:par>
+                      </p:childTnLst>
+                    </p:cTn>
+                  </p:par>
+                  <p:par>
+                    <p:cTn id="13" fill="hold">
+                      <p:stCondLst>
+                        <p:cond delay="indefinite"/>
+                      </p:stCondLst>
+                      <p:childTnLst>
+                        <p:par>
+                          <p:cTn id="14" fill="hold">
+                            <p:stCondLst>
+                              <p:cond delay="0"/>
+                            </p:stCondLst>
+                            <p:childTnLst>
+                              <p:par>
+                                <p:cTn id="15" presetID="1" presetClass="entr" presetSubtype="0" fill="hold" nodeType="clickEffect">
+                                  <p:stCondLst>
+                                    <p:cond delay="0"/>
+                                  </p:stCondLst>
+                                  <p:childTnLst>
+                                    <p:set>
+                                      <p:cBhvr>
+                                        <p:cTn id="16" dur="1" fill="hold">
+                                          <p:stCondLst>
+                                            <p:cond delay="0"/>
+                                          </p:stCondLst>
+                                        </p:cTn>
+                                        <p:tgtEl>
+                                          <p:spTgt spid="4">
+                                            <p:txEl>
+                                              <p:pRg st="2" end="2"/>
+                                            </p:txEl>
+                                          </p:spTgt>
+                                        </p:tgtEl>
+                                        <p:attrNameLst>
+                                          <p:attrName>style.visibility</p:attrName>
+                                        </p:attrNameLst>
+                                      </p:cBhvr>
+                                      <p:to>
+                                        <p:strVal val="visible"/>
+                                      </p:to>
+                                    </p:set>
+                                  </p:childTnLst>
+                                </p:cTn>
+                              </p:par>
+                            </p:childTnLst>
+                          </p:cTn>
+                        </p:par>
+                      </p:childTnLst>
+                    </p:cTn>
+                  </p:par>
+                </p:childTnLst>
+              </p:cTn>
+              <p:prevCondLst>
+                <p:cond evt="onPrev" delay="0">
+                  <p:tgtEl>
+                    <p:sldTgt/>
+                  </p:tgtEl>
+                </p:cond>
+              </p:prevCondLst>
+              <p:nextCondLst>
+                <p:cond evt="onNext" delay="0">
+                  <p:tgtEl>
+                    <p:sldTgt/>
+                  </p:tgtEl>
+                </p:cond>
+              </p:nextCondLst>
+            </p:seq>
+          </p:childTnLst>
+        </p:cTn>
+      </p:par>
+    </p:tnLst>
+  </p:timing>
+</p:sld>
+</file>
+
 <file path=ppt/slides/slide2.xml><?xml version="1.0" encoding="utf-8"?>
 <p:sld xmlns:a="http://schemas.openxmlformats.org/drawingml/2006/main" xmlns:r="http://schemas.openxmlformats.org/officeDocument/2006/relationships" xmlns:p="http://schemas.openxmlformats.org/presentationml/2006/main">
   <p:cSld>
@@ -5272,6 +9198,526 @@
   <p:clrMapOvr>
     <a:masterClrMapping/>
   </p:clrMapOvr>
+  <p:timing>
+    <p:tnLst>
+      <p:par>
+        <p:cTn id="1" dur="indefinite" restart="never" nodeType="tmRoot">
+          <p:childTnLst>
+            <p:seq concurrent="1" nextAc="seek">
+              <p:cTn id="2" dur="indefinite" nodeType="mainSeq">
+                <p:childTnLst>
+                  <p:par>
+                    <p:cTn id="3" fill="hold">
+                      <p:stCondLst>
+                        <p:cond delay="indefinite"/>
+                      </p:stCondLst>
+                      <p:childTnLst>
+                        <p:par>
+                          <p:cTn id="4" fill="hold">
+                            <p:stCondLst>
+                              <p:cond delay="0"/>
+                            </p:stCondLst>
+                            <p:childTnLst>
+                              <p:par>
+                                <p:cTn id="5" presetID="1" presetClass="entr" presetSubtype="0" fill="hold" nodeType="clickEffect">
+                                  <p:stCondLst>
+                                    <p:cond delay="0"/>
+                                  </p:stCondLst>
+                                  <p:childTnLst>
+                                    <p:set>
+                                      <p:cBhvr>
+                                        <p:cTn id="6" dur="1" fill="hold">
+                                          <p:stCondLst>
+                                            <p:cond delay="0"/>
+                                          </p:stCondLst>
+                                        </p:cTn>
+                                        <p:tgtEl>
+                                          <p:spTgt spid="4">
+                                            <p:txEl>
+                                              <p:pRg st="0" end="0"/>
+                                            </p:txEl>
+                                          </p:spTgt>
+                                        </p:tgtEl>
+                                        <p:attrNameLst>
+                                          <p:attrName>style.visibility</p:attrName>
+                                        </p:attrNameLst>
+                                      </p:cBhvr>
+                                      <p:to>
+                                        <p:strVal val="visible"/>
+                                      </p:to>
+                                    </p:set>
+                                  </p:childTnLst>
+                                </p:cTn>
+                              </p:par>
+                            </p:childTnLst>
+                          </p:cTn>
+                        </p:par>
+                      </p:childTnLst>
+                    </p:cTn>
+                  </p:par>
+                  <p:par>
+                    <p:cTn id="7" fill="hold">
+                      <p:stCondLst>
+                        <p:cond delay="indefinite"/>
+                      </p:stCondLst>
+                      <p:childTnLst>
+                        <p:par>
+                          <p:cTn id="8" fill="hold">
+                            <p:stCondLst>
+                              <p:cond delay="0"/>
+                            </p:stCondLst>
+                            <p:childTnLst>
+                              <p:par>
+                                <p:cTn id="9" presetID="1" presetClass="entr" presetSubtype="0" fill="hold" nodeType="clickEffect">
+                                  <p:stCondLst>
+                                    <p:cond delay="0"/>
+                                  </p:stCondLst>
+                                  <p:childTnLst>
+                                    <p:set>
+                                      <p:cBhvr>
+                                        <p:cTn id="10" dur="1" fill="hold">
+                                          <p:stCondLst>
+                                            <p:cond delay="0"/>
+                                          </p:stCondLst>
+                                        </p:cTn>
+                                        <p:tgtEl>
+                                          <p:spTgt spid="4">
+                                            <p:txEl>
+                                              <p:pRg st="1" end="1"/>
+                                            </p:txEl>
+                                          </p:spTgt>
+                                        </p:tgtEl>
+                                        <p:attrNameLst>
+                                          <p:attrName>style.visibility</p:attrName>
+                                        </p:attrNameLst>
+                                      </p:cBhvr>
+                                      <p:to>
+                                        <p:strVal val="visible"/>
+                                      </p:to>
+                                    </p:set>
+                                  </p:childTnLst>
+                                </p:cTn>
+                              </p:par>
+                            </p:childTnLst>
+                          </p:cTn>
+                        </p:par>
+                      </p:childTnLst>
+                    </p:cTn>
+                  </p:par>
+                  <p:par>
+                    <p:cTn id="11" fill="hold">
+                      <p:stCondLst>
+                        <p:cond delay="indefinite"/>
+                      </p:stCondLst>
+                      <p:childTnLst>
+                        <p:par>
+                          <p:cTn id="12" fill="hold">
+                            <p:stCondLst>
+                              <p:cond delay="0"/>
+                            </p:stCondLst>
+                            <p:childTnLst>
+                              <p:par>
+                                <p:cTn id="13" presetID="1" presetClass="entr" presetSubtype="0" fill="hold" nodeType="clickEffect">
+                                  <p:stCondLst>
+                                    <p:cond delay="0"/>
+                                  </p:stCondLst>
+                                  <p:childTnLst>
+                                    <p:set>
+                                      <p:cBhvr>
+                                        <p:cTn id="14" dur="1" fill="hold">
+                                          <p:stCondLst>
+                                            <p:cond delay="0"/>
+                                          </p:stCondLst>
+                                        </p:cTn>
+                                        <p:tgtEl>
+                                          <p:spTgt spid="4">
+                                            <p:txEl>
+                                              <p:pRg st="2" end="2"/>
+                                            </p:txEl>
+                                          </p:spTgt>
+                                        </p:tgtEl>
+                                        <p:attrNameLst>
+                                          <p:attrName>style.visibility</p:attrName>
+                                        </p:attrNameLst>
+                                      </p:cBhvr>
+                                      <p:to>
+                                        <p:strVal val="visible"/>
+                                      </p:to>
+                                    </p:set>
+                                  </p:childTnLst>
+                                </p:cTn>
+                              </p:par>
+                            </p:childTnLst>
+                          </p:cTn>
+                        </p:par>
+                      </p:childTnLst>
+                    </p:cTn>
+                  </p:par>
+                  <p:par>
+                    <p:cTn id="15" fill="hold">
+                      <p:stCondLst>
+                        <p:cond delay="indefinite"/>
+                      </p:stCondLst>
+                      <p:childTnLst>
+                        <p:par>
+                          <p:cTn id="16" fill="hold">
+                            <p:stCondLst>
+                              <p:cond delay="0"/>
+                            </p:stCondLst>
+                            <p:childTnLst>
+                              <p:par>
+                                <p:cTn id="17" presetID="1" presetClass="entr" presetSubtype="0" fill="hold" nodeType="clickEffect">
+                                  <p:stCondLst>
+                                    <p:cond delay="0"/>
+                                  </p:stCondLst>
+                                  <p:childTnLst>
+                                    <p:set>
+                                      <p:cBhvr>
+                                        <p:cTn id="18" dur="1" fill="hold">
+                                          <p:stCondLst>
+                                            <p:cond delay="0"/>
+                                          </p:stCondLst>
+                                        </p:cTn>
+                                        <p:tgtEl>
+                                          <p:spTgt spid="4">
+                                            <p:txEl>
+                                              <p:pRg st="3" end="3"/>
+                                            </p:txEl>
+                                          </p:spTgt>
+                                        </p:tgtEl>
+                                        <p:attrNameLst>
+                                          <p:attrName>style.visibility</p:attrName>
+                                        </p:attrNameLst>
+                                      </p:cBhvr>
+                                      <p:to>
+                                        <p:strVal val="visible"/>
+                                      </p:to>
+                                    </p:set>
+                                  </p:childTnLst>
+                                </p:cTn>
+                              </p:par>
+                            </p:childTnLst>
+                          </p:cTn>
+                        </p:par>
+                      </p:childTnLst>
+                    </p:cTn>
+                  </p:par>
+                  <p:par>
+                    <p:cTn id="19" fill="hold">
+                      <p:stCondLst>
+                        <p:cond delay="indefinite"/>
+                      </p:stCondLst>
+                      <p:childTnLst>
+                        <p:par>
+                          <p:cTn id="20" fill="hold">
+                            <p:stCondLst>
+                              <p:cond delay="0"/>
+                            </p:stCondLst>
+                            <p:childTnLst>
+                              <p:par>
+                                <p:cTn id="21" presetID="1" presetClass="entr" presetSubtype="0" fill="hold" nodeType="clickEffect">
+                                  <p:stCondLst>
+                                    <p:cond delay="0"/>
+                                  </p:stCondLst>
+                                  <p:childTnLst>
+                                    <p:set>
+                                      <p:cBhvr>
+                                        <p:cTn id="22" dur="1" fill="hold">
+                                          <p:stCondLst>
+                                            <p:cond delay="0"/>
+                                          </p:stCondLst>
+                                        </p:cTn>
+                                        <p:tgtEl>
+                                          <p:spTgt spid="4">
+                                            <p:txEl>
+                                              <p:pRg st="4" end="4"/>
+                                            </p:txEl>
+                                          </p:spTgt>
+                                        </p:tgtEl>
+                                        <p:attrNameLst>
+                                          <p:attrName>style.visibility</p:attrName>
+                                        </p:attrNameLst>
+                                      </p:cBhvr>
+                                      <p:to>
+                                        <p:strVal val="visible"/>
+                                      </p:to>
+                                    </p:set>
+                                  </p:childTnLst>
+                                </p:cTn>
+                              </p:par>
+                            </p:childTnLst>
+                          </p:cTn>
+                        </p:par>
+                      </p:childTnLst>
+                    </p:cTn>
+                  </p:par>
+                  <p:par>
+                    <p:cTn id="23" fill="hold">
+                      <p:stCondLst>
+                        <p:cond delay="indefinite"/>
+                      </p:stCondLst>
+                      <p:childTnLst>
+                        <p:par>
+                          <p:cTn id="24" fill="hold">
+                            <p:stCondLst>
+                              <p:cond delay="0"/>
+                            </p:stCondLst>
+                            <p:childTnLst>
+                              <p:par>
+                                <p:cTn id="25" presetID="1" presetClass="entr" presetSubtype="0" fill="hold" nodeType="clickEffect">
+                                  <p:stCondLst>
+                                    <p:cond delay="0"/>
+                                  </p:stCondLst>
+                                  <p:childTnLst>
+                                    <p:set>
+                                      <p:cBhvr>
+                                        <p:cTn id="26" dur="1" fill="hold">
+                                          <p:stCondLst>
+                                            <p:cond delay="0"/>
+                                          </p:stCondLst>
+                                        </p:cTn>
+                                        <p:tgtEl>
+                                          <p:spTgt spid="4">
+                                            <p:txEl>
+                                              <p:pRg st="5" end="5"/>
+                                            </p:txEl>
+                                          </p:spTgt>
+                                        </p:tgtEl>
+                                        <p:attrNameLst>
+                                          <p:attrName>style.visibility</p:attrName>
+                                        </p:attrNameLst>
+                                      </p:cBhvr>
+                                      <p:to>
+                                        <p:strVal val="visible"/>
+                                      </p:to>
+                                    </p:set>
+                                  </p:childTnLst>
+                                </p:cTn>
+                              </p:par>
+                            </p:childTnLst>
+                          </p:cTn>
+                        </p:par>
+                      </p:childTnLst>
+                    </p:cTn>
+                  </p:par>
+                  <p:par>
+                    <p:cTn id="27" fill="hold">
+                      <p:stCondLst>
+                        <p:cond delay="indefinite"/>
+                      </p:stCondLst>
+                      <p:childTnLst>
+                        <p:par>
+                          <p:cTn id="28" fill="hold">
+                            <p:stCondLst>
+                              <p:cond delay="0"/>
+                            </p:stCondLst>
+                            <p:childTnLst>
+                              <p:par>
+                                <p:cTn id="29" presetID="1" presetClass="entr" presetSubtype="0" fill="hold" nodeType="clickEffect">
+                                  <p:stCondLst>
+                                    <p:cond delay="0"/>
+                                  </p:stCondLst>
+                                  <p:childTnLst>
+                                    <p:set>
+                                      <p:cBhvr>
+                                        <p:cTn id="30" dur="1" fill="hold">
+                                          <p:stCondLst>
+                                            <p:cond delay="0"/>
+                                          </p:stCondLst>
+                                        </p:cTn>
+                                        <p:tgtEl>
+                                          <p:spTgt spid="4">
+                                            <p:txEl>
+                                              <p:pRg st="6" end="6"/>
+                                            </p:txEl>
+                                          </p:spTgt>
+                                        </p:tgtEl>
+                                        <p:attrNameLst>
+                                          <p:attrName>style.visibility</p:attrName>
+                                        </p:attrNameLst>
+                                      </p:cBhvr>
+                                      <p:to>
+                                        <p:strVal val="visible"/>
+                                      </p:to>
+                                    </p:set>
+                                  </p:childTnLst>
+                                </p:cTn>
+                              </p:par>
+                            </p:childTnLst>
+                          </p:cTn>
+                        </p:par>
+                      </p:childTnLst>
+                    </p:cTn>
+                  </p:par>
+                  <p:par>
+                    <p:cTn id="31" fill="hold">
+                      <p:stCondLst>
+                        <p:cond delay="indefinite"/>
+                      </p:stCondLst>
+                      <p:childTnLst>
+                        <p:par>
+                          <p:cTn id="32" fill="hold">
+                            <p:stCondLst>
+                              <p:cond delay="0"/>
+                            </p:stCondLst>
+                            <p:childTnLst>
+                              <p:par>
+                                <p:cTn id="33" presetID="1" presetClass="entr" presetSubtype="0" fill="hold" nodeType="clickEffect">
+                                  <p:stCondLst>
+                                    <p:cond delay="0"/>
+                                  </p:stCondLst>
+                                  <p:childTnLst>
+                                    <p:set>
+                                      <p:cBhvr>
+                                        <p:cTn id="34" dur="1" fill="hold">
+                                          <p:stCondLst>
+                                            <p:cond delay="0"/>
+                                          </p:stCondLst>
+                                        </p:cTn>
+                                        <p:tgtEl>
+                                          <p:spTgt spid="4">
+                                            <p:txEl>
+                                              <p:pRg st="7" end="7"/>
+                                            </p:txEl>
+                                          </p:spTgt>
+                                        </p:tgtEl>
+                                        <p:attrNameLst>
+                                          <p:attrName>style.visibility</p:attrName>
+                                        </p:attrNameLst>
+                                      </p:cBhvr>
+                                      <p:to>
+                                        <p:strVal val="visible"/>
+                                      </p:to>
+                                    </p:set>
+                                  </p:childTnLst>
+                                </p:cTn>
+                              </p:par>
+                            </p:childTnLst>
+                          </p:cTn>
+                        </p:par>
+                      </p:childTnLst>
+                    </p:cTn>
+                  </p:par>
+                  <p:par>
+                    <p:cTn id="35" fill="hold">
+                      <p:stCondLst>
+                        <p:cond delay="indefinite"/>
+                      </p:stCondLst>
+                      <p:childTnLst>
+                        <p:par>
+                          <p:cTn id="36" fill="hold">
+                            <p:stCondLst>
+                              <p:cond delay="0"/>
+                            </p:stCondLst>
+                            <p:childTnLst>
+                              <p:par>
+                                <p:cTn id="37" presetID="1" presetClass="entr" presetSubtype="0" fill="hold" nodeType="clickEffect">
+                                  <p:stCondLst>
+                                    <p:cond delay="0"/>
+                                  </p:stCondLst>
+                                  <p:childTnLst>
+                                    <p:set>
+                                      <p:cBhvr>
+                                        <p:cTn id="38" dur="1" fill="hold">
+                                          <p:stCondLst>
+                                            <p:cond delay="0"/>
+                                          </p:stCondLst>
+                                        </p:cTn>
+                                        <p:tgtEl>
+                                          <p:spTgt spid="4">
+                                            <p:txEl>
+                                              <p:pRg st="8" end="8"/>
+                                            </p:txEl>
+                                          </p:spTgt>
+                                        </p:tgtEl>
+                                        <p:attrNameLst>
+                                          <p:attrName>style.visibility</p:attrName>
+                                        </p:attrNameLst>
+                                      </p:cBhvr>
+                                      <p:to>
+                                        <p:strVal val="visible"/>
+                                      </p:to>
+                                    </p:set>
+                                  </p:childTnLst>
+                                </p:cTn>
+                              </p:par>
+                            </p:childTnLst>
+                          </p:cTn>
+                        </p:par>
+                      </p:childTnLst>
+                    </p:cTn>
+                  </p:par>
+                  <p:par>
+                    <p:cTn id="39" fill="hold">
+                      <p:stCondLst>
+                        <p:cond delay="indefinite"/>
+                      </p:stCondLst>
+                      <p:childTnLst>
+                        <p:par>
+                          <p:cTn id="40" fill="hold">
+                            <p:stCondLst>
+                              <p:cond delay="0"/>
+                            </p:stCondLst>
+                            <p:childTnLst>
+                              <p:par>
+                                <p:cTn id="41" presetID="1" presetClass="entr" presetSubtype="0" fill="hold" nodeType="clickEffect">
+                                  <p:stCondLst>
+                                    <p:cond delay="0"/>
+                                  </p:stCondLst>
+                                  <p:childTnLst>
+                                    <p:set>
+                                      <p:cBhvr>
+                                        <p:cTn id="42" dur="1" fill="hold">
+                                          <p:stCondLst>
+                                            <p:cond delay="0"/>
+                                          </p:stCondLst>
+                                        </p:cTn>
+                                        <p:tgtEl>
+                                          <p:spTgt spid="4">
+                                            <p:txEl>
+                                              <p:pRg st="9" end="9"/>
+                                            </p:txEl>
+                                          </p:spTgt>
+                                        </p:tgtEl>
+                                        <p:attrNameLst>
+                                          <p:attrName>style.visibility</p:attrName>
+                                        </p:attrNameLst>
+                                      </p:cBhvr>
+                                      <p:to>
+                                        <p:strVal val="visible"/>
+                                      </p:to>
+                                    </p:set>
+                                  </p:childTnLst>
+                                </p:cTn>
+                              </p:par>
+                            </p:childTnLst>
+                          </p:cTn>
+                        </p:par>
+                      </p:childTnLst>
+                    </p:cTn>
+                  </p:par>
+                </p:childTnLst>
+              </p:cTn>
+              <p:prevCondLst>
+                <p:cond evt="onPrev" delay="0">
+                  <p:tgtEl>
+                    <p:sldTgt/>
+                  </p:tgtEl>
+                </p:cond>
+              </p:prevCondLst>
+              <p:nextCondLst>
+                <p:cond evt="onNext" delay="0">
+                  <p:tgtEl>
+                    <p:sldTgt/>
+                  </p:tgtEl>
+                </p:cond>
+              </p:nextCondLst>
+            </p:seq>
+          </p:childTnLst>
+        </p:cTn>
+      </p:par>
+    </p:tnLst>
+  </p:timing>
 </p:sld>
 </file>
 
@@ -5965,6 +10411,379 @@
   <p:clrMapOvr>
     <a:masterClrMapping/>
   </p:clrMapOvr>
+  <p:timing>
+    <p:tnLst>
+      <p:par>
+        <p:cTn id="1" dur="indefinite" restart="never" nodeType="tmRoot">
+          <p:childTnLst>
+            <p:seq concurrent="1" nextAc="seek">
+              <p:cTn id="2" dur="indefinite" nodeType="mainSeq">
+                <p:childTnLst>
+                  <p:par>
+                    <p:cTn id="3" fill="hold">
+                      <p:stCondLst>
+                        <p:cond delay="indefinite"/>
+                      </p:stCondLst>
+                      <p:childTnLst>
+                        <p:par>
+                          <p:cTn id="4" fill="hold">
+                            <p:stCondLst>
+                              <p:cond delay="0"/>
+                            </p:stCondLst>
+                            <p:childTnLst>
+                              <p:par>
+                                <p:cTn id="5" presetID="1" presetClass="entr" presetSubtype="0" fill="hold" nodeType="clickEffect">
+                                  <p:stCondLst>
+                                    <p:cond delay="0"/>
+                                  </p:stCondLst>
+                                  <p:childTnLst>
+                                    <p:set>
+                                      <p:cBhvr>
+                                        <p:cTn id="6" dur="1" fill="hold">
+                                          <p:stCondLst>
+                                            <p:cond delay="0"/>
+                                          </p:stCondLst>
+                                        </p:cTn>
+                                        <p:tgtEl>
+                                          <p:spTgt spid="4">
+                                            <p:txEl>
+                                              <p:pRg st="0" end="0"/>
+                                            </p:txEl>
+                                          </p:spTgt>
+                                        </p:tgtEl>
+                                        <p:attrNameLst>
+                                          <p:attrName>style.visibility</p:attrName>
+                                        </p:attrNameLst>
+                                      </p:cBhvr>
+                                      <p:to>
+                                        <p:strVal val="visible"/>
+                                      </p:to>
+                                    </p:set>
+                                  </p:childTnLst>
+                                </p:cTn>
+                              </p:par>
+                            </p:childTnLst>
+                          </p:cTn>
+                        </p:par>
+                      </p:childTnLst>
+                    </p:cTn>
+                  </p:par>
+                  <p:par>
+                    <p:cTn id="7" fill="hold">
+                      <p:stCondLst>
+                        <p:cond delay="indefinite"/>
+                      </p:stCondLst>
+                      <p:childTnLst>
+                        <p:par>
+                          <p:cTn id="8" fill="hold">
+                            <p:stCondLst>
+                              <p:cond delay="0"/>
+                            </p:stCondLst>
+                            <p:childTnLst>
+                              <p:par>
+                                <p:cTn id="9" presetID="1" presetClass="entr" presetSubtype="0" fill="hold" nodeType="clickEffect">
+                                  <p:stCondLst>
+                                    <p:cond delay="0"/>
+                                  </p:stCondLst>
+                                  <p:childTnLst>
+                                    <p:set>
+                                      <p:cBhvr>
+                                        <p:cTn id="10" dur="1" fill="hold">
+                                          <p:stCondLst>
+                                            <p:cond delay="0"/>
+                                          </p:stCondLst>
+                                        </p:cTn>
+                                        <p:tgtEl>
+                                          <p:spTgt spid="4">
+                                            <p:txEl>
+                                              <p:pRg st="1" end="1"/>
+                                            </p:txEl>
+                                          </p:spTgt>
+                                        </p:tgtEl>
+                                        <p:attrNameLst>
+                                          <p:attrName>style.visibility</p:attrName>
+                                        </p:attrNameLst>
+                                      </p:cBhvr>
+                                      <p:to>
+                                        <p:strVal val="visible"/>
+                                      </p:to>
+                                    </p:set>
+                                  </p:childTnLst>
+                                </p:cTn>
+                              </p:par>
+                            </p:childTnLst>
+                          </p:cTn>
+                        </p:par>
+                      </p:childTnLst>
+                    </p:cTn>
+                  </p:par>
+                  <p:par>
+                    <p:cTn id="11" fill="hold">
+                      <p:stCondLst>
+                        <p:cond delay="indefinite"/>
+                      </p:stCondLst>
+                      <p:childTnLst>
+                        <p:par>
+                          <p:cTn id="12" fill="hold">
+                            <p:stCondLst>
+                              <p:cond delay="0"/>
+                            </p:stCondLst>
+                            <p:childTnLst>
+                              <p:par>
+                                <p:cTn id="13" presetID="1" presetClass="entr" presetSubtype="0" fill="hold" nodeType="clickEffect">
+                                  <p:stCondLst>
+                                    <p:cond delay="0"/>
+                                  </p:stCondLst>
+                                  <p:childTnLst>
+                                    <p:set>
+                                      <p:cBhvr>
+                                        <p:cTn id="14" dur="1" fill="hold">
+                                          <p:stCondLst>
+                                            <p:cond delay="0"/>
+                                          </p:stCondLst>
+                                        </p:cTn>
+                                        <p:tgtEl>
+                                          <p:spTgt spid="4">
+                                            <p:txEl>
+                                              <p:pRg st="2" end="2"/>
+                                            </p:txEl>
+                                          </p:spTgt>
+                                        </p:tgtEl>
+                                        <p:attrNameLst>
+                                          <p:attrName>style.visibility</p:attrName>
+                                        </p:attrNameLst>
+                                      </p:cBhvr>
+                                      <p:to>
+                                        <p:strVal val="visible"/>
+                                      </p:to>
+                                    </p:set>
+                                  </p:childTnLst>
+                                </p:cTn>
+                              </p:par>
+                            </p:childTnLst>
+                          </p:cTn>
+                        </p:par>
+                      </p:childTnLst>
+                    </p:cTn>
+                  </p:par>
+                  <p:par>
+                    <p:cTn id="15" fill="hold">
+                      <p:stCondLst>
+                        <p:cond delay="indefinite"/>
+                      </p:stCondLst>
+                      <p:childTnLst>
+                        <p:par>
+                          <p:cTn id="16" fill="hold">
+                            <p:stCondLst>
+                              <p:cond delay="0"/>
+                            </p:stCondLst>
+                            <p:childTnLst>
+                              <p:par>
+                                <p:cTn id="17" presetID="1" presetClass="entr" presetSubtype="0" fill="hold" nodeType="clickEffect">
+                                  <p:stCondLst>
+                                    <p:cond delay="0"/>
+                                  </p:stCondLst>
+                                  <p:childTnLst>
+                                    <p:set>
+                                      <p:cBhvr>
+                                        <p:cTn id="18" dur="1" fill="hold">
+                                          <p:stCondLst>
+                                            <p:cond delay="0"/>
+                                          </p:stCondLst>
+                                        </p:cTn>
+                                        <p:tgtEl>
+                                          <p:spTgt spid="4">
+                                            <p:txEl>
+                                              <p:pRg st="3" end="3"/>
+                                            </p:txEl>
+                                          </p:spTgt>
+                                        </p:tgtEl>
+                                        <p:attrNameLst>
+                                          <p:attrName>style.visibility</p:attrName>
+                                        </p:attrNameLst>
+                                      </p:cBhvr>
+                                      <p:to>
+                                        <p:strVal val="visible"/>
+                                      </p:to>
+                                    </p:set>
+                                  </p:childTnLst>
+                                </p:cTn>
+                              </p:par>
+                            </p:childTnLst>
+                          </p:cTn>
+                        </p:par>
+                      </p:childTnLst>
+                    </p:cTn>
+                  </p:par>
+                  <p:par>
+                    <p:cTn id="19" fill="hold">
+                      <p:stCondLst>
+                        <p:cond delay="indefinite"/>
+                      </p:stCondLst>
+                      <p:childTnLst>
+                        <p:par>
+                          <p:cTn id="20" fill="hold">
+                            <p:stCondLst>
+                              <p:cond delay="0"/>
+                            </p:stCondLst>
+                            <p:childTnLst>
+                              <p:par>
+                                <p:cTn id="21" presetID="1" presetClass="entr" presetSubtype="0" fill="hold" nodeType="clickEffect">
+                                  <p:stCondLst>
+                                    <p:cond delay="0"/>
+                                  </p:stCondLst>
+                                  <p:childTnLst>
+                                    <p:set>
+                                      <p:cBhvr>
+                                        <p:cTn id="22" dur="1" fill="hold">
+                                          <p:stCondLst>
+                                            <p:cond delay="0"/>
+                                          </p:stCondLst>
+                                        </p:cTn>
+                                        <p:tgtEl>
+                                          <p:spTgt spid="4">
+                                            <p:txEl>
+                                              <p:pRg st="4" end="4"/>
+                                            </p:txEl>
+                                          </p:spTgt>
+                                        </p:tgtEl>
+                                        <p:attrNameLst>
+                                          <p:attrName>style.visibility</p:attrName>
+                                        </p:attrNameLst>
+                                      </p:cBhvr>
+                                      <p:to>
+                                        <p:strVal val="visible"/>
+                                      </p:to>
+                                    </p:set>
+                                  </p:childTnLst>
+                                </p:cTn>
+                              </p:par>
+                            </p:childTnLst>
+                          </p:cTn>
+                        </p:par>
+                      </p:childTnLst>
+                    </p:cTn>
+                  </p:par>
+                  <p:par>
+                    <p:cTn id="23" fill="hold">
+                      <p:stCondLst>
+                        <p:cond delay="indefinite"/>
+                      </p:stCondLst>
+                      <p:childTnLst>
+                        <p:par>
+                          <p:cTn id="24" fill="hold">
+                            <p:stCondLst>
+                              <p:cond delay="0"/>
+                            </p:stCondLst>
+                            <p:childTnLst>
+                              <p:par>
+                                <p:cTn id="25" presetID="1" presetClass="entr" presetSubtype="0" fill="hold" nodeType="clickEffect">
+                                  <p:stCondLst>
+                                    <p:cond delay="0"/>
+                                  </p:stCondLst>
+                                  <p:childTnLst>
+                                    <p:set>
+                                      <p:cBhvr>
+                                        <p:cTn id="26" dur="1" fill="hold">
+                                          <p:stCondLst>
+                                            <p:cond delay="0"/>
+                                          </p:stCondLst>
+                                        </p:cTn>
+                                        <p:tgtEl>
+                                          <p:spTgt spid="4">
+                                            <p:txEl>
+                                              <p:pRg st="5" end="5"/>
+                                            </p:txEl>
+                                          </p:spTgt>
+                                        </p:tgtEl>
+                                        <p:attrNameLst>
+                                          <p:attrName>style.visibility</p:attrName>
+                                        </p:attrNameLst>
+                                      </p:cBhvr>
+                                      <p:to>
+                                        <p:strVal val="visible"/>
+                                      </p:to>
+                                    </p:set>
+                                  </p:childTnLst>
+                                </p:cTn>
+                              </p:par>
+                            </p:childTnLst>
+                          </p:cTn>
+                        </p:par>
+                      </p:childTnLst>
+                    </p:cTn>
+                  </p:par>
+                  <p:par>
+                    <p:cTn id="27" fill="hold">
+                      <p:stCondLst>
+                        <p:cond delay="indefinite"/>
+                      </p:stCondLst>
+                      <p:childTnLst>
+                        <p:par>
+                          <p:cTn id="28" fill="hold">
+                            <p:stCondLst>
+                              <p:cond delay="0"/>
+                            </p:stCondLst>
+                            <p:childTnLst>
+                              <p:par>
+                                <p:cTn id="29" presetID="1" presetClass="entr" presetSubtype="0" fill="hold" nodeType="clickEffect">
+                                  <p:stCondLst>
+                                    <p:cond delay="0"/>
+                                  </p:stCondLst>
+                                  <p:childTnLst>
+                                    <p:set>
+                                      <p:cBhvr>
+                                        <p:cTn id="30" dur="1" fill="hold">
+                                          <p:stCondLst>
+                                            <p:cond delay="0"/>
+                                          </p:stCondLst>
+                                        </p:cTn>
+                                        <p:tgtEl>
+                                          <p:spTgt spid="4">
+                                            <p:txEl>
+                                              <p:pRg st="6" end="6"/>
+                                            </p:txEl>
+                                          </p:spTgt>
+                                        </p:tgtEl>
+                                        <p:attrNameLst>
+                                          <p:attrName>style.visibility</p:attrName>
+                                        </p:attrNameLst>
+                                      </p:cBhvr>
+                                      <p:to>
+                                        <p:strVal val="visible"/>
+                                      </p:to>
+                                    </p:set>
+                                  </p:childTnLst>
+                                </p:cTn>
+                              </p:par>
+                            </p:childTnLst>
+                          </p:cTn>
+                        </p:par>
+                      </p:childTnLst>
+                    </p:cTn>
+                  </p:par>
+                </p:childTnLst>
+              </p:cTn>
+              <p:prevCondLst>
+                <p:cond evt="onPrev" delay="0">
+                  <p:tgtEl>
+                    <p:sldTgt/>
+                  </p:tgtEl>
+                </p:cond>
+              </p:prevCondLst>
+              <p:nextCondLst>
+                <p:cond evt="onNext" delay="0">
+                  <p:tgtEl>
+                    <p:sldTgt/>
+                  </p:tgtEl>
+                </p:cond>
+              </p:nextCondLst>
+            </p:seq>
+          </p:childTnLst>
+        </p:cTn>
+      </p:par>
+    </p:tnLst>
+  </p:timing>
 </p:sld>
 </file>
 
@@ -6347,6 +11166,477 @@
   <p:clrMapOvr>
     <a:masterClrMapping/>
   </p:clrMapOvr>
+  <p:timing>
+    <p:tnLst>
+      <p:par>
+        <p:cTn id="1" dur="indefinite" restart="never" nodeType="tmRoot">
+          <p:childTnLst>
+            <p:seq concurrent="1" nextAc="seek">
+              <p:cTn id="2" dur="indefinite" nodeType="mainSeq">
+                <p:childTnLst>
+                  <p:par>
+                    <p:cTn id="3" fill="hold">
+                      <p:stCondLst>
+                        <p:cond delay="indefinite"/>
+                      </p:stCondLst>
+                      <p:childTnLst>
+                        <p:par>
+                          <p:cTn id="4" fill="hold">
+                            <p:stCondLst>
+                              <p:cond delay="0"/>
+                            </p:stCondLst>
+                            <p:childTnLst>
+                              <p:par>
+                                <p:cTn id="5" presetID="1" presetClass="entr" presetSubtype="0" fill="hold" nodeType="clickEffect">
+                                  <p:stCondLst>
+                                    <p:cond delay="0"/>
+                                  </p:stCondLst>
+                                  <p:childTnLst>
+                                    <p:set>
+                                      <p:cBhvr>
+                                        <p:cTn id="6" dur="1" fill="hold">
+                                          <p:stCondLst>
+                                            <p:cond delay="0"/>
+                                          </p:stCondLst>
+                                        </p:cTn>
+                                        <p:tgtEl>
+                                          <p:spTgt spid="4">
+                                            <p:txEl>
+                                              <p:pRg st="0" end="0"/>
+                                            </p:txEl>
+                                          </p:spTgt>
+                                        </p:tgtEl>
+                                        <p:attrNameLst>
+                                          <p:attrName>style.visibility</p:attrName>
+                                        </p:attrNameLst>
+                                      </p:cBhvr>
+                                      <p:to>
+                                        <p:strVal val="visible"/>
+                                      </p:to>
+                                    </p:set>
+                                  </p:childTnLst>
+                                </p:cTn>
+                              </p:par>
+                            </p:childTnLst>
+                          </p:cTn>
+                        </p:par>
+                      </p:childTnLst>
+                    </p:cTn>
+                  </p:par>
+                  <p:par>
+                    <p:cTn id="7" fill="hold">
+                      <p:stCondLst>
+                        <p:cond delay="indefinite"/>
+                      </p:stCondLst>
+                      <p:childTnLst>
+                        <p:par>
+                          <p:cTn id="8" fill="hold">
+                            <p:stCondLst>
+                              <p:cond delay="0"/>
+                            </p:stCondLst>
+                            <p:childTnLst>
+                              <p:par>
+                                <p:cTn id="9" presetID="1" presetClass="entr" presetSubtype="0" fill="hold" nodeType="clickEffect">
+                                  <p:stCondLst>
+                                    <p:cond delay="0"/>
+                                  </p:stCondLst>
+                                  <p:childTnLst>
+                                    <p:set>
+                                      <p:cBhvr>
+                                        <p:cTn id="10" dur="1" fill="hold">
+                                          <p:stCondLst>
+                                            <p:cond delay="0"/>
+                                          </p:stCondLst>
+                                        </p:cTn>
+                                        <p:tgtEl>
+                                          <p:spTgt spid="4">
+                                            <p:txEl>
+                                              <p:pRg st="1" end="1"/>
+                                            </p:txEl>
+                                          </p:spTgt>
+                                        </p:tgtEl>
+                                        <p:attrNameLst>
+                                          <p:attrName>style.visibility</p:attrName>
+                                        </p:attrNameLst>
+                                      </p:cBhvr>
+                                      <p:to>
+                                        <p:strVal val="visible"/>
+                                      </p:to>
+                                    </p:set>
+                                  </p:childTnLst>
+                                </p:cTn>
+                              </p:par>
+                            </p:childTnLst>
+                          </p:cTn>
+                        </p:par>
+                      </p:childTnLst>
+                    </p:cTn>
+                  </p:par>
+                  <p:par>
+                    <p:cTn id="11" fill="hold">
+                      <p:stCondLst>
+                        <p:cond delay="indefinite"/>
+                      </p:stCondLst>
+                      <p:childTnLst>
+                        <p:par>
+                          <p:cTn id="12" fill="hold">
+                            <p:stCondLst>
+                              <p:cond delay="0"/>
+                            </p:stCondLst>
+                            <p:childTnLst>
+                              <p:par>
+                                <p:cTn id="13" presetID="1" presetClass="entr" presetSubtype="0" fill="hold" nodeType="clickEffect">
+                                  <p:stCondLst>
+                                    <p:cond delay="0"/>
+                                  </p:stCondLst>
+                                  <p:childTnLst>
+                                    <p:set>
+                                      <p:cBhvr>
+                                        <p:cTn id="14" dur="1" fill="hold">
+                                          <p:stCondLst>
+                                            <p:cond delay="0"/>
+                                          </p:stCondLst>
+                                        </p:cTn>
+                                        <p:tgtEl>
+                                          <p:spTgt spid="4">
+                                            <p:txEl>
+                                              <p:pRg st="2" end="2"/>
+                                            </p:txEl>
+                                          </p:spTgt>
+                                        </p:tgtEl>
+                                        <p:attrNameLst>
+                                          <p:attrName>style.visibility</p:attrName>
+                                        </p:attrNameLst>
+                                      </p:cBhvr>
+                                      <p:to>
+                                        <p:strVal val="visible"/>
+                                      </p:to>
+                                    </p:set>
+                                  </p:childTnLst>
+                                </p:cTn>
+                              </p:par>
+                            </p:childTnLst>
+                          </p:cTn>
+                        </p:par>
+                      </p:childTnLst>
+                    </p:cTn>
+                  </p:par>
+                  <p:par>
+                    <p:cTn id="15" fill="hold">
+                      <p:stCondLst>
+                        <p:cond delay="indefinite"/>
+                      </p:stCondLst>
+                      <p:childTnLst>
+                        <p:par>
+                          <p:cTn id="16" fill="hold">
+                            <p:stCondLst>
+                              <p:cond delay="0"/>
+                            </p:stCondLst>
+                            <p:childTnLst>
+                              <p:par>
+                                <p:cTn id="17" presetID="1" presetClass="entr" presetSubtype="0" fill="hold" nodeType="clickEffect">
+                                  <p:stCondLst>
+                                    <p:cond delay="0"/>
+                                  </p:stCondLst>
+                                  <p:childTnLst>
+                                    <p:set>
+                                      <p:cBhvr>
+                                        <p:cTn id="18" dur="1" fill="hold">
+                                          <p:stCondLst>
+                                            <p:cond delay="0"/>
+                                          </p:stCondLst>
+                                        </p:cTn>
+                                        <p:tgtEl>
+                                          <p:spTgt spid="4">
+                                            <p:txEl>
+                                              <p:pRg st="3" end="3"/>
+                                            </p:txEl>
+                                          </p:spTgt>
+                                        </p:tgtEl>
+                                        <p:attrNameLst>
+                                          <p:attrName>style.visibility</p:attrName>
+                                        </p:attrNameLst>
+                                      </p:cBhvr>
+                                      <p:to>
+                                        <p:strVal val="visible"/>
+                                      </p:to>
+                                    </p:set>
+                                  </p:childTnLst>
+                                </p:cTn>
+                              </p:par>
+                            </p:childTnLst>
+                          </p:cTn>
+                        </p:par>
+                      </p:childTnLst>
+                    </p:cTn>
+                  </p:par>
+                  <p:par>
+                    <p:cTn id="19" fill="hold">
+                      <p:stCondLst>
+                        <p:cond delay="indefinite"/>
+                      </p:stCondLst>
+                      <p:childTnLst>
+                        <p:par>
+                          <p:cTn id="20" fill="hold">
+                            <p:stCondLst>
+                              <p:cond delay="0"/>
+                            </p:stCondLst>
+                            <p:childTnLst>
+                              <p:par>
+                                <p:cTn id="21" presetID="1" presetClass="entr" presetSubtype="0" fill="hold" nodeType="clickEffect">
+                                  <p:stCondLst>
+                                    <p:cond delay="0"/>
+                                  </p:stCondLst>
+                                  <p:childTnLst>
+                                    <p:set>
+                                      <p:cBhvr>
+                                        <p:cTn id="22" dur="1" fill="hold">
+                                          <p:stCondLst>
+                                            <p:cond delay="0"/>
+                                          </p:stCondLst>
+                                        </p:cTn>
+                                        <p:tgtEl>
+                                          <p:spTgt spid="4">
+                                            <p:txEl>
+                                              <p:pRg st="4" end="4"/>
+                                            </p:txEl>
+                                          </p:spTgt>
+                                        </p:tgtEl>
+                                        <p:attrNameLst>
+                                          <p:attrName>style.visibility</p:attrName>
+                                        </p:attrNameLst>
+                                      </p:cBhvr>
+                                      <p:to>
+                                        <p:strVal val="visible"/>
+                                      </p:to>
+                                    </p:set>
+                                  </p:childTnLst>
+                                </p:cTn>
+                              </p:par>
+                            </p:childTnLst>
+                          </p:cTn>
+                        </p:par>
+                      </p:childTnLst>
+                    </p:cTn>
+                  </p:par>
+                  <p:par>
+                    <p:cTn id="23" fill="hold">
+                      <p:stCondLst>
+                        <p:cond delay="indefinite"/>
+                      </p:stCondLst>
+                      <p:childTnLst>
+                        <p:par>
+                          <p:cTn id="24" fill="hold">
+                            <p:stCondLst>
+                              <p:cond delay="0"/>
+                            </p:stCondLst>
+                            <p:childTnLst>
+                              <p:par>
+                                <p:cTn id="25" presetID="1" presetClass="entr" presetSubtype="0" fill="hold" nodeType="clickEffect">
+                                  <p:stCondLst>
+                                    <p:cond delay="0"/>
+                                  </p:stCondLst>
+                                  <p:childTnLst>
+                                    <p:set>
+                                      <p:cBhvr>
+                                        <p:cTn id="26" dur="1" fill="hold">
+                                          <p:stCondLst>
+                                            <p:cond delay="0"/>
+                                          </p:stCondLst>
+                                        </p:cTn>
+                                        <p:tgtEl>
+                                          <p:spTgt spid="4">
+                                            <p:txEl>
+                                              <p:pRg st="5" end="5"/>
+                                            </p:txEl>
+                                          </p:spTgt>
+                                        </p:tgtEl>
+                                        <p:attrNameLst>
+                                          <p:attrName>style.visibility</p:attrName>
+                                        </p:attrNameLst>
+                                      </p:cBhvr>
+                                      <p:to>
+                                        <p:strVal val="visible"/>
+                                      </p:to>
+                                    </p:set>
+                                  </p:childTnLst>
+                                </p:cTn>
+                              </p:par>
+                            </p:childTnLst>
+                          </p:cTn>
+                        </p:par>
+                      </p:childTnLst>
+                    </p:cTn>
+                  </p:par>
+                  <p:par>
+                    <p:cTn id="27" fill="hold">
+                      <p:stCondLst>
+                        <p:cond delay="indefinite"/>
+                      </p:stCondLst>
+                      <p:childTnLst>
+                        <p:par>
+                          <p:cTn id="28" fill="hold">
+                            <p:stCondLst>
+                              <p:cond delay="0"/>
+                            </p:stCondLst>
+                            <p:childTnLst>
+                              <p:par>
+                                <p:cTn id="29" presetID="1" presetClass="entr" presetSubtype="0" fill="hold" nodeType="clickEffect">
+                                  <p:stCondLst>
+                                    <p:cond delay="0"/>
+                                  </p:stCondLst>
+                                  <p:childTnLst>
+                                    <p:set>
+                                      <p:cBhvr>
+                                        <p:cTn id="30" dur="1" fill="hold">
+                                          <p:stCondLst>
+                                            <p:cond delay="0"/>
+                                          </p:stCondLst>
+                                        </p:cTn>
+                                        <p:tgtEl>
+                                          <p:spTgt spid="4">
+                                            <p:txEl>
+                                              <p:pRg st="6" end="6"/>
+                                            </p:txEl>
+                                          </p:spTgt>
+                                        </p:tgtEl>
+                                        <p:attrNameLst>
+                                          <p:attrName>style.visibility</p:attrName>
+                                        </p:attrNameLst>
+                                      </p:cBhvr>
+                                      <p:to>
+                                        <p:strVal val="visible"/>
+                                      </p:to>
+                                    </p:set>
+                                  </p:childTnLst>
+                                </p:cTn>
+                              </p:par>
+                            </p:childTnLst>
+                          </p:cTn>
+                        </p:par>
+                      </p:childTnLst>
+                    </p:cTn>
+                  </p:par>
+                  <p:par>
+                    <p:cTn id="31" fill="hold">
+                      <p:stCondLst>
+                        <p:cond delay="indefinite"/>
+                      </p:stCondLst>
+                      <p:childTnLst>
+                        <p:par>
+                          <p:cTn id="32" fill="hold">
+                            <p:stCondLst>
+                              <p:cond delay="0"/>
+                            </p:stCondLst>
+                            <p:childTnLst>
+                              <p:par>
+                                <p:cTn id="33" presetID="1" presetClass="entr" presetSubtype="0" fill="hold" nodeType="clickEffect">
+                                  <p:stCondLst>
+                                    <p:cond delay="0"/>
+                                  </p:stCondLst>
+                                  <p:childTnLst>
+                                    <p:set>
+                                      <p:cBhvr>
+                                        <p:cTn id="34" dur="1" fill="hold">
+                                          <p:stCondLst>
+                                            <p:cond delay="0"/>
+                                          </p:stCondLst>
+                                        </p:cTn>
+                                        <p:tgtEl>
+                                          <p:spTgt spid="4">
+                                            <p:txEl>
+                                              <p:pRg st="7" end="7"/>
+                                            </p:txEl>
+                                          </p:spTgt>
+                                        </p:tgtEl>
+                                        <p:attrNameLst>
+                                          <p:attrName>style.visibility</p:attrName>
+                                        </p:attrNameLst>
+                                      </p:cBhvr>
+                                      <p:to>
+                                        <p:strVal val="visible"/>
+                                      </p:to>
+                                    </p:set>
+                                  </p:childTnLst>
+                                </p:cTn>
+                              </p:par>
+                            </p:childTnLst>
+                          </p:cTn>
+                        </p:par>
+                      </p:childTnLst>
+                    </p:cTn>
+                  </p:par>
+                  <p:par>
+                    <p:cTn id="35" fill="hold">
+                      <p:stCondLst>
+                        <p:cond delay="indefinite"/>
+                      </p:stCondLst>
+                      <p:childTnLst>
+                        <p:par>
+                          <p:cTn id="36" fill="hold">
+                            <p:stCondLst>
+                              <p:cond delay="0"/>
+                            </p:stCondLst>
+                            <p:childTnLst>
+                              <p:par>
+                                <p:cTn id="37" presetID="1" presetClass="entr" presetSubtype="0" fill="hold" nodeType="clickEffect">
+                                  <p:stCondLst>
+                                    <p:cond delay="0"/>
+                                  </p:stCondLst>
+                                  <p:childTnLst>
+                                    <p:set>
+                                      <p:cBhvr>
+                                        <p:cTn id="38" dur="1" fill="hold">
+                                          <p:stCondLst>
+                                            <p:cond delay="0"/>
+                                          </p:stCondLst>
+                                        </p:cTn>
+                                        <p:tgtEl>
+                                          <p:spTgt spid="4">
+                                            <p:txEl>
+                                              <p:pRg st="8" end="8"/>
+                                            </p:txEl>
+                                          </p:spTgt>
+                                        </p:tgtEl>
+                                        <p:attrNameLst>
+                                          <p:attrName>style.visibility</p:attrName>
+                                        </p:attrNameLst>
+                                      </p:cBhvr>
+                                      <p:to>
+                                        <p:strVal val="visible"/>
+                                      </p:to>
+                                    </p:set>
+                                  </p:childTnLst>
+                                </p:cTn>
+                              </p:par>
+                            </p:childTnLst>
+                          </p:cTn>
+                        </p:par>
+                      </p:childTnLst>
+                    </p:cTn>
+                  </p:par>
+                </p:childTnLst>
+              </p:cTn>
+              <p:prevCondLst>
+                <p:cond evt="onPrev" delay="0">
+                  <p:tgtEl>
+                    <p:sldTgt/>
+                  </p:tgtEl>
+                </p:cond>
+              </p:prevCondLst>
+              <p:nextCondLst>
+                <p:cond evt="onNext" delay="0">
+                  <p:tgtEl>
+                    <p:sldTgt/>
+                  </p:tgtEl>
+                </p:cond>
+              </p:nextCondLst>
+            </p:seq>
+          </p:childTnLst>
+        </p:cTn>
+      </p:par>
+    </p:tnLst>
+  </p:timing>
 </p:sld>
 </file>
 
@@ -6922,6 +12212,232 @@
   <p:clrMapOvr>
     <a:masterClrMapping/>
   </p:clrMapOvr>
+  <p:timing>
+    <p:tnLst>
+      <p:par>
+        <p:cTn id="1" dur="indefinite" restart="never" nodeType="tmRoot">
+          <p:childTnLst>
+            <p:seq concurrent="1" nextAc="seek">
+              <p:cTn id="2" dur="indefinite" nodeType="mainSeq">
+                <p:childTnLst>
+                  <p:par>
+                    <p:cTn id="3" fill="hold">
+                      <p:stCondLst>
+                        <p:cond delay="indefinite"/>
+                      </p:stCondLst>
+                      <p:childTnLst>
+                        <p:par>
+                          <p:cTn id="4" fill="hold">
+                            <p:stCondLst>
+                              <p:cond delay="0"/>
+                            </p:stCondLst>
+                            <p:childTnLst>
+                              <p:par>
+                                <p:cTn id="5" presetID="1" presetClass="entr" presetSubtype="0" fill="hold" nodeType="clickEffect">
+                                  <p:stCondLst>
+                                    <p:cond delay="0"/>
+                                  </p:stCondLst>
+                                  <p:childTnLst>
+                                    <p:set>
+                                      <p:cBhvr>
+                                        <p:cTn id="6" dur="1" fill="hold">
+                                          <p:stCondLst>
+                                            <p:cond delay="0"/>
+                                          </p:stCondLst>
+                                        </p:cTn>
+                                        <p:tgtEl>
+                                          <p:spTgt spid="4">
+                                            <p:txEl>
+                                              <p:pRg st="1" end="1"/>
+                                            </p:txEl>
+                                          </p:spTgt>
+                                        </p:tgtEl>
+                                        <p:attrNameLst>
+                                          <p:attrName>style.visibility</p:attrName>
+                                        </p:attrNameLst>
+                                      </p:cBhvr>
+                                      <p:to>
+                                        <p:strVal val="visible"/>
+                                      </p:to>
+                                    </p:set>
+                                  </p:childTnLst>
+                                </p:cTn>
+                              </p:par>
+                            </p:childTnLst>
+                          </p:cTn>
+                        </p:par>
+                      </p:childTnLst>
+                    </p:cTn>
+                  </p:par>
+                  <p:par>
+                    <p:cTn id="7" fill="hold">
+                      <p:stCondLst>
+                        <p:cond delay="indefinite"/>
+                      </p:stCondLst>
+                      <p:childTnLst>
+                        <p:par>
+                          <p:cTn id="8" fill="hold">
+                            <p:stCondLst>
+                              <p:cond delay="0"/>
+                            </p:stCondLst>
+                            <p:childTnLst>
+                              <p:par>
+                                <p:cTn id="9" presetID="1" presetClass="entr" presetSubtype="0" fill="hold" nodeType="clickEffect">
+                                  <p:stCondLst>
+                                    <p:cond delay="0"/>
+                                  </p:stCondLst>
+                                  <p:childTnLst>
+                                    <p:set>
+                                      <p:cBhvr>
+                                        <p:cTn id="10" dur="1" fill="hold">
+                                          <p:stCondLst>
+                                            <p:cond delay="0"/>
+                                          </p:stCondLst>
+                                        </p:cTn>
+                                        <p:tgtEl>
+                                          <p:spTgt spid="4">
+                                            <p:txEl>
+                                              <p:pRg st="2" end="2"/>
+                                            </p:txEl>
+                                          </p:spTgt>
+                                        </p:tgtEl>
+                                        <p:attrNameLst>
+                                          <p:attrName>style.visibility</p:attrName>
+                                        </p:attrNameLst>
+                                      </p:cBhvr>
+                                      <p:to>
+                                        <p:strVal val="visible"/>
+                                      </p:to>
+                                    </p:set>
+                                  </p:childTnLst>
+                                </p:cTn>
+                              </p:par>
+                            </p:childTnLst>
+                          </p:cTn>
+                        </p:par>
+                      </p:childTnLst>
+                    </p:cTn>
+                  </p:par>
+                  <p:par>
+                    <p:cTn id="11" fill="hold">
+                      <p:stCondLst>
+                        <p:cond delay="indefinite"/>
+                      </p:stCondLst>
+                      <p:childTnLst>
+                        <p:par>
+                          <p:cTn id="12" fill="hold">
+                            <p:stCondLst>
+                              <p:cond delay="0"/>
+                            </p:stCondLst>
+                            <p:childTnLst>
+                              <p:par>
+                                <p:cTn id="13" presetID="1" presetClass="entr" presetSubtype="0" fill="hold" nodeType="clickEffect">
+                                  <p:stCondLst>
+                                    <p:cond delay="0"/>
+                                  </p:stCondLst>
+                                  <p:childTnLst>
+                                    <p:set>
+                                      <p:cBhvr>
+                                        <p:cTn id="14" dur="1" fill="hold">
+                                          <p:stCondLst>
+                                            <p:cond delay="0"/>
+                                          </p:stCondLst>
+                                        </p:cTn>
+                                        <p:tgtEl>
+                                          <p:spTgt spid="4">
+                                            <p:txEl>
+                                              <p:pRg st="3" end="3"/>
+                                            </p:txEl>
+                                          </p:spTgt>
+                                        </p:tgtEl>
+                                        <p:attrNameLst>
+                                          <p:attrName>style.visibility</p:attrName>
+                                        </p:attrNameLst>
+                                      </p:cBhvr>
+                                      <p:to>
+                                        <p:strVal val="visible"/>
+                                      </p:to>
+                                    </p:set>
+                                  </p:childTnLst>
+                                </p:cTn>
+                              </p:par>
+                            </p:childTnLst>
+                          </p:cTn>
+                        </p:par>
+                      </p:childTnLst>
+                    </p:cTn>
+                  </p:par>
+                  <p:par>
+                    <p:cTn id="15" fill="hold">
+                      <p:stCondLst>
+                        <p:cond delay="indefinite"/>
+                      </p:stCondLst>
+                      <p:childTnLst>
+                        <p:par>
+                          <p:cTn id="16" fill="hold">
+                            <p:stCondLst>
+                              <p:cond delay="0"/>
+                            </p:stCondLst>
+                            <p:childTnLst>
+                              <p:par>
+                                <p:cTn id="17" presetID="1" presetClass="entr" presetSubtype="0" fill="hold" nodeType="clickEffect">
+                                  <p:stCondLst>
+                                    <p:cond delay="0"/>
+                                  </p:stCondLst>
+                                  <p:childTnLst>
+                                    <p:set>
+                                      <p:cBhvr>
+                                        <p:cTn id="18" dur="1" fill="hold">
+                                          <p:stCondLst>
+                                            <p:cond delay="0"/>
+                                          </p:stCondLst>
+                                        </p:cTn>
+                                        <p:tgtEl>
+                                          <p:spTgt spid="4">
+                                            <p:txEl>
+                                              <p:pRg st="4" end="4"/>
+                                            </p:txEl>
+                                          </p:spTgt>
+                                        </p:tgtEl>
+                                        <p:attrNameLst>
+                                          <p:attrName>style.visibility</p:attrName>
+                                        </p:attrNameLst>
+                                      </p:cBhvr>
+                                      <p:to>
+                                        <p:strVal val="visible"/>
+                                      </p:to>
+                                    </p:set>
+                                  </p:childTnLst>
+                                </p:cTn>
+                              </p:par>
+                            </p:childTnLst>
+                          </p:cTn>
+                        </p:par>
+                      </p:childTnLst>
+                    </p:cTn>
+                  </p:par>
+                </p:childTnLst>
+              </p:cTn>
+              <p:prevCondLst>
+                <p:cond evt="onPrev" delay="0">
+                  <p:tgtEl>
+                    <p:sldTgt/>
+                  </p:tgtEl>
+                </p:cond>
+              </p:prevCondLst>
+              <p:nextCondLst>
+                <p:cond evt="onNext" delay="0">
+                  <p:tgtEl>
+                    <p:sldTgt/>
+                  </p:tgtEl>
+                </p:cond>
+              </p:nextCondLst>
+            </p:seq>
+          </p:childTnLst>
+        </p:cTn>
+      </p:par>
+    </p:tnLst>
+  </p:timing>
 </p:sld>
 </file>
 
@@ -7495,20 +13011,43 @@
             </a:r>
           </a:p>
           <a:p>
+            <a:pPr marL="285750" indent="-285750" algn="l">
+              <a:buFontTx/>
+              <a:buChar char="-"/>
+            </a:pPr>
+            <a:r>
+              <a:rPr lang="en-US" sz="1800" dirty="0"/>
+              <a:t>In this approach, when developers don’t initialize the instance and static variable explicitly, JVM will automatically initialize the variable with default values (these values will be 0 or (0.0) for all numerical variables, “false” for Boolean and ”null” for reference variable) (CODE ILLUSTRATION)</a:t>
+            </a:r>
+          </a:p>
+          <a:p>
             <a:pPr algn="l"/>
             <a:r>
+              <a:rPr lang="en-US" sz="1800" b="1" dirty="0"/>
+              <a:t>II) Force the programmer to initialize the variable</a:t>
+            </a:r>
+          </a:p>
+          <a:p>
+            <a:pPr algn="l"/>
+            <a:r>
               <a:rPr lang="en-US" sz="1800" dirty="0"/>
-              <a:t>- In this approach, when developers don’t initialize the instance and static variable explicitly, JVM will automatically initialize the variable with default values (these values will be 0 or (0.0) to all numerical variables, “false” for Boolean and ”null” for </a:t>
-            </a:r>
-            <a:r>
-              <a:rPr lang="en-US" sz="1800"/>
-              <a:t>reference variable) (CODE ILLUSTRATION)</a:t>
-            </a:r>
-            <a:endParaRPr lang="en-US" sz="1800" dirty="0"/>
+              <a:t>- In this approach, the compiler will raise an error if it sees any variable that might be accessed without initialization. This approach is used for local variables (the variable declared in a method or a block)</a:t>
+            </a:r>
           </a:p>
           <a:p>
             <a:pPr algn="l"/>
-            <a:endParaRPr lang="en-US" sz="1800" dirty="0"/>
+            <a:r>
+              <a:rPr lang="en-US" sz="1800" dirty="0"/>
+              <a:t>- If at any point the compiler realizes that a variable might not have been initialized before being accessed, it will flag an error. This is called the </a:t>
+            </a:r>
+            <a:r>
+              <a:rPr lang="en-US" sz="1800" b="1" dirty="0"/>
+              <a:t>“definite assignment” principle</a:t>
+            </a:r>
+            <a:r>
+              <a:rPr lang="en-US" sz="1800" dirty="0"/>
+              <a:t> - a variable must have an initialized value before access to its value occurs. (CODE ILLUSTRATION)</a:t>
+            </a:r>
           </a:p>
         </p:txBody>
       </p:sp>
@@ -7522,6 +13061,477 @@
   <p:clrMapOvr>
     <a:masterClrMapping/>
   </p:clrMapOvr>
+  <p:timing>
+    <p:tnLst>
+      <p:par>
+        <p:cTn id="1" dur="indefinite" restart="never" nodeType="tmRoot">
+          <p:childTnLst>
+            <p:seq concurrent="1" nextAc="seek">
+              <p:cTn id="2" dur="indefinite" nodeType="mainSeq">
+                <p:childTnLst>
+                  <p:par>
+                    <p:cTn id="3" fill="hold">
+                      <p:stCondLst>
+                        <p:cond delay="indefinite"/>
+                      </p:stCondLst>
+                      <p:childTnLst>
+                        <p:par>
+                          <p:cTn id="4" fill="hold">
+                            <p:stCondLst>
+                              <p:cond delay="0"/>
+                            </p:stCondLst>
+                            <p:childTnLst>
+                              <p:par>
+                                <p:cTn id="5" presetID="1" presetClass="entr" presetSubtype="0" fill="hold" nodeType="clickEffect">
+                                  <p:stCondLst>
+                                    <p:cond delay="0"/>
+                                  </p:stCondLst>
+                                  <p:childTnLst>
+                                    <p:set>
+                                      <p:cBhvr>
+                                        <p:cTn id="6" dur="1" fill="hold">
+                                          <p:stCondLst>
+                                            <p:cond delay="0"/>
+                                          </p:stCondLst>
+                                        </p:cTn>
+                                        <p:tgtEl>
+                                          <p:spTgt spid="4">
+                                            <p:txEl>
+                                              <p:pRg st="0" end="0"/>
+                                            </p:txEl>
+                                          </p:spTgt>
+                                        </p:tgtEl>
+                                        <p:attrNameLst>
+                                          <p:attrName>style.visibility</p:attrName>
+                                        </p:attrNameLst>
+                                      </p:cBhvr>
+                                      <p:to>
+                                        <p:strVal val="visible"/>
+                                      </p:to>
+                                    </p:set>
+                                  </p:childTnLst>
+                                </p:cTn>
+                              </p:par>
+                            </p:childTnLst>
+                          </p:cTn>
+                        </p:par>
+                      </p:childTnLst>
+                    </p:cTn>
+                  </p:par>
+                  <p:par>
+                    <p:cTn id="7" fill="hold">
+                      <p:stCondLst>
+                        <p:cond delay="indefinite"/>
+                      </p:stCondLst>
+                      <p:childTnLst>
+                        <p:par>
+                          <p:cTn id="8" fill="hold">
+                            <p:stCondLst>
+                              <p:cond delay="0"/>
+                            </p:stCondLst>
+                            <p:childTnLst>
+                              <p:par>
+                                <p:cTn id="9" presetID="1" presetClass="entr" presetSubtype="0" fill="hold" nodeType="clickEffect">
+                                  <p:stCondLst>
+                                    <p:cond delay="0"/>
+                                  </p:stCondLst>
+                                  <p:childTnLst>
+                                    <p:set>
+                                      <p:cBhvr>
+                                        <p:cTn id="10" dur="1" fill="hold">
+                                          <p:stCondLst>
+                                            <p:cond delay="0"/>
+                                          </p:stCondLst>
+                                        </p:cTn>
+                                        <p:tgtEl>
+                                          <p:spTgt spid="4">
+                                            <p:txEl>
+                                              <p:pRg st="1" end="1"/>
+                                            </p:txEl>
+                                          </p:spTgt>
+                                        </p:tgtEl>
+                                        <p:attrNameLst>
+                                          <p:attrName>style.visibility</p:attrName>
+                                        </p:attrNameLst>
+                                      </p:cBhvr>
+                                      <p:to>
+                                        <p:strVal val="visible"/>
+                                      </p:to>
+                                    </p:set>
+                                  </p:childTnLst>
+                                </p:cTn>
+                              </p:par>
+                            </p:childTnLst>
+                          </p:cTn>
+                        </p:par>
+                      </p:childTnLst>
+                    </p:cTn>
+                  </p:par>
+                  <p:par>
+                    <p:cTn id="11" fill="hold">
+                      <p:stCondLst>
+                        <p:cond delay="indefinite"/>
+                      </p:stCondLst>
+                      <p:childTnLst>
+                        <p:par>
+                          <p:cTn id="12" fill="hold">
+                            <p:stCondLst>
+                              <p:cond delay="0"/>
+                            </p:stCondLst>
+                            <p:childTnLst>
+                              <p:par>
+                                <p:cTn id="13" presetID="1" presetClass="entr" presetSubtype="0" fill="hold" nodeType="clickEffect">
+                                  <p:stCondLst>
+                                    <p:cond delay="0"/>
+                                  </p:stCondLst>
+                                  <p:childTnLst>
+                                    <p:set>
+                                      <p:cBhvr>
+                                        <p:cTn id="14" dur="1" fill="hold">
+                                          <p:stCondLst>
+                                            <p:cond delay="0"/>
+                                          </p:stCondLst>
+                                        </p:cTn>
+                                        <p:tgtEl>
+                                          <p:spTgt spid="4">
+                                            <p:txEl>
+                                              <p:pRg st="2" end="2"/>
+                                            </p:txEl>
+                                          </p:spTgt>
+                                        </p:tgtEl>
+                                        <p:attrNameLst>
+                                          <p:attrName>style.visibility</p:attrName>
+                                        </p:attrNameLst>
+                                      </p:cBhvr>
+                                      <p:to>
+                                        <p:strVal val="visible"/>
+                                      </p:to>
+                                    </p:set>
+                                  </p:childTnLst>
+                                </p:cTn>
+                              </p:par>
+                            </p:childTnLst>
+                          </p:cTn>
+                        </p:par>
+                      </p:childTnLst>
+                    </p:cTn>
+                  </p:par>
+                  <p:par>
+                    <p:cTn id="15" fill="hold">
+                      <p:stCondLst>
+                        <p:cond delay="indefinite"/>
+                      </p:stCondLst>
+                      <p:childTnLst>
+                        <p:par>
+                          <p:cTn id="16" fill="hold">
+                            <p:stCondLst>
+                              <p:cond delay="0"/>
+                            </p:stCondLst>
+                            <p:childTnLst>
+                              <p:par>
+                                <p:cTn id="17" presetID="1" presetClass="entr" presetSubtype="0" fill="hold" nodeType="clickEffect">
+                                  <p:stCondLst>
+                                    <p:cond delay="0"/>
+                                  </p:stCondLst>
+                                  <p:childTnLst>
+                                    <p:set>
+                                      <p:cBhvr>
+                                        <p:cTn id="18" dur="1" fill="hold">
+                                          <p:stCondLst>
+                                            <p:cond delay="0"/>
+                                          </p:stCondLst>
+                                        </p:cTn>
+                                        <p:tgtEl>
+                                          <p:spTgt spid="4">
+                                            <p:txEl>
+                                              <p:pRg st="3" end="3"/>
+                                            </p:txEl>
+                                          </p:spTgt>
+                                        </p:tgtEl>
+                                        <p:attrNameLst>
+                                          <p:attrName>style.visibility</p:attrName>
+                                        </p:attrNameLst>
+                                      </p:cBhvr>
+                                      <p:to>
+                                        <p:strVal val="visible"/>
+                                      </p:to>
+                                    </p:set>
+                                  </p:childTnLst>
+                                </p:cTn>
+                              </p:par>
+                            </p:childTnLst>
+                          </p:cTn>
+                        </p:par>
+                      </p:childTnLst>
+                    </p:cTn>
+                  </p:par>
+                  <p:par>
+                    <p:cTn id="19" fill="hold">
+                      <p:stCondLst>
+                        <p:cond delay="indefinite"/>
+                      </p:stCondLst>
+                      <p:childTnLst>
+                        <p:par>
+                          <p:cTn id="20" fill="hold">
+                            <p:stCondLst>
+                              <p:cond delay="0"/>
+                            </p:stCondLst>
+                            <p:childTnLst>
+                              <p:par>
+                                <p:cTn id="21" presetID="1" presetClass="entr" presetSubtype="0" fill="hold" nodeType="clickEffect">
+                                  <p:stCondLst>
+                                    <p:cond delay="0"/>
+                                  </p:stCondLst>
+                                  <p:childTnLst>
+                                    <p:set>
+                                      <p:cBhvr>
+                                        <p:cTn id="22" dur="1" fill="hold">
+                                          <p:stCondLst>
+                                            <p:cond delay="0"/>
+                                          </p:stCondLst>
+                                        </p:cTn>
+                                        <p:tgtEl>
+                                          <p:spTgt spid="4">
+                                            <p:txEl>
+                                              <p:pRg st="4" end="4"/>
+                                            </p:txEl>
+                                          </p:spTgt>
+                                        </p:tgtEl>
+                                        <p:attrNameLst>
+                                          <p:attrName>style.visibility</p:attrName>
+                                        </p:attrNameLst>
+                                      </p:cBhvr>
+                                      <p:to>
+                                        <p:strVal val="visible"/>
+                                      </p:to>
+                                    </p:set>
+                                  </p:childTnLst>
+                                </p:cTn>
+                              </p:par>
+                            </p:childTnLst>
+                          </p:cTn>
+                        </p:par>
+                      </p:childTnLst>
+                    </p:cTn>
+                  </p:par>
+                  <p:par>
+                    <p:cTn id="23" fill="hold">
+                      <p:stCondLst>
+                        <p:cond delay="indefinite"/>
+                      </p:stCondLst>
+                      <p:childTnLst>
+                        <p:par>
+                          <p:cTn id="24" fill="hold">
+                            <p:stCondLst>
+                              <p:cond delay="0"/>
+                            </p:stCondLst>
+                            <p:childTnLst>
+                              <p:par>
+                                <p:cTn id="25" presetID="1" presetClass="entr" presetSubtype="0" fill="hold" nodeType="clickEffect">
+                                  <p:stCondLst>
+                                    <p:cond delay="0"/>
+                                  </p:stCondLst>
+                                  <p:childTnLst>
+                                    <p:set>
+                                      <p:cBhvr>
+                                        <p:cTn id="26" dur="1" fill="hold">
+                                          <p:stCondLst>
+                                            <p:cond delay="0"/>
+                                          </p:stCondLst>
+                                        </p:cTn>
+                                        <p:tgtEl>
+                                          <p:spTgt spid="4">
+                                            <p:txEl>
+                                              <p:pRg st="5" end="5"/>
+                                            </p:txEl>
+                                          </p:spTgt>
+                                        </p:tgtEl>
+                                        <p:attrNameLst>
+                                          <p:attrName>style.visibility</p:attrName>
+                                        </p:attrNameLst>
+                                      </p:cBhvr>
+                                      <p:to>
+                                        <p:strVal val="visible"/>
+                                      </p:to>
+                                    </p:set>
+                                  </p:childTnLst>
+                                </p:cTn>
+                              </p:par>
+                            </p:childTnLst>
+                          </p:cTn>
+                        </p:par>
+                      </p:childTnLst>
+                    </p:cTn>
+                  </p:par>
+                  <p:par>
+                    <p:cTn id="27" fill="hold">
+                      <p:stCondLst>
+                        <p:cond delay="indefinite"/>
+                      </p:stCondLst>
+                      <p:childTnLst>
+                        <p:par>
+                          <p:cTn id="28" fill="hold">
+                            <p:stCondLst>
+                              <p:cond delay="0"/>
+                            </p:stCondLst>
+                            <p:childTnLst>
+                              <p:par>
+                                <p:cTn id="29" presetID="1" presetClass="entr" presetSubtype="0" fill="hold" nodeType="clickEffect">
+                                  <p:stCondLst>
+                                    <p:cond delay="0"/>
+                                  </p:stCondLst>
+                                  <p:childTnLst>
+                                    <p:set>
+                                      <p:cBhvr>
+                                        <p:cTn id="30" dur="1" fill="hold">
+                                          <p:stCondLst>
+                                            <p:cond delay="0"/>
+                                          </p:stCondLst>
+                                        </p:cTn>
+                                        <p:tgtEl>
+                                          <p:spTgt spid="4">
+                                            <p:txEl>
+                                              <p:pRg st="6" end="6"/>
+                                            </p:txEl>
+                                          </p:spTgt>
+                                        </p:tgtEl>
+                                        <p:attrNameLst>
+                                          <p:attrName>style.visibility</p:attrName>
+                                        </p:attrNameLst>
+                                      </p:cBhvr>
+                                      <p:to>
+                                        <p:strVal val="visible"/>
+                                      </p:to>
+                                    </p:set>
+                                  </p:childTnLst>
+                                </p:cTn>
+                              </p:par>
+                            </p:childTnLst>
+                          </p:cTn>
+                        </p:par>
+                      </p:childTnLst>
+                    </p:cTn>
+                  </p:par>
+                  <p:par>
+                    <p:cTn id="31" fill="hold">
+                      <p:stCondLst>
+                        <p:cond delay="indefinite"/>
+                      </p:stCondLst>
+                      <p:childTnLst>
+                        <p:par>
+                          <p:cTn id="32" fill="hold">
+                            <p:stCondLst>
+                              <p:cond delay="0"/>
+                            </p:stCondLst>
+                            <p:childTnLst>
+                              <p:par>
+                                <p:cTn id="33" presetID="1" presetClass="entr" presetSubtype="0" fill="hold" nodeType="clickEffect">
+                                  <p:stCondLst>
+                                    <p:cond delay="0"/>
+                                  </p:stCondLst>
+                                  <p:childTnLst>
+                                    <p:set>
+                                      <p:cBhvr>
+                                        <p:cTn id="34" dur="1" fill="hold">
+                                          <p:stCondLst>
+                                            <p:cond delay="0"/>
+                                          </p:stCondLst>
+                                        </p:cTn>
+                                        <p:tgtEl>
+                                          <p:spTgt spid="4">
+                                            <p:txEl>
+                                              <p:pRg st="7" end="7"/>
+                                            </p:txEl>
+                                          </p:spTgt>
+                                        </p:tgtEl>
+                                        <p:attrNameLst>
+                                          <p:attrName>style.visibility</p:attrName>
+                                        </p:attrNameLst>
+                                      </p:cBhvr>
+                                      <p:to>
+                                        <p:strVal val="visible"/>
+                                      </p:to>
+                                    </p:set>
+                                  </p:childTnLst>
+                                </p:cTn>
+                              </p:par>
+                            </p:childTnLst>
+                          </p:cTn>
+                        </p:par>
+                      </p:childTnLst>
+                    </p:cTn>
+                  </p:par>
+                  <p:par>
+                    <p:cTn id="35" fill="hold">
+                      <p:stCondLst>
+                        <p:cond delay="indefinite"/>
+                      </p:stCondLst>
+                      <p:childTnLst>
+                        <p:par>
+                          <p:cTn id="36" fill="hold">
+                            <p:stCondLst>
+                              <p:cond delay="0"/>
+                            </p:stCondLst>
+                            <p:childTnLst>
+                              <p:par>
+                                <p:cTn id="37" presetID="1" presetClass="entr" presetSubtype="0" fill="hold" nodeType="clickEffect">
+                                  <p:stCondLst>
+                                    <p:cond delay="0"/>
+                                  </p:stCondLst>
+                                  <p:childTnLst>
+                                    <p:set>
+                                      <p:cBhvr>
+                                        <p:cTn id="38" dur="1" fill="hold">
+                                          <p:stCondLst>
+                                            <p:cond delay="0"/>
+                                          </p:stCondLst>
+                                        </p:cTn>
+                                        <p:tgtEl>
+                                          <p:spTgt spid="4">
+                                            <p:txEl>
+                                              <p:pRg st="8" end="8"/>
+                                            </p:txEl>
+                                          </p:spTgt>
+                                        </p:tgtEl>
+                                        <p:attrNameLst>
+                                          <p:attrName>style.visibility</p:attrName>
+                                        </p:attrNameLst>
+                                      </p:cBhvr>
+                                      <p:to>
+                                        <p:strVal val="visible"/>
+                                      </p:to>
+                                    </p:set>
+                                  </p:childTnLst>
+                                </p:cTn>
+                              </p:par>
+                            </p:childTnLst>
+                          </p:cTn>
+                        </p:par>
+                      </p:childTnLst>
+                    </p:cTn>
+                  </p:par>
+                </p:childTnLst>
+              </p:cTn>
+              <p:prevCondLst>
+                <p:cond evt="onPrev" delay="0">
+                  <p:tgtEl>
+                    <p:sldTgt/>
+                  </p:tgtEl>
+                </p:cond>
+              </p:prevCondLst>
+              <p:nextCondLst>
+                <p:cond evt="onNext" delay="0">
+                  <p:tgtEl>
+                    <p:sldTgt/>
+                  </p:tgtEl>
+                </p:cond>
+              </p:nextCondLst>
+            </p:seq>
+          </p:childTnLst>
+        </p:cTn>
+      </p:par>
+    </p:tnLst>
+  </p:timing>
 </p:sld>
 </file>
 

--- a/Java SE 8 Teaching Material/Chapter 5 - Working With Java Data Type.pptx
+++ b/Java SE 8 Teaching Material/Chapter 5 - Working With Java Data Type.pptx
@@ -19,6 +19,8 @@
     <p:sldId id="268" r:id="rId13"/>
     <p:sldId id="269" r:id="rId14"/>
     <p:sldId id="271" r:id="rId15"/>
+    <p:sldId id="272" r:id="rId16"/>
+    <p:sldId id="273" r:id="rId17"/>
   </p:sldIdLst>
   <p:sldSz cx="12192000" cy="6858000"/>
   <p:notesSz cx="6858000" cy="9144000"/>
@@ -136,6 +138,8 @@
             <p14:sldId id="268"/>
             <p14:sldId id="269"/>
             <p14:sldId id="271"/>
+            <p14:sldId id="272"/>
+            <p14:sldId id="273"/>
           </p14:sldIdLst>
         </p14:section>
       </p14:sectionLst>
@@ -1678,7 +1682,7 @@
           <a:p>
             <a:fld id="{BAA8DE05-51EE-4692-B197-877FA1DAAAED}" type="datetimeFigureOut">
               <a:rPr lang="en-US" smtClean="0"/>
-              <a:t>8/18/24</a:t>
+              <a:t>8/20/24</a:t>
             </a:fld>
             <a:endParaRPr lang="en-US"/>
           </a:p>
@@ -1876,7 +1880,7 @@
           <a:p>
             <a:fld id="{BAA8DE05-51EE-4692-B197-877FA1DAAAED}" type="datetimeFigureOut">
               <a:rPr lang="en-US" smtClean="0"/>
-              <a:t>8/18/24</a:t>
+              <a:t>8/20/24</a:t>
             </a:fld>
             <a:endParaRPr lang="en-US"/>
           </a:p>
@@ -2084,7 +2088,7 @@
           <a:p>
             <a:fld id="{BAA8DE05-51EE-4692-B197-877FA1DAAAED}" type="datetimeFigureOut">
               <a:rPr lang="en-US" smtClean="0"/>
-              <a:t>8/18/24</a:t>
+              <a:t>8/20/24</a:t>
             </a:fld>
             <a:endParaRPr lang="en-US"/>
           </a:p>
@@ -2282,7 +2286,7 @@
           <a:p>
             <a:fld id="{BAA8DE05-51EE-4692-B197-877FA1DAAAED}" type="datetimeFigureOut">
               <a:rPr lang="en-US" smtClean="0"/>
-              <a:t>8/18/24</a:t>
+              <a:t>8/20/24</a:t>
             </a:fld>
             <a:endParaRPr lang="en-US"/>
           </a:p>
@@ -2557,7 +2561,7 @@
           <a:p>
             <a:fld id="{BAA8DE05-51EE-4692-B197-877FA1DAAAED}" type="datetimeFigureOut">
               <a:rPr lang="en-US" smtClean="0"/>
-              <a:t>8/18/24</a:t>
+              <a:t>8/20/24</a:t>
             </a:fld>
             <a:endParaRPr lang="en-US"/>
           </a:p>
@@ -2822,7 +2826,7 @@
           <a:p>
             <a:fld id="{BAA8DE05-51EE-4692-B197-877FA1DAAAED}" type="datetimeFigureOut">
               <a:rPr lang="en-US" smtClean="0"/>
-              <a:t>8/18/24</a:t>
+              <a:t>8/20/24</a:t>
             </a:fld>
             <a:endParaRPr lang="en-US"/>
           </a:p>
@@ -3234,7 +3238,7 @@
           <a:p>
             <a:fld id="{BAA8DE05-51EE-4692-B197-877FA1DAAAED}" type="datetimeFigureOut">
               <a:rPr lang="en-US" smtClean="0"/>
-              <a:t>8/18/24</a:t>
+              <a:t>8/20/24</a:t>
             </a:fld>
             <a:endParaRPr lang="en-US"/>
           </a:p>
@@ -3375,7 +3379,7 @@
           <a:p>
             <a:fld id="{BAA8DE05-51EE-4692-B197-877FA1DAAAED}" type="datetimeFigureOut">
               <a:rPr lang="en-US" smtClean="0"/>
-              <a:t>8/18/24</a:t>
+              <a:t>8/20/24</a:t>
             </a:fld>
             <a:endParaRPr lang="en-US"/>
           </a:p>
@@ -3488,7 +3492,7 @@
           <a:p>
             <a:fld id="{BAA8DE05-51EE-4692-B197-877FA1DAAAED}" type="datetimeFigureOut">
               <a:rPr lang="en-US" smtClean="0"/>
-              <a:t>8/18/24</a:t>
+              <a:t>8/20/24</a:t>
             </a:fld>
             <a:endParaRPr lang="en-US"/>
           </a:p>
@@ -3799,7 +3803,7 @@
           <a:p>
             <a:fld id="{BAA8DE05-51EE-4692-B197-877FA1DAAAED}" type="datetimeFigureOut">
               <a:rPr lang="en-US" smtClean="0"/>
-              <a:t>8/18/24</a:t>
+              <a:t>8/20/24</a:t>
             </a:fld>
             <a:endParaRPr lang="en-US"/>
           </a:p>
@@ -4087,7 +4091,7 @@
           <a:p>
             <a:fld id="{BAA8DE05-51EE-4692-B197-877FA1DAAAED}" type="datetimeFigureOut">
               <a:rPr lang="en-US" smtClean="0"/>
-              <a:t>8/18/24</a:t>
+              <a:t>8/20/24</a:t>
             </a:fld>
             <a:endParaRPr lang="en-US"/>
           </a:p>
@@ -4328,7 +4332,7 @@
           <a:p>
             <a:fld id="{BAA8DE05-51EE-4692-B197-877FA1DAAAED}" type="datetimeFigureOut">
               <a:rPr lang="en-US" smtClean="0"/>
-              <a:t>8/18/24</a:t>
+              <a:t>8/20/24</a:t>
             </a:fld>
             <a:endParaRPr lang="en-US"/>
           </a:p>
@@ -8463,7 +8467,7 @@
             </a:pPr>
             <a:r>
               <a:rPr lang="en-US" sz="1800" dirty="0"/>
-              <a:t>If the source variable is not a constant =&gt; The compiler will force the developer to promise that the size of the source variable is fit to the target variable. And this promise is called </a:t>
+              <a:t>If the source variable is not a constant =&gt; The compiler will force the developer to promise that the source variable's size fits the target variable. And this promise is called </a:t>
             </a:r>
             <a:r>
               <a:rPr lang="en-US" sz="1800" b="1" dirty="0"/>
@@ -8501,6 +8505,41 @@
               <a:rPr lang="en-US" sz="1800" dirty="0"/>
               <a:t>to assign any primitive integral (byte, char, short, long, int) or floating point value (float, double) to any other integral and floating point value</a:t>
             </a:r>
+          </a:p>
+          <a:p>
+            <a:pPr marL="285750" indent="-285750" algn="l">
+              <a:buFontTx/>
+              <a:buChar char="-"/>
+            </a:pPr>
+            <a:r>
+              <a:rPr lang="en-US" sz="1800" b="1" dirty="0"/>
+              <a:t>Boolean </a:t>
+            </a:r>
+            <a:r>
+              <a:rPr lang="en-US" sz="1800" dirty="0"/>
+              <a:t>value cannot be cast</a:t>
+            </a:r>
+          </a:p>
+          <a:p>
+            <a:pPr marL="285750" indent="-285750" algn="l">
+              <a:buFontTx/>
+              <a:buChar char="-"/>
+            </a:pPr>
+            <a:r>
+              <a:rPr lang="en-US" sz="1800" b="1" dirty="0"/>
+              <a:t>“Casting” </a:t>
+            </a:r>
+            <a:r>
+              <a:rPr lang="en-US" sz="1800" dirty="0"/>
+              <a:t>will tell the compiler that just add the value to the variable and not worry about the spillage</a:t>
+            </a:r>
+          </a:p>
+          <a:p>
+            <a:pPr marL="285750" indent="-285750" algn="l">
+              <a:buFontTx/>
+              <a:buChar char="-"/>
+            </a:pPr>
+            <a:endParaRPr lang="en-US" sz="1800" b="1" dirty="0"/>
           </a:p>
           <a:p>
             <a:pPr marL="285750" indent="-285750" algn="l">
@@ -8687,6 +8726,934 @@
                                           <p:spTgt spid="4">
                                             <p:txEl>
                                               <p:pRg st="2" end="2"/>
+                                            </p:txEl>
+                                          </p:spTgt>
+                                        </p:tgtEl>
+                                        <p:attrNameLst>
+                                          <p:attrName>style.visibility</p:attrName>
+                                        </p:attrNameLst>
+                                      </p:cBhvr>
+                                      <p:to>
+                                        <p:strVal val="visible"/>
+                                      </p:to>
+                                    </p:set>
+                                  </p:childTnLst>
+                                </p:cTn>
+                              </p:par>
+                            </p:childTnLst>
+                          </p:cTn>
+                        </p:par>
+                      </p:childTnLst>
+                    </p:cTn>
+                  </p:par>
+                  <p:par>
+                    <p:cTn id="17" fill="hold">
+                      <p:stCondLst>
+                        <p:cond delay="indefinite"/>
+                      </p:stCondLst>
+                      <p:childTnLst>
+                        <p:par>
+                          <p:cTn id="18" fill="hold">
+                            <p:stCondLst>
+                              <p:cond delay="0"/>
+                            </p:stCondLst>
+                            <p:childTnLst>
+                              <p:par>
+                                <p:cTn id="19" presetID="1" presetClass="entr" presetSubtype="0" fill="hold" nodeType="clickEffect">
+                                  <p:stCondLst>
+                                    <p:cond delay="0"/>
+                                  </p:stCondLst>
+                                  <p:childTnLst>
+                                    <p:set>
+                                      <p:cBhvr>
+                                        <p:cTn id="20" dur="1" fill="hold">
+                                          <p:stCondLst>
+                                            <p:cond delay="0"/>
+                                          </p:stCondLst>
+                                        </p:cTn>
+                                        <p:tgtEl>
+                                          <p:spTgt spid="4">
+                                            <p:txEl>
+                                              <p:pRg st="3" end="3"/>
+                                            </p:txEl>
+                                          </p:spTgt>
+                                        </p:tgtEl>
+                                        <p:attrNameLst>
+                                          <p:attrName>style.visibility</p:attrName>
+                                        </p:attrNameLst>
+                                      </p:cBhvr>
+                                      <p:to>
+                                        <p:strVal val="visible"/>
+                                      </p:to>
+                                    </p:set>
+                                  </p:childTnLst>
+                                </p:cTn>
+                              </p:par>
+                            </p:childTnLst>
+                          </p:cTn>
+                        </p:par>
+                      </p:childTnLst>
+                    </p:cTn>
+                  </p:par>
+                  <p:par>
+                    <p:cTn id="21" fill="hold">
+                      <p:stCondLst>
+                        <p:cond delay="indefinite"/>
+                      </p:stCondLst>
+                      <p:childTnLst>
+                        <p:par>
+                          <p:cTn id="22" fill="hold">
+                            <p:stCondLst>
+                              <p:cond delay="0"/>
+                            </p:stCondLst>
+                            <p:childTnLst>
+                              <p:par>
+                                <p:cTn id="23" presetID="1" presetClass="entr" presetSubtype="0" fill="hold" nodeType="clickEffect">
+                                  <p:stCondLst>
+                                    <p:cond delay="0"/>
+                                  </p:stCondLst>
+                                  <p:childTnLst>
+                                    <p:set>
+                                      <p:cBhvr>
+                                        <p:cTn id="24" dur="1" fill="hold">
+                                          <p:stCondLst>
+                                            <p:cond delay="0"/>
+                                          </p:stCondLst>
+                                        </p:cTn>
+                                        <p:tgtEl>
+                                          <p:spTgt spid="4">
+                                            <p:txEl>
+                                              <p:pRg st="4" end="4"/>
+                                            </p:txEl>
+                                          </p:spTgt>
+                                        </p:tgtEl>
+                                        <p:attrNameLst>
+                                          <p:attrName>style.visibility</p:attrName>
+                                        </p:attrNameLst>
+                                      </p:cBhvr>
+                                      <p:to>
+                                        <p:strVal val="visible"/>
+                                      </p:to>
+                                    </p:set>
+                                  </p:childTnLst>
+                                </p:cTn>
+                              </p:par>
+                            </p:childTnLst>
+                          </p:cTn>
+                        </p:par>
+                      </p:childTnLst>
+                    </p:cTn>
+                  </p:par>
+                </p:childTnLst>
+              </p:cTn>
+              <p:prevCondLst>
+                <p:cond evt="onPrev" delay="0">
+                  <p:tgtEl>
+                    <p:sldTgt/>
+                  </p:tgtEl>
+                </p:cond>
+              </p:prevCondLst>
+              <p:nextCondLst>
+                <p:cond evt="onNext" delay="0">
+                  <p:tgtEl>
+                    <p:sldTgt/>
+                  </p:tgtEl>
+                </p:cond>
+              </p:nextCondLst>
+            </p:seq>
+          </p:childTnLst>
+        </p:cTn>
+      </p:par>
+    </p:tnLst>
+  </p:timing>
+</p:sld>
+</file>
+
+<file path=ppt/slides/slide15.xml><?xml version="1.0" encoding="utf-8"?>
+<p:sld xmlns:a="http://schemas.openxmlformats.org/drawingml/2006/main" xmlns:r="http://schemas.openxmlformats.org/officeDocument/2006/relationships" xmlns:p="http://schemas.openxmlformats.org/presentationml/2006/main">
+  <p:cSld>
+    <p:spTree>
+      <p:nvGrpSpPr>
+        <p:cNvPr id="1" name="">
+          <a:extLst>
+            <a:ext uri="{FF2B5EF4-FFF2-40B4-BE49-F238E27FC236}">
+              <a16:creationId xmlns:a16="http://schemas.microsoft.com/office/drawing/2014/main" id="{A8B61076-BF51-D7A4-8429-13187E25B72F}"/>
+            </a:ext>
+          </a:extLst>
+        </p:cNvPr>
+        <p:cNvGrpSpPr/>
+        <p:nvPr/>
+      </p:nvGrpSpPr>
+      <p:grpSpPr>
+        <a:xfrm>
+          <a:off x="0" y="0"/>
+          <a:ext cx="0" cy="0"/>
+          <a:chOff x="0" y="0"/>
+          <a:chExt cx="0" cy="0"/>
+        </a:xfrm>
+      </p:grpSpPr>
+      <p:sp>
+        <p:nvSpPr>
+          <p:cNvPr id="3" name="Subtitle 2">
+            <a:extLst>
+              <a:ext uri="{FF2B5EF4-FFF2-40B4-BE49-F238E27FC236}">
+                <a16:creationId xmlns:a16="http://schemas.microsoft.com/office/drawing/2014/main" id="{FD664A29-D6EE-3B3A-B3B2-4AA89061A1D1}"/>
+              </a:ext>
+            </a:extLst>
+          </p:cNvPr>
+          <p:cNvSpPr>
+            <a:spLocks noGrp="1"/>
+          </p:cNvSpPr>
+          <p:nvPr>
+            <p:ph type="subTitle" idx="1"/>
+          </p:nvPr>
+        </p:nvSpPr>
+        <p:spPr>
+          <a:xfrm>
+            <a:off x="152399" y="217488"/>
+            <a:ext cx="12039601" cy="303212"/>
+          </a:xfrm>
+        </p:spPr>
+        <p:txBody>
+          <a:bodyPr>
+            <a:normAutofit fontScale="92500" lnSpcReduction="20000"/>
+          </a:bodyPr>
+          <a:lstStyle/>
+          <a:p>
+            <a:r>
+              <a:rPr lang="en-US" sz="1800" b="1" dirty="0"/>
+              <a:t>5.3 Declare and initialize variables </a:t>
+            </a:r>
+            <a:r>
+              <a:rPr lang="en-US" sz="1800" dirty="0"/>
+              <a:t>– 5.3.5 Final variables</a:t>
+            </a:r>
+            <a:endParaRPr lang="en-US" sz="1800" b="1" dirty="0"/>
+          </a:p>
+        </p:txBody>
+      </p:sp>
+      <p:sp>
+        <p:nvSpPr>
+          <p:cNvPr id="4" name="Subtitle 2">
+            <a:extLst>
+              <a:ext uri="{FF2B5EF4-FFF2-40B4-BE49-F238E27FC236}">
+                <a16:creationId xmlns:a16="http://schemas.microsoft.com/office/drawing/2014/main" id="{938F37EF-BE00-4ECA-B5AD-DF3E0AA62357}"/>
+              </a:ext>
+            </a:extLst>
+          </p:cNvPr>
+          <p:cNvSpPr txBox="1">
+            <a:spLocks/>
+          </p:cNvSpPr>
+          <p:nvPr/>
+        </p:nvSpPr>
+        <p:spPr>
+          <a:xfrm>
+            <a:off x="0" y="520700"/>
+            <a:ext cx="12192000" cy="6337300"/>
+          </a:xfrm>
+          <a:prstGeom prst="rect">
+            <a:avLst/>
+          </a:prstGeom>
+        </p:spPr>
+        <p:txBody>
+          <a:bodyPr vert="horz" lIns="91440" tIns="45720" rIns="91440" bIns="45720" rtlCol="0">
+            <a:normAutofit/>
+          </a:bodyPr>
+          <a:lstStyle>
+            <a:lvl1pPr marL="0" indent="0" algn="ctr" defTabSz="914400" rtl="0" eaLnBrk="1" latinLnBrk="0" hangingPunct="1">
+              <a:lnSpc>
+                <a:spcPct val="90000"/>
+              </a:lnSpc>
+              <a:spcBef>
+                <a:spcPts val="1000"/>
+              </a:spcBef>
+              <a:buFont typeface="Arial" panose="020B0604020202020204" pitchFamily="34" charset="0"/>
+              <a:buNone/>
+              <a:defRPr sz="2400" kern="1200">
+                <a:solidFill>
+                  <a:schemeClr val="tx1"/>
+                </a:solidFill>
+                <a:latin typeface="+mn-lt"/>
+                <a:ea typeface="+mn-ea"/>
+                <a:cs typeface="+mn-cs"/>
+              </a:defRPr>
+            </a:lvl1pPr>
+            <a:lvl2pPr marL="457200" indent="0" algn="ctr" defTabSz="914400" rtl="0" eaLnBrk="1" latinLnBrk="0" hangingPunct="1">
+              <a:lnSpc>
+                <a:spcPct val="90000"/>
+              </a:lnSpc>
+              <a:spcBef>
+                <a:spcPts val="500"/>
+              </a:spcBef>
+              <a:buFont typeface="Arial" panose="020B0604020202020204" pitchFamily="34" charset="0"/>
+              <a:buNone/>
+              <a:defRPr sz="2000" kern="1200">
+                <a:solidFill>
+                  <a:schemeClr val="tx1"/>
+                </a:solidFill>
+                <a:latin typeface="+mn-lt"/>
+                <a:ea typeface="+mn-ea"/>
+                <a:cs typeface="+mn-cs"/>
+              </a:defRPr>
+            </a:lvl2pPr>
+            <a:lvl3pPr marL="914400" indent="0" algn="ctr" defTabSz="914400" rtl="0" eaLnBrk="1" latinLnBrk="0" hangingPunct="1">
+              <a:lnSpc>
+                <a:spcPct val="90000"/>
+              </a:lnSpc>
+              <a:spcBef>
+                <a:spcPts val="500"/>
+              </a:spcBef>
+              <a:buFont typeface="Arial" panose="020B0604020202020204" pitchFamily="34" charset="0"/>
+              <a:buNone/>
+              <a:defRPr sz="1800" kern="1200">
+                <a:solidFill>
+                  <a:schemeClr val="tx1"/>
+                </a:solidFill>
+                <a:latin typeface="+mn-lt"/>
+                <a:ea typeface="+mn-ea"/>
+                <a:cs typeface="+mn-cs"/>
+              </a:defRPr>
+            </a:lvl3pPr>
+            <a:lvl4pPr marL="1371600" indent="0" algn="ctr" defTabSz="914400" rtl="0" eaLnBrk="1" latinLnBrk="0" hangingPunct="1">
+              <a:lnSpc>
+                <a:spcPct val="90000"/>
+              </a:lnSpc>
+              <a:spcBef>
+                <a:spcPts val="500"/>
+              </a:spcBef>
+              <a:buFont typeface="Arial" panose="020B0604020202020204" pitchFamily="34" charset="0"/>
+              <a:buNone/>
+              <a:defRPr sz="1600" kern="1200">
+                <a:solidFill>
+                  <a:schemeClr val="tx1"/>
+                </a:solidFill>
+                <a:latin typeface="+mn-lt"/>
+                <a:ea typeface="+mn-ea"/>
+                <a:cs typeface="+mn-cs"/>
+              </a:defRPr>
+            </a:lvl4pPr>
+            <a:lvl5pPr marL="1828800" indent="0" algn="ctr" defTabSz="914400" rtl="0" eaLnBrk="1" latinLnBrk="0" hangingPunct="1">
+              <a:lnSpc>
+                <a:spcPct val="90000"/>
+              </a:lnSpc>
+              <a:spcBef>
+                <a:spcPts val="500"/>
+              </a:spcBef>
+              <a:buFont typeface="Arial" panose="020B0604020202020204" pitchFamily="34" charset="0"/>
+              <a:buNone/>
+              <a:defRPr sz="1600" kern="1200">
+                <a:solidFill>
+                  <a:schemeClr val="tx1"/>
+                </a:solidFill>
+                <a:latin typeface="+mn-lt"/>
+                <a:ea typeface="+mn-ea"/>
+                <a:cs typeface="+mn-cs"/>
+              </a:defRPr>
+            </a:lvl5pPr>
+            <a:lvl6pPr marL="2286000" indent="0" algn="ctr" defTabSz="914400" rtl="0" eaLnBrk="1" latinLnBrk="0" hangingPunct="1">
+              <a:lnSpc>
+                <a:spcPct val="90000"/>
+              </a:lnSpc>
+              <a:spcBef>
+                <a:spcPts val="500"/>
+              </a:spcBef>
+              <a:buFont typeface="Arial" panose="020B0604020202020204" pitchFamily="34" charset="0"/>
+              <a:buNone/>
+              <a:defRPr sz="1600" kern="1200">
+                <a:solidFill>
+                  <a:schemeClr val="tx1"/>
+                </a:solidFill>
+                <a:latin typeface="+mn-lt"/>
+                <a:ea typeface="+mn-ea"/>
+                <a:cs typeface="+mn-cs"/>
+              </a:defRPr>
+            </a:lvl6pPr>
+            <a:lvl7pPr marL="2743200" indent="0" algn="ctr" defTabSz="914400" rtl="0" eaLnBrk="1" latinLnBrk="0" hangingPunct="1">
+              <a:lnSpc>
+                <a:spcPct val="90000"/>
+              </a:lnSpc>
+              <a:spcBef>
+                <a:spcPts val="500"/>
+              </a:spcBef>
+              <a:buFont typeface="Arial" panose="020B0604020202020204" pitchFamily="34" charset="0"/>
+              <a:buNone/>
+              <a:defRPr sz="1600" kern="1200">
+                <a:solidFill>
+                  <a:schemeClr val="tx1"/>
+                </a:solidFill>
+                <a:latin typeface="+mn-lt"/>
+                <a:ea typeface="+mn-ea"/>
+                <a:cs typeface="+mn-cs"/>
+              </a:defRPr>
+            </a:lvl7pPr>
+            <a:lvl8pPr marL="3200400" indent="0" algn="ctr" defTabSz="914400" rtl="0" eaLnBrk="1" latinLnBrk="0" hangingPunct="1">
+              <a:lnSpc>
+                <a:spcPct val="90000"/>
+              </a:lnSpc>
+              <a:spcBef>
+                <a:spcPts val="500"/>
+              </a:spcBef>
+              <a:buFont typeface="Arial" panose="020B0604020202020204" pitchFamily="34" charset="0"/>
+              <a:buNone/>
+              <a:defRPr sz="1600" kern="1200">
+                <a:solidFill>
+                  <a:schemeClr val="tx1"/>
+                </a:solidFill>
+                <a:latin typeface="+mn-lt"/>
+                <a:ea typeface="+mn-ea"/>
+                <a:cs typeface="+mn-cs"/>
+              </a:defRPr>
+            </a:lvl8pPr>
+            <a:lvl9pPr marL="3657600" indent="0" algn="ctr" defTabSz="914400" rtl="0" eaLnBrk="1" latinLnBrk="0" hangingPunct="1">
+              <a:lnSpc>
+                <a:spcPct val="90000"/>
+              </a:lnSpc>
+              <a:spcBef>
+                <a:spcPts val="500"/>
+              </a:spcBef>
+              <a:buFont typeface="Arial" panose="020B0604020202020204" pitchFamily="34" charset="0"/>
+              <a:buNone/>
+              <a:defRPr sz="1600" kern="1200">
+                <a:solidFill>
+                  <a:schemeClr val="tx1"/>
+                </a:solidFill>
+                <a:latin typeface="+mn-lt"/>
+                <a:ea typeface="+mn-ea"/>
+                <a:cs typeface="+mn-cs"/>
+              </a:defRPr>
+            </a:lvl9pPr>
+          </a:lstStyle>
+          <a:p>
+            <a:pPr marL="285750" indent="-285750" algn="l">
+              <a:buFontTx/>
+              <a:buChar char="-"/>
+            </a:pPr>
+            <a:r>
+              <a:rPr lang="en-US" sz="1800" dirty="0"/>
+              <a:t>A </a:t>
+            </a:r>
+            <a:r>
+              <a:rPr lang="en-US" sz="1800" b="1" dirty="0"/>
+              <a:t>“final” </a:t>
+            </a:r>
+            <a:r>
+              <a:rPr lang="en-US" sz="1800" dirty="0"/>
+              <a:t>variable is a type of variable that can’t assign any other values once it has a value assigned to it =&gt; It is a constant </a:t>
+            </a:r>
+            <a:r>
+              <a:rPr lang="en-US" sz="1000" b="1" dirty="0"/>
+              <a:t>(CODE ILLUSTRATION) </a:t>
+            </a:r>
+          </a:p>
+        </p:txBody>
+      </p:sp>
+    </p:spTree>
+    <p:extLst>
+      <p:ext uri="{BB962C8B-B14F-4D97-AF65-F5344CB8AC3E}">
+        <p14:creationId xmlns:p14="http://schemas.microsoft.com/office/powerpoint/2010/main" val="3893926807"/>
+      </p:ext>
+    </p:extLst>
+  </p:cSld>
+  <p:clrMapOvr>
+    <a:masterClrMapping/>
+  </p:clrMapOvr>
+  <p:timing>
+    <p:tnLst>
+      <p:par>
+        <p:cTn id="1" dur="indefinite" restart="never" nodeType="tmRoot">
+          <p:childTnLst>
+            <p:seq concurrent="1" nextAc="seek">
+              <p:cTn id="2" dur="indefinite" nodeType="mainSeq">
+                <p:childTnLst>
+                  <p:par>
+                    <p:cTn id="3" fill="hold">
+                      <p:stCondLst>
+                        <p:cond delay="indefinite"/>
+                      </p:stCondLst>
+                      <p:childTnLst>
+                        <p:par>
+                          <p:cTn id="4" fill="hold">
+                            <p:stCondLst>
+                              <p:cond delay="0"/>
+                            </p:stCondLst>
+                            <p:childTnLst>
+                              <p:par>
+                                <p:cTn id="5" presetID="1" presetClass="entr" presetSubtype="0" fill="hold" nodeType="clickEffect">
+                                  <p:stCondLst>
+                                    <p:cond delay="0"/>
+                                  </p:stCondLst>
+                                  <p:childTnLst>
+                                    <p:set>
+                                      <p:cBhvr>
+                                        <p:cTn id="6" dur="1" fill="hold">
+                                          <p:stCondLst>
+                                            <p:cond delay="0"/>
+                                          </p:stCondLst>
+                                        </p:cTn>
+                                        <p:tgtEl>
+                                          <p:spTgt spid="4">
+                                            <p:txEl>
+                                              <p:pRg st="0" end="0"/>
+                                            </p:txEl>
+                                          </p:spTgt>
+                                        </p:tgtEl>
+                                        <p:attrNameLst>
+                                          <p:attrName>style.visibility</p:attrName>
+                                        </p:attrNameLst>
+                                      </p:cBhvr>
+                                      <p:to>
+                                        <p:strVal val="visible"/>
+                                      </p:to>
+                                    </p:set>
+                                  </p:childTnLst>
+                                </p:cTn>
+                              </p:par>
+                            </p:childTnLst>
+                          </p:cTn>
+                        </p:par>
+                      </p:childTnLst>
+                    </p:cTn>
+                  </p:par>
+                  <p:par>
+                    <p:cTn id="7" fill="hold">
+                      <p:stCondLst>
+                        <p:cond delay="indefinite"/>
+                      </p:stCondLst>
+                      <p:childTnLst>
+                        <p:par>
+                          <p:cTn id="8" fill="hold">
+                            <p:stCondLst>
+                              <p:cond delay="0"/>
+                            </p:stCondLst>
+                            <p:childTnLst>
+                              <p:par>
+                                <p:cTn id="9" presetID="1" presetClass="entr" presetSubtype="0" fill="hold" nodeType="clickEffect">
+                                  <p:stCondLst>
+                                    <p:cond delay="0"/>
+                                  </p:stCondLst>
+                                  <p:childTnLst>
+                                    <p:set>
+                                      <p:cBhvr>
+                                        <p:cTn id="10" dur="1" fill="hold">
+                                          <p:stCondLst>
+                                            <p:cond delay="0"/>
+                                          </p:stCondLst>
+                                        </p:cTn>
+                                        <p:tgtEl>
+                                          <p:spTgt spid="4">
+                                            <p:txEl>
+                                              <p:pRg st="0" end="0"/>
+                                            </p:txEl>
+                                          </p:spTgt>
+                                        </p:tgtEl>
+                                        <p:attrNameLst>
+                                          <p:attrName>style.visibility</p:attrName>
+                                        </p:attrNameLst>
+                                      </p:cBhvr>
+                                      <p:to>
+                                        <p:strVal val="visible"/>
+                                      </p:to>
+                                    </p:set>
+                                  </p:childTnLst>
+                                </p:cTn>
+                              </p:par>
+                            </p:childTnLst>
+                          </p:cTn>
+                        </p:par>
+                      </p:childTnLst>
+                    </p:cTn>
+                  </p:par>
+                </p:childTnLst>
+              </p:cTn>
+              <p:prevCondLst>
+                <p:cond evt="onPrev" delay="0">
+                  <p:tgtEl>
+                    <p:sldTgt/>
+                  </p:tgtEl>
+                </p:cond>
+              </p:prevCondLst>
+              <p:nextCondLst>
+                <p:cond evt="onNext" delay="0">
+                  <p:tgtEl>
+                    <p:sldTgt/>
+                  </p:tgtEl>
+                </p:cond>
+              </p:nextCondLst>
+            </p:seq>
+          </p:childTnLst>
+        </p:cTn>
+      </p:par>
+    </p:tnLst>
+  </p:timing>
+</p:sld>
+</file>
+
+<file path=ppt/slides/slide16.xml><?xml version="1.0" encoding="utf-8"?>
+<p:sld xmlns:a="http://schemas.openxmlformats.org/drawingml/2006/main" xmlns:r="http://schemas.openxmlformats.org/officeDocument/2006/relationships" xmlns:p="http://schemas.openxmlformats.org/presentationml/2006/main">
+  <p:cSld>
+    <p:spTree>
+      <p:nvGrpSpPr>
+        <p:cNvPr id="1" name="">
+          <a:extLst>
+            <a:ext uri="{FF2B5EF4-FFF2-40B4-BE49-F238E27FC236}">
+              <a16:creationId xmlns:a16="http://schemas.microsoft.com/office/drawing/2014/main" id="{A570AD24-8D9A-99FC-B0AF-7C03C6018EAC}"/>
+            </a:ext>
+          </a:extLst>
+        </p:cNvPr>
+        <p:cNvGrpSpPr/>
+        <p:nvPr/>
+      </p:nvGrpSpPr>
+      <p:grpSpPr>
+        <a:xfrm>
+          <a:off x="0" y="0"/>
+          <a:ext cx="0" cy="0"/>
+          <a:chOff x="0" y="0"/>
+          <a:chExt cx="0" cy="0"/>
+        </a:xfrm>
+      </p:grpSpPr>
+      <p:sp>
+        <p:nvSpPr>
+          <p:cNvPr id="3" name="Subtitle 2">
+            <a:extLst>
+              <a:ext uri="{FF2B5EF4-FFF2-40B4-BE49-F238E27FC236}">
+                <a16:creationId xmlns:a16="http://schemas.microsoft.com/office/drawing/2014/main" id="{C2723BCC-8D66-AD80-4BA3-D873CB2D92F3}"/>
+              </a:ext>
+            </a:extLst>
+          </p:cNvPr>
+          <p:cNvSpPr>
+            <a:spLocks noGrp="1"/>
+          </p:cNvSpPr>
+          <p:nvPr>
+            <p:ph type="subTitle" idx="1"/>
+          </p:nvPr>
+        </p:nvSpPr>
+        <p:spPr>
+          <a:xfrm>
+            <a:off x="152399" y="217488"/>
+            <a:ext cx="12039601" cy="303212"/>
+          </a:xfrm>
+        </p:spPr>
+        <p:txBody>
+          <a:bodyPr>
+            <a:normAutofit fontScale="92500" lnSpcReduction="20000"/>
+          </a:bodyPr>
+          <a:lstStyle/>
+          <a:p>
+            <a:r>
+              <a:rPr lang="en-US" sz="1800" b="1" dirty="0"/>
+              <a:t>5.4 Declare and instantiate Java objects </a:t>
+            </a:r>
+            <a:r>
+              <a:rPr lang="en-US" sz="1800" dirty="0"/>
+              <a:t>- 5.4.1 Declare and instantiate Java objects</a:t>
+            </a:r>
+            <a:endParaRPr lang="en-US" sz="1800" b="1" dirty="0"/>
+          </a:p>
+        </p:txBody>
+      </p:sp>
+      <p:sp>
+        <p:nvSpPr>
+          <p:cNvPr id="4" name="Subtitle 2">
+            <a:extLst>
+              <a:ext uri="{FF2B5EF4-FFF2-40B4-BE49-F238E27FC236}">
+                <a16:creationId xmlns:a16="http://schemas.microsoft.com/office/drawing/2014/main" id="{BC1A27CB-7F65-E914-6FD8-EB412FA256E3}"/>
+              </a:ext>
+            </a:extLst>
+          </p:cNvPr>
+          <p:cNvSpPr txBox="1">
+            <a:spLocks/>
+          </p:cNvSpPr>
+          <p:nvPr/>
+        </p:nvSpPr>
+        <p:spPr>
+          <a:xfrm>
+            <a:off x="0" y="520700"/>
+            <a:ext cx="12192000" cy="6337300"/>
+          </a:xfrm>
+          <a:prstGeom prst="rect">
+            <a:avLst/>
+          </a:prstGeom>
+        </p:spPr>
+        <p:txBody>
+          <a:bodyPr vert="horz" lIns="91440" tIns="45720" rIns="91440" bIns="45720" rtlCol="0">
+            <a:normAutofit/>
+          </a:bodyPr>
+          <a:lstStyle>
+            <a:lvl1pPr marL="0" indent="0" algn="ctr" defTabSz="914400" rtl="0" eaLnBrk="1" latinLnBrk="0" hangingPunct="1">
+              <a:lnSpc>
+                <a:spcPct val="90000"/>
+              </a:lnSpc>
+              <a:spcBef>
+                <a:spcPts val="1000"/>
+              </a:spcBef>
+              <a:buFont typeface="Arial" panose="020B0604020202020204" pitchFamily="34" charset="0"/>
+              <a:buNone/>
+              <a:defRPr sz="2400" kern="1200">
+                <a:solidFill>
+                  <a:schemeClr val="tx1"/>
+                </a:solidFill>
+                <a:latin typeface="+mn-lt"/>
+                <a:ea typeface="+mn-ea"/>
+                <a:cs typeface="+mn-cs"/>
+              </a:defRPr>
+            </a:lvl1pPr>
+            <a:lvl2pPr marL="457200" indent="0" algn="ctr" defTabSz="914400" rtl="0" eaLnBrk="1" latinLnBrk="0" hangingPunct="1">
+              <a:lnSpc>
+                <a:spcPct val="90000"/>
+              </a:lnSpc>
+              <a:spcBef>
+                <a:spcPts val="500"/>
+              </a:spcBef>
+              <a:buFont typeface="Arial" panose="020B0604020202020204" pitchFamily="34" charset="0"/>
+              <a:buNone/>
+              <a:defRPr sz="2000" kern="1200">
+                <a:solidFill>
+                  <a:schemeClr val="tx1"/>
+                </a:solidFill>
+                <a:latin typeface="+mn-lt"/>
+                <a:ea typeface="+mn-ea"/>
+                <a:cs typeface="+mn-cs"/>
+              </a:defRPr>
+            </a:lvl2pPr>
+            <a:lvl3pPr marL="914400" indent="0" algn="ctr" defTabSz="914400" rtl="0" eaLnBrk="1" latinLnBrk="0" hangingPunct="1">
+              <a:lnSpc>
+                <a:spcPct val="90000"/>
+              </a:lnSpc>
+              <a:spcBef>
+                <a:spcPts val="500"/>
+              </a:spcBef>
+              <a:buFont typeface="Arial" panose="020B0604020202020204" pitchFamily="34" charset="0"/>
+              <a:buNone/>
+              <a:defRPr sz="1800" kern="1200">
+                <a:solidFill>
+                  <a:schemeClr val="tx1"/>
+                </a:solidFill>
+                <a:latin typeface="+mn-lt"/>
+                <a:ea typeface="+mn-ea"/>
+                <a:cs typeface="+mn-cs"/>
+              </a:defRPr>
+            </a:lvl3pPr>
+            <a:lvl4pPr marL="1371600" indent="0" algn="ctr" defTabSz="914400" rtl="0" eaLnBrk="1" latinLnBrk="0" hangingPunct="1">
+              <a:lnSpc>
+                <a:spcPct val="90000"/>
+              </a:lnSpc>
+              <a:spcBef>
+                <a:spcPts val="500"/>
+              </a:spcBef>
+              <a:buFont typeface="Arial" panose="020B0604020202020204" pitchFamily="34" charset="0"/>
+              <a:buNone/>
+              <a:defRPr sz="1600" kern="1200">
+                <a:solidFill>
+                  <a:schemeClr val="tx1"/>
+                </a:solidFill>
+                <a:latin typeface="+mn-lt"/>
+                <a:ea typeface="+mn-ea"/>
+                <a:cs typeface="+mn-cs"/>
+              </a:defRPr>
+            </a:lvl4pPr>
+            <a:lvl5pPr marL="1828800" indent="0" algn="ctr" defTabSz="914400" rtl="0" eaLnBrk="1" latinLnBrk="0" hangingPunct="1">
+              <a:lnSpc>
+                <a:spcPct val="90000"/>
+              </a:lnSpc>
+              <a:spcBef>
+                <a:spcPts val="500"/>
+              </a:spcBef>
+              <a:buFont typeface="Arial" panose="020B0604020202020204" pitchFamily="34" charset="0"/>
+              <a:buNone/>
+              <a:defRPr sz="1600" kern="1200">
+                <a:solidFill>
+                  <a:schemeClr val="tx1"/>
+                </a:solidFill>
+                <a:latin typeface="+mn-lt"/>
+                <a:ea typeface="+mn-ea"/>
+                <a:cs typeface="+mn-cs"/>
+              </a:defRPr>
+            </a:lvl5pPr>
+            <a:lvl6pPr marL="2286000" indent="0" algn="ctr" defTabSz="914400" rtl="0" eaLnBrk="1" latinLnBrk="0" hangingPunct="1">
+              <a:lnSpc>
+                <a:spcPct val="90000"/>
+              </a:lnSpc>
+              <a:spcBef>
+                <a:spcPts val="500"/>
+              </a:spcBef>
+              <a:buFont typeface="Arial" panose="020B0604020202020204" pitchFamily="34" charset="0"/>
+              <a:buNone/>
+              <a:defRPr sz="1600" kern="1200">
+                <a:solidFill>
+                  <a:schemeClr val="tx1"/>
+                </a:solidFill>
+                <a:latin typeface="+mn-lt"/>
+                <a:ea typeface="+mn-ea"/>
+                <a:cs typeface="+mn-cs"/>
+              </a:defRPr>
+            </a:lvl6pPr>
+            <a:lvl7pPr marL="2743200" indent="0" algn="ctr" defTabSz="914400" rtl="0" eaLnBrk="1" latinLnBrk="0" hangingPunct="1">
+              <a:lnSpc>
+                <a:spcPct val="90000"/>
+              </a:lnSpc>
+              <a:spcBef>
+                <a:spcPts val="500"/>
+              </a:spcBef>
+              <a:buFont typeface="Arial" panose="020B0604020202020204" pitchFamily="34" charset="0"/>
+              <a:buNone/>
+              <a:defRPr sz="1600" kern="1200">
+                <a:solidFill>
+                  <a:schemeClr val="tx1"/>
+                </a:solidFill>
+                <a:latin typeface="+mn-lt"/>
+                <a:ea typeface="+mn-ea"/>
+                <a:cs typeface="+mn-cs"/>
+              </a:defRPr>
+            </a:lvl7pPr>
+            <a:lvl8pPr marL="3200400" indent="0" algn="ctr" defTabSz="914400" rtl="0" eaLnBrk="1" latinLnBrk="0" hangingPunct="1">
+              <a:lnSpc>
+                <a:spcPct val="90000"/>
+              </a:lnSpc>
+              <a:spcBef>
+                <a:spcPts val="500"/>
+              </a:spcBef>
+              <a:buFont typeface="Arial" panose="020B0604020202020204" pitchFamily="34" charset="0"/>
+              <a:buNone/>
+              <a:defRPr sz="1600" kern="1200">
+                <a:solidFill>
+                  <a:schemeClr val="tx1"/>
+                </a:solidFill>
+                <a:latin typeface="+mn-lt"/>
+                <a:ea typeface="+mn-ea"/>
+                <a:cs typeface="+mn-cs"/>
+              </a:defRPr>
+            </a:lvl8pPr>
+            <a:lvl9pPr marL="3657600" indent="0" algn="ctr" defTabSz="914400" rtl="0" eaLnBrk="1" latinLnBrk="0" hangingPunct="1">
+              <a:lnSpc>
+                <a:spcPct val="90000"/>
+              </a:lnSpc>
+              <a:spcBef>
+                <a:spcPts val="500"/>
+              </a:spcBef>
+              <a:buFont typeface="Arial" panose="020B0604020202020204" pitchFamily="34" charset="0"/>
+              <a:buNone/>
+              <a:defRPr sz="1600" kern="1200">
+                <a:solidFill>
+                  <a:schemeClr val="tx1"/>
+                </a:solidFill>
+                <a:latin typeface="+mn-lt"/>
+                <a:ea typeface="+mn-ea"/>
+                <a:cs typeface="+mn-cs"/>
+              </a:defRPr>
+            </a:lvl9pPr>
+          </a:lstStyle>
+          <a:p>
+            <a:pPr marL="285750" indent="-285750" algn="l">
+              <a:buFontTx/>
+              <a:buChar char="-"/>
+            </a:pPr>
+            <a:r>
+              <a:rPr lang="en-US" sz="1800" dirty="0"/>
+              <a:t>The reference type name could be the simple class name or FQCN (if you don’t want to import a class or to use multiple classes with the same method name) </a:t>
+            </a:r>
+            <a:r>
+              <a:rPr lang="en-US" sz="1000" b="1" dirty="0"/>
+              <a:t>(CODE ILLUSTRATION)</a:t>
+            </a:r>
+          </a:p>
+        </p:txBody>
+      </p:sp>
+    </p:spTree>
+    <p:extLst>
+      <p:ext uri="{BB962C8B-B14F-4D97-AF65-F5344CB8AC3E}">
+        <p14:creationId xmlns:p14="http://schemas.microsoft.com/office/powerpoint/2010/main" val="1368841201"/>
+      </p:ext>
+    </p:extLst>
+  </p:cSld>
+  <p:clrMapOvr>
+    <a:masterClrMapping/>
+  </p:clrMapOvr>
+  <p:timing>
+    <p:tnLst>
+      <p:par>
+        <p:cTn id="1" dur="indefinite" restart="never" nodeType="tmRoot">
+          <p:childTnLst>
+            <p:seq concurrent="1" nextAc="seek">
+              <p:cTn id="2" dur="indefinite" nodeType="mainSeq">
+                <p:childTnLst>
+                  <p:par>
+                    <p:cTn id="3" fill="hold">
+                      <p:stCondLst>
+                        <p:cond delay="indefinite"/>
+                      </p:stCondLst>
+                      <p:childTnLst>
+                        <p:par>
+                          <p:cTn id="4" fill="hold">
+                            <p:stCondLst>
+                              <p:cond delay="0"/>
+                            </p:stCondLst>
+                            <p:childTnLst>
+                              <p:par>
+                                <p:cTn id="5" presetID="1" presetClass="entr" presetSubtype="0" fill="hold" nodeType="clickEffect">
+                                  <p:stCondLst>
+                                    <p:cond delay="0"/>
+                                  </p:stCondLst>
+                                  <p:childTnLst>
+                                    <p:set>
+                                      <p:cBhvr>
+                                        <p:cTn id="6" dur="1" fill="hold">
+                                          <p:stCondLst>
+                                            <p:cond delay="0"/>
+                                          </p:stCondLst>
+                                        </p:cTn>
+                                        <p:tgtEl>
+                                          <p:spTgt spid="4">
+                                            <p:txEl>
+                                              <p:pRg st="0" end="0"/>
+                                            </p:txEl>
+                                          </p:spTgt>
+                                        </p:tgtEl>
+                                        <p:attrNameLst>
+                                          <p:attrName>style.visibility</p:attrName>
+                                        </p:attrNameLst>
+                                      </p:cBhvr>
+                                      <p:to>
+                                        <p:strVal val="visible"/>
+                                      </p:to>
+                                    </p:set>
+                                  </p:childTnLst>
+                                </p:cTn>
+                              </p:par>
+                            </p:childTnLst>
+                          </p:cTn>
+                        </p:par>
+                      </p:childTnLst>
+                    </p:cTn>
+                  </p:par>
+                  <p:par>
+                    <p:cTn id="7" fill="hold">
+                      <p:stCondLst>
+                        <p:cond delay="indefinite"/>
+                      </p:stCondLst>
+                      <p:childTnLst>
+                        <p:par>
+                          <p:cTn id="8" fill="hold">
+                            <p:stCondLst>
+                              <p:cond delay="0"/>
+                            </p:stCondLst>
+                            <p:childTnLst>
+                              <p:par>
+                                <p:cTn id="9" presetID="1" presetClass="entr" presetSubtype="0" fill="hold" nodeType="clickEffect">
+                                  <p:stCondLst>
+                                    <p:cond delay="0"/>
+                                  </p:stCondLst>
+                                  <p:childTnLst>
+                                    <p:set>
+                                      <p:cBhvr>
+                                        <p:cTn id="10" dur="1" fill="hold">
+                                          <p:stCondLst>
+                                            <p:cond delay="0"/>
+                                          </p:stCondLst>
+                                        </p:cTn>
+                                        <p:tgtEl>
+                                          <p:spTgt spid="4">
+                                            <p:txEl>
+                                              <p:pRg st="0" end="0"/>
                                             </p:txEl>
                                           </p:spTgt>
                                         </p:tgtEl>
